--- a/webservices/Web-Services-DHBWPal.pptx
+++ b/webservices/Web-Services-DHBWPal.pptx
@@ -7,9 +7,23 @@
   <p:sldIdLst>
     <p:sldId id="256" r:id="rId2"/>
     <p:sldId id="257" r:id="rId3"/>
-    <p:sldId id="258" r:id="rId4"/>
-    <p:sldId id="259" r:id="rId5"/>
-    <p:sldId id="260" r:id="rId6"/>
+    <p:sldId id="277" r:id="rId4"/>
+    <p:sldId id="263" r:id="rId5"/>
+    <p:sldId id="264" r:id="rId6"/>
+    <p:sldId id="265" r:id="rId7"/>
+    <p:sldId id="266" r:id="rId8"/>
+    <p:sldId id="267" r:id="rId9"/>
+    <p:sldId id="268" r:id="rId10"/>
+    <p:sldId id="276" r:id="rId11"/>
+    <p:sldId id="261" r:id="rId12"/>
+    <p:sldId id="269" r:id="rId13"/>
+    <p:sldId id="270" r:id="rId14"/>
+    <p:sldId id="271" r:id="rId15"/>
+    <p:sldId id="272" r:id="rId16"/>
+    <p:sldId id="273" r:id="rId17"/>
+    <p:sldId id="274" r:id="rId18"/>
+    <p:sldId id="275" r:id="rId19"/>
+    <p:sldId id="278" r:id="rId20"/>
   </p:sldIdLst>
   <p:sldSz cx="12192000" cy="6858000"/>
   <p:notesSz cx="6858000" cy="9144000"/>
@@ -108,7 +122,3037 @@
       </a:defRPr>
     </a:lvl9pPr>
   </p:defaultTextStyle>
+  <p:extLst>
+    <p:ext uri="{EFAFB233-063F-42B5-8137-9DF3F51BA10A}">
+      <p15:sldGuideLst xmlns:p15="http://schemas.microsoft.com/office/powerpoint/2012/main"/>
+    </p:ext>
+  </p:extLst>
 </p:presentation>
+</file>
+
+<file path=ppt/diagrams/colors1.xml><?xml version="1.0" encoding="utf-8"?>
+<dgm:colorsDef xmlns:dgm="http://schemas.openxmlformats.org/drawingml/2006/diagram" xmlns:a="http://schemas.openxmlformats.org/drawingml/2006/main" uniqueId="urn:microsoft.com/office/officeart/2018/5/colors/Iconchunking_neutralicon_colorful1">
+  <dgm:title val=""/>
+  <dgm:desc val=""/>
+  <dgm:catLst>
+    <dgm:cat type="colorful" pri="10100"/>
+  </dgm:catLst>
+  <dgm:styleLbl name="node0">
+    <dgm:fillClrLst meth="repeat">
+      <a:schemeClr val="accent1"/>
+    </dgm:fillClrLst>
+    <dgm:linClrLst meth="repeat">
+      <a:schemeClr val="lt1"/>
+    </dgm:linClrLst>
+    <dgm:effectClrLst/>
+    <dgm:txLinClrLst/>
+    <dgm:txFillClrLst/>
+    <dgm:txEffectClrLst/>
+  </dgm:styleLbl>
+  <dgm:styleLbl name="node1">
+    <dgm:fillClrLst meth="repeat">
+      <a:schemeClr val="bg1"/>
+    </dgm:fillClrLst>
+    <dgm:linClrLst meth="repeat">
+      <a:schemeClr val="lt1">
+        <a:alpha val="0"/>
+      </a:schemeClr>
+    </dgm:linClrLst>
+    <dgm:effectClrLst/>
+    <dgm:txLinClrLst/>
+    <dgm:txFillClrLst meth="repeat">
+      <a:schemeClr val="dk1"/>
+    </dgm:txFillClrLst>
+    <dgm:txEffectClrLst/>
+  </dgm:styleLbl>
+  <dgm:styleLbl name="alignNode1">
+    <dgm:fillClrLst meth="repeat">
+      <a:schemeClr val="accent2"/>
+      <a:schemeClr val="accent3"/>
+      <a:schemeClr val="accent4"/>
+      <a:schemeClr val="accent5"/>
+      <a:schemeClr val="accent6"/>
+    </dgm:fillClrLst>
+    <dgm:linClrLst meth="repeat">
+      <a:schemeClr val="accent2"/>
+      <a:schemeClr val="accent3"/>
+      <a:schemeClr val="accent4"/>
+      <a:schemeClr val="accent5"/>
+      <a:schemeClr val="accent6"/>
+    </dgm:linClrLst>
+    <dgm:effectClrLst/>
+    <dgm:txLinClrLst/>
+    <dgm:txFillClrLst/>
+    <dgm:txEffectClrLst/>
+  </dgm:styleLbl>
+  <dgm:styleLbl name="lnNode1">
+    <dgm:fillClrLst meth="repeat">
+      <a:schemeClr val="accent2"/>
+      <a:schemeClr val="accent3"/>
+      <a:schemeClr val="accent4"/>
+      <a:schemeClr val="accent5"/>
+      <a:schemeClr val="accent6"/>
+    </dgm:fillClrLst>
+    <dgm:linClrLst meth="repeat">
+      <a:schemeClr val="lt1"/>
+    </dgm:linClrLst>
+    <dgm:effectClrLst/>
+    <dgm:txLinClrLst/>
+    <dgm:txFillClrLst/>
+    <dgm:txEffectClrLst/>
+  </dgm:styleLbl>
+  <dgm:styleLbl name="vennNode1">
+    <dgm:fillClrLst meth="repeat">
+      <a:schemeClr val="accent2">
+        <a:alpha val="50000"/>
+      </a:schemeClr>
+      <a:schemeClr val="accent3">
+        <a:alpha val="50000"/>
+      </a:schemeClr>
+      <a:schemeClr val="accent4">
+        <a:alpha val="50000"/>
+      </a:schemeClr>
+      <a:schemeClr val="accent5">
+        <a:alpha val="50000"/>
+      </a:schemeClr>
+      <a:schemeClr val="accent6">
+        <a:alpha val="50000"/>
+      </a:schemeClr>
+    </dgm:fillClrLst>
+    <dgm:linClrLst meth="repeat">
+      <a:schemeClr val="lt1"/>
+    </dgm:linClrLst>
+    <dgm:effectClrLst/>
+    <dgm:txLinClrLst/>
+    <dgm:txFillClrLst/>
+    <dgm:txEffectClrLst/>
+  </dgm:styleLbl>
+  <dgm:styleLbl name="node2">
+    <dgm:fillClrLst>
+      <a:schemeClr val="accent2"/>
+    </dgm:fillClrLst>
+    <dgm:linClrLst meth="repeat">
+      <a:schemeClr val="lt1"/>
+    </dgm:linClrLst>
+    <dgm:effectClrLst/>
+    <dgm:txLinClrLst/>
+    <dgm:txFillClrLst/>
+    <dgm:txEffectClrLst/>
+  </dgm:styleLbl>
+  <dgm:styleLbl name="node3">
+    <dgm:fillClrLst>
+      <a:schemeClr val="accent3"/>
+    </dgm:fillClrLst>
+    <dgm:linClrLst meth="repeat">
+      <a:schemeClr val="lt1"/>
+    </dgm:linClrLst>
+    <dgm:effectClrLst/>
+    <dgm:txLinClrLst/>
+    <dgm:txFillClrLst/>
+    <dgm:txEffectClrLst/>
+  </dgm:styleLbl>
+  <dgm:styleLbl name="node4">
+    <dgm:fillClrLst>
+      <a:schemeClr val="accent4"/>
+    </dgm:fillClrLst>
+    <dgm:linClrLst meth="repeat">
+      <a:schemeClr val="lt1"/>
+    </dgm:linClrLst>
+    <dgm:effectClrLst/>
+    <dgm:txLinClrLst/>
+    <dgm:txFillClrLst/>
+    <dgm:txEffectClrLst/>
+  </dgm:styleLbl>
+  <dgm:styleLbl name="fgImgPlace1">
+    <dgm:fillClrLst meth="repeat">
+      <a:schemeClr val="accent2">
+        <a:tint val="50000"/>
+      </a:schemeClr>
+      <a:schemeClr val="accent3">
+        <a:tint val="50000"/>
+      </a:schemeClr>
+      <a:schemeClr val="accent4">
+        <a:tint val="50000"/>
+      </a:schemeClr>
+      <a:schemeClr val="accent5">
+        <a:tint val="50000"/>
+      </a:schemeClr>
+      <a:schemeClr val="accent6">
+        <a:tint val="50000"/>
+      </a:schemeClr>
+    </dgm:fillClrLst>
+    <dgm:linClrLst meth="repeat">
+      <a:schemeClr val="lt1"/>
+    </dgm:linClrLst>
+    <dgm:effectClrLst/>
+    <dgm:txLinClrLst/>
+    <dgm:txFillClrLst meth="repeat">
+      <a:schemeClr val="lt1"/>
+    </dgm:txFillClrLst>
+    <dgm:txEffectClrLst/>
+  </dgm:styleLbl>
+  <dgm:styleLbl name="alignImgPlace1">
+    <dgm:fillClrLst>
+      <a:schemeClr val="accent1">
+        <a:tint val="50000"/>
+      </a:schemeClr>
+      <a:schemeClr val="accent2">
+        <a:tint val="20000"/>
+      </a:schemeClr>
+    </dgm:fillClrLst>
+    <dgm:linClrLst meth="repeat">
+      <a:schemeClr val="lt1"/>
+    </dgm:linClrLst>
+    <dgm:effectClrLst/>
+    <dgm:txLinClrLst/>
+    <dgm:txFillClrLst meth="repeat">
+      <a:schemeClr val="lt1"/>
+    </dgm:txFillClrLst>
+    <dgm:txEffectClrLst/>
+  </dgm:styleLbl>
+  <dgm:styleLbl name="bgImgPlace1">
+    <dgm:fillClrLst>
+      <a:schemeClr val="accent1">
+        <a:tint val="50000"/>
+      </a:schemeClr>
+      <a:schemeClr val="accent2">
+        <a:tint val="20000"/>
+      </a:schemeClr>
+    </dgm:fillClrLst>
+    <dgm:linClrLst meth="repeat">
+      <a:schemeClr val="lt1"/>
+    </dgm:linClrLst>
+    <dgm:effectClrLst/>
+    <dgm:txLinClrLst/>
+    <dgm:txFillClrLst meth="repeat">
+      <a:schemeClr val="lt1"/>
+    </dgm:txFillClrLst>
+    <dgm:txEffectClrLst/>
+  </dgm:styleLbl>
+  <dgm:styleLbl name="sibTrans2D1">
+    <dgm:fillClrLst meth="repeat">
+      <a:schemeClr val="accent2"/>
+      <a:schemeClr val="accent3"/>
+      <a:schemeClr val="accent4"/>
+      <a:schemeClr val="accent5"/>
+      <a:schemeClr val="accent6"/>
+    </dgm:fillClrLst>
+    <dgm:linClrLst meth="cycle">
+      <a:schemeClr val="lt1"/>
+    </dgm:linClrLst>
+    <dgm:effectClrLst/>
+    <dgm:txLinClrLst/>
+    <dgm:txFillClrLst/>
+    <dgm:txEffectClrLst/>
+  </dgm:styleLbl>
+  <dgm:styleLbl name="fgSibTrans2D1">
+    <dgm:fillClrLst meth="repeat">
+      <a:schemeClr val="accent2"/>
+      <a:schemeClr val="accent3"/>
+      <a:schemeClr val="accent4"/>
+      <a:schemeClr val="accent5"/>
+      <a:schemeClr val="accent6"/>
+    </dgm:fillClrLst>
+    <dgm:linClrLst meth="cycle">
+      <a:schemeClr val="lt1"/>
+    </dgm:linClrLst>
+    <dgm:effectClrLst/>
+    <dgm:txLinClrLst/>
+    <dgm:txFillClrLst meth="repeat">
+      <a:schemeClr val="lt1"/>
+    </dgm:txFillClrLst>
+    <dgm:txEffectClrLst/>
+  </dgm:styleLbl>
+  <dgm:styleLbl name="bgSibTrans2D1">
+    <dgm:fillClrLst meth="repeat">
+      <a:schemeClr val="accent2"/>
+      <a:schemeClr val="accent3"/>
+      <a:schemeClr val="accent4"/>
+      <a:schemeClr val="accent5"/>
+      <a:schemeClr val="accent6"/>
+    </dgm:fillClrLst>
+    <dgm:linClrLst meth="cycle">
+      <a:schemeClr val="lt1"/>
+    </dgm:linClrLst>
+    <dgm:effectClrLst/>
+    <dgm:txLinClrLst/>
+    <dgm:txFillClrLst meth="repeat">
+      <a:schemeClr val="lt1"/>
+    </dgm:txFillClrLst>
+    <dgm:txEffectClrLst/>
+  </dgm:styleLbl>
+  <dgm:styleLbl name="sibTrans1D1">
+    <dgm:fillClrLst meth="repeat">
+      <a:schemeClr val="accent2"/>
+      <a:schemeClr val="accent3"/>
+      <a:schemeClr val="accent4"/>
+      <a:schemeClr val="accent5"/>
+      <a:schemeClr val="accent6"/>
+    </dgm:fillClrLst>
+    <dgm:linClrLst meth="repeat">
+      <a:schemeClr val="accent2"/>
+      <a:schemeClr val="accent3"/>
+      <a:schemeClr val="accent4"/>
+      <a:schemeClr val="accent5"/>
+      <a:schemeClr val="accent6"/>
+    </dgm:linClrLst>
+    <dgm:effectClrLst/>
+    <dgm:txLinClrLst/>
+    <dgm:txFillClrLst meth="repeat">
+      <a:schemeClr val="tx1"/>
+    </dgm:txFillClrLst>
+    <dgm:txEffectClrLst/>
+  </dgm:styleLbl>
+  <dgm:styleLbl name="callout">
+    <dgm:fillClrLst meth="repeat">
+      <a:schemeClr val="accent2"/>
+    </dgm:fillClrLst>
+    <dgm:linClrLst meth="repeat">
+      <a:schemeClr val="accent2">
+        <a:tint val="50000"/>
+      </a:schemeClr>
+    </dgm:linClrLst>
+    <dgm:effectClrLst/>
+    <dgm:txLinClrLst/>
+    <dgm:txFillClrLst meth="repeat">
+      <a:schemeClr val="tx1"/>
+    </dgm:txFillClrLst>
+    <dgm:txEffectClrLst/>
+  </dgm:styleLbl>
+  <dgm:styleLbl name="asst0">
+    <dgm:fillClrLst meth="repeat">
+      <a:schemeClr val="accent1"/>
+    </dgm:fillClrLst>
+    <dgm:linClrLst meth="repeat">
+      <a:schemeClr val="lt1"/>
+    </dgm:linClrLst>
+    <dgm:effectClrLst/>
+    <dgm:txLinClrLst/>
+    <dgm:txFillClrLst/>
+    <dgm:txEffectClrLst/>
+  </dgm:styleLbl>
+  <dgm:styleLbl name="asst1">
+    <dgm:fillClrLst meth="repeat">
+      <a:schemeClr val="accent2"/>
+    </dgm:fillClrLst>
+    <dgm:linClrLst meth="repeat">
+      <a:schemeClr val="lt1"/>
+    </dgm:linClrLst>
+    <dgm:effectClrLst/>
+    <dgm:txLinClrLst/>
+    <dgm:txFillClrLst/>
+    <dgm:txEffectClrLst/>
+  </dgm:styleLbl>
+  <dgm:styleLbl name="asst2">
+    <dgm:fillClrLst>
+      <a:schemeClr val="accent3"/>
+    </dgm:fillClrLst>
+    <dgm:linClrLst meth="repeat">
+      <a:schemeClr val="lt1"/>
+    </dgm:linClrLst>
+    <dgm:effectClrLst/>
+    <dgm:txLinClrLst/>
+    <dgm:txFillClrLst/>
+    <dgm:txEffectClrLst/>
+  </dgm:styleLbl>
+  <dgm:styleLbl name="asst3">
+    <dgm:fillClrLst>
+      <a:schemeClr val="accent4"/>
+    </dgm:fillClrLst>
+    <dgm:linClrLst meth="repeat">
+      <a:schemeClr val="lt1"/>
+    </dgm:linClrLst>
+    <dgm:effectClrLst/>
+    <dgm:txLinClrLst/>
+    <dgm:txFillClrLst/>
+    <dgm:txEffectClrLst/>
+  </dgm:styleLbl>
+  <dgm:styleLbl name="asst4">
+    <dgm:fillClrLst>
+      <a:schemeClr val="accent5"/>
+    </dgm:fillClrLst>
+    <dgm:linClrLst meth="repeat">
+      <a:schemeClr val="lt1"/>
+    </dgm:linClrLst>
+    <dgm:effectClrLst/>
+    <dgm:txLinClrLst/>
+    <dgm:txFillClrLst/>
+    <dgm:txEffectClrLst/>
+  </dgm:styleLbl>
+  <dgm:styleLbl name="parChTrans2D1">
+    <dgm:fillClrLst meth="repeat">
+      <a:schemeClr val="accent2"/>
+    </dgm:fillClrLst>
+    <dgm:linClrLst meth="repeat">
+      <a:schemeClr val="lt1"/>
+    </dgm:linClrLst>
+    <dgm:effectClrLst/>
+    <dgm:txLinClrLst/>
+    <dgm:txFillClrLst meth="repeat">
+      <a:schemeClr val="lt1"/>
+    </dgm:txFillClrLst>
+    <dgm:txEffectClrLst/>
+  </dgm:styleLbl>
+  <dgm:styleLbl name="parChTrans2D2">
+    <dgm:fillClrLst meth="repeat">
+      <a:schemeClr val="accent3"/>
+    </dgm:fillClrLst>
+    <dgm:linClrLst meth="repeat">
+      <a:schemeClr val="lt1"/>
+    </dgm:linClrLst>
+    <dgm:effectClrLst/>
+    <dgm:txLinClrLst/>
+    <dgm:txFillClrLst/>
+    <dgm:txEffectClrLst/>
+  </dgm:styleLbl>
+  <dgm:styleLbl name="parChTrans2D3">
+    <dgm:fillClrLst meth="repeat">
+      <a:schemeClr val="accent4"/>
+    </dgm:fillClrLst>
+    <dgm:linClrLst meth="repeat">
+      <a:schemeClr val="lt1"/>
+    </dgm:linClrLst>
+    <dgm:effectClrLst/>
+    <dgm:txLinClrLst/>
+    <dgm:txFillClrLst/>
+    <dgm:txEffectClrLst/>
+  </dgm:styleLbl>
+  <dgm:styleLbl name="parChTrans2D4">
+    <dgm:fillClrLst meth="repeat">
+      <a:schemeClr val="accent5"/>
+    </dgm:fillClrLst>
+    <dgm:linClrLst meth="repeat">
+      <a:schemeClr val="lt1"/>
+    </dgm:linClrLst>
+    <dgm:effectClrLst/>
+    <dgm:txLinClrLst/>
+    <dgm:txFillClrLst meth="repeat">
+      <a:schemeClr val="lt1"/>
+    </dgm:txFillClrLst>
+    <dgm:txEffectClrLst/>
+  </dgm:styleLbl>
+  <dgm:styleLbl name="parChTrans1D1">
+    <dgm:fillClrLst meth="repeat">
+      <a:schemeClr val="accent2"/>
+    </dgm:fillClrLst>
+    <dgm:linClrLst meth="repeat">
+      <a:schemeClr val="accent1"/>
+    </dgm:linClrLst>
+    <dgm:effectClrLst/>
+    <dgm:txLinClrLst/>
+    <dgm:txFillClrLst meth="repeat">
+      <a:schemeClr val="tx1"/>
+    </dgm:txFillClrLst>
+    <dgm:txEffectClrLst/>
+  </dgm:styleLbl>
+  <dgm:styleLbl name="parChTrans1D2">
+    <dgm:fillClrLst meth="repeat">
+      <a:schemeClr val="accent3">
+        <a:tint val="90000"/>
+      </a:schemeClr>
+    </dgm:fillClrLst>
+    <dgm:linClrLst meth="repeat">
+      <a:schemeClr val="accent2"/>
+    </dgm:linClrLst>
+    <dgm:effectClrLst/>
+    <dgm:txLinClrLst/>
+    <dgm:txFillClrLst meth="repeat">
+      <a:schemeClr val="tx1"/>
+    </dgm:txFillClrLst>
+    <dgm:txEffectClrLst/>
+  </dgm:styleLbl>
+  <dgm:styleLbl name="parChTrans1D3">
+    <dgm:fillClrLst meth="repeat">
+      <a:schemeClr val="accent4">
+        <a:tint val="70000"/>
+      </a:schemeClr>
+    </dgm:fillClrLst>
+    <dgm:linClrLst meth="repeat">
+      <a:schemeClr val="accent3"/>
+    </dgm:linClrLst>
+    <dgm:effectClrLst/>
+    <dgm:txLinClrLst/>
+    <dgm:txFillClrLst meth="repeat">
+      <a:schemeClr val="tx1"/>
+    </dgm:txFillClrLst>
+    <dgm:txEffectClrLst/>
+  </dgm:styleLbl>
+  <dgm:styleLbl name="parChTrans1D4">
+    <dgm:fillClrLst meth="repeat">
+      <a:schemeClr val="accent5">
+        <a:tint val="50000"/>
+      </a:schemeClr>
+    </dgm:fillClrLst>
+    <dgm:linClrLst meth="repeat">
+      <a:schemeClr val="accent4"/>
+    </dgm:linClrLst>
+    <dgm:effectClrLst/>
+    <dgm:txLinClrLst/>
+    <dgm:txFillClrLst meth="repeat">
+      <a:schemeClr val="tx1"/>
+    </dgm:txFillClrLst>
+    <dgm:txEffectClrLst/>
+  </dgm:styleLbl>
+  <dgm:styleLbl name="fgAcc1">
+    <dgm:fillClrLst meth="repeat">
+      <a:schemeClr val="lt1">
+        <a:alpha val="90000"/>
+      </a:schemeClr>
+    </dgm:fillClrLst>
+    <dgm:linClrLst meth="repeat">
+      <a:schemeClr val="accent2"/>
+      <a:schemeClr val="accent3"/>
+      <a:schemeClr val="accent4"/>
+      <a:schemeClr val="accent5"/>
+      <a:schemeClr val="accent6"/>
+    </dgm:linClrLst>
+    <dgm:effectClrLst/>
+    <dgm:txLinClrLst/>
+    <dgm:txFillClrLst meth="repeat">
+      <a:schemeClr val="dk1"/>
+    </dgm:txFillClrLst>
+    <dgm:txEffectClrLst/>
+  </dgm:styleLbl>
+  <dgm:styleLbl name="conFgAcc1">
+    <dgm:fillClrLst meth="repeat">
+      <a:schemeClr val="lt1">
+        <a:alpha val="90000"/>
+      </a:schemeClr>
+    </dgm:fillClrLst>
+    <dgm:linClrLst meth="repeat">
+      <a:schemeClr val="accent2"/>
+      <a:schemeClr val="accent3"/>
+      <a:schemeClr val="accent4"/>
+      <a:schemeClr val="accent5"/>
+      <a:schemeClr val="accent6"/>
+    </dgm:linClrLst>
+    <dgm:effectClrLst/>
+    <dgm:txLinClrLst/>
+    <dgm:txFillClrLst meth="repeat">
+      <a:schemeClr val="dk1"/>
+    </dgm:txFillClrLst>
+    <dgm:txEffectClrLst/>
+  </dgm:styleLbl>
+  <dgm:styleLbl name="alignAcc1">
+    <dgm:fillClrLst meth="repeat">
+      <a:schemeClr val="lt1">
+        <a:alpha val="90000"/>
+      </a:schemeClr>
+    </dgm:fillClrLst>
+    <dgm:linClrLst meth="repeat">
+      <a:schemeClr val="accent2"/>
+      <a:schemeClr val="accent3"/>
+      <a:schemeClr val="accent4"/>
+      <a:schemeClr val="accent5"/>
+      <a:schemeClr val="accent6"/>
+    </dgm:linClrLst>
+    <dgm:effectClrLst/>
+    <dgm:txLinClrLst/>
+    <dgm:txFillClrLst meth="repeat">
+      <a:schemeClr val="dk1"/>
+    </dgm:txFillClrLst>
+    <dgm:txEffectClrLst/>
+  </dgm:styleLbl>
+  <dgm:styleLbl name="trAlignAcc1">
+    <dgm:fillClrLst meth="repeat">
+      <a:schemeClr val="lt1">
+        <a:alpha val="40000"/>
+      </a:schemeClr>
+    </dgm:fillClrLst>
+    <dgm:linClrLst meth="repeat">
+      <a:schemeClr val="accent1"/>
+    </dgm:linClrLst>
+    <dgm:effectClrLst/>
+    <dgm:txLinClrLst/>
+    <dgm:txFillClrLst meth="repeat">
+      <a:schemeClr val="dk1"/>
+    </dgm:txFillClrLst>
+    <dgm:txEffectClrLst/>
+  </dgm:styleLbl>
+  <dgm:styleLbl name="bgAcc1">
+    <dgm:fillClrLst meth="repeat">
+      <a:schemeClr val="lt1">
+        <a:alpha val="90000"/>
+      </a:schemeClr>
+    </dgm:fillClrLst>
+    <dgm:linClrLst meth="repeat">
+      <a:schemeClr val="accent2"/>
+      <a:schemeClr val="accent3"/>
+      <a:schemeClr val="accent4"/>
+      <a:schemeClr val="accent5"/>
+      <a:schemeClr val="accent6"/>
+    </dgm:linClrLst>
+    <dgm:effectClrLst/>
+    <dgm:txLinClrLst/>
+    <dgm:txFillClrLst meth="repeat">
+      <a:schemeClr val="dk1"/>
+    </dgm:txFillClrLst>
+    <dgm:txEffectClrLst/>
+  </dgm:styleLbl>
+  <dgm:styleLbl name="solidFgAcc1">
+    <dgm:fillClrLst meth="repeat">
+      <a:schemeClr val="lt1"/>
+    </dgm:fillClrLst>
+    <dgm:linClrLst meth="repeat">
+      <a:schemeClr val="accent2"/>
+      <a:schemeClr val="accent3"/>
+      <a:schemeClr val="accent4"/>
+      <a:schemeClr val="accent5"/>
+      <a:schemeClr val="accent6"/>
+    </dgm:linClrLst>
+    <dgm:effectClrLst/>
+    <dgm:txLinClrLst/>
+    <dgm:txFillClrLst meth="repeat">
+      <a:schemeClr val="dk1"/>
+    </dgm:txFillClrLst>
+    <dgm:txEffectClrLst/>
+  </dgm:styleLbl>
+  <dgm:styleLbl name="solidAlignAcc1">
+    <dgm:fillClrLst meth="repeat">
+      <a:schemeClr val="lt1"/>
+    </dgm:fillClrLst>
+    <dgm:linClrLst meth="repeat">
+      <a:schemeClr val="accent2"/>
+      <a:schemeClr val="accent3"/>
+      <a:schemeClr val="accent4"/>
+      <a:schemeClr val="accent5"/>
+      <a:schemeClr val="accent6"/>
+    </dgm:linClrLst>
+    <dgm:effectClrLst/>
+    <dgm:txLinClrLst/>
+    <dgm:txFillClrLst meth="repeat">
+      <a:schemeClr val="dk1"/>
+    </dgm:txFillClrLst>
+    <dgm:txEffectClrLst/>
+  </dgm:styleLbl>
+  <dgm:styleLbl name="solidBgAcc1">
+    <dgm:fillClrLst meth="repeat">
+      <a:schemeClr val="lt1"/>
+    </dgm:fillClrLst>
+    <dgm:linClrLst meth="repeat">
+      <a:schemeClr val="accent2"/>
+      <a:schemeClr val="accent3"/>
+      <a:schemeClr val="accent4"/>
+      <a:schemeClr val="accent5"/>
+      <a:schemeClr val="accent6"/>
+    </dgm:linClrLst>
+    <dgm:effectClrLst/>
+    <dgm:txLinClrLst/>
+    <dgm:txFillClrLst meth="repeat">
+      <a:schemeClr val="dk1"/>
+    </dgm:txFillClrLst>
+    <dgm:txEffectClrLst/>
+  </dgm:styleLbl>
+  <dgm:styleLbl name="fgAccFollowNode1">
+    <dgm:fillClrLst meth="repeat">
+      <a:schemeClr val="accent2">
+        <a:tint val="40000"/>
+        <a:alpha val="90000"/>
+      </a:schemeClr>
+      <a:schemeClr val="accent3">
+        <a:tint val="40000"/>
+        <a:alpha val="90000"/>
+      </a:schemeClr>
+      <a:schemeClr val="accent4">
+        <a:tint val="40000"/>
+        <a:alpha val="90000"/>
+      </a:schemeClr>
+      <a:schemeClr val="accent5">
+        <a:tint val="40000"/>
+        <a:alpha val="90000"/>
+      </a:schemeClr>
+      <a:schemeClr val="accent6">
+        <a:tint val="40000"/>
+        <a:alpha val="90000"/>
+      </a:schemeClr>
+    </dgm:fillClrLst>
+    <dgm:linClrLst meth="repeat">
+      <a:schemeClr val="accent2">
+        <a:tint val="40000"/>
+        <a:alpha val="90000"/>
+      </a:schemeClr>
+      <a:schemeClr val="accent3">
+        <a:tint val="40000"/>
+        <a:alpha val="90000"/>
+      </a:schemeClr>
+      <a:schemeClr val="accent4">
+        <a:tint val="40000"/>
+        <a:alpha val="90000"/>
+      </a:schemeClr>
+      <a:schemeClr val="accent5">
+        <a:tint val="40000"/>
+        <a:alpha val="90000"/>
+      </a:schemeClr>
+      <a:schemeClr val="accent6">
+        <a:tint val="40000"/>
+        <a:alpha val="90000"/>
+      </a:schemeClr>
+    </dgm:linClrLst>
+    <dgm:effectClrLst/>
+    <dgm:txLinClrLst/>
+    <dgm:txFillClrLst meth="repeat">
+      <a:schemeClr val="dk1"/>
+    </dgm:txFillClrLst>
+    <dgm:txEffectClrLst/>
+  </dgm:styleLbl>
+  <dgm:styleLbl name="alignAccFollowNode1">
+    <dgm:fillClrLst meth="repeat">
+      <a:schemeClr val="accent2">
+        <a:tint val="40000"/>
+        <a:alpha val="90000"/>
+      </a:schemeClr>
+      <a:schemeClr val="accent3">
+        <a:tint val="40000"/>
+        <a:alpha val="90000"/>
+      </a:schemeClr>
+      <a:schemeClr val="accent4">
+        <a:tint val="40000"/>
+        <a:alpha val="90000"/>
+      </a:schemeClr>
+      <a:schemeClr val="accent5">
+        <a:tint val="40000"/>
+        <a:alpha val="90000"/>
+      </a:schemeClr>
+      <a:schemeClr val="accent6">
+        <a:tint val="40000"/>
+        <a:alpha val="90000"/>
+      </a:schemeClr>
+    </dgm:fillClrLst>
+    <dgm:linClrLst meth="repeat">
+      <a:schemeClr val="accent2">
+        <a:tint val="40000"/>
+        <a:alpha val="90000"/>
+      </a:schemeClr>
+      <a:schemeClr val="accent3">
+        <a:tint val="40000"/>
+        <a:alpha val="90000"/>
+      </a:schemeClr>
+      <a:schemeClr val="accent4">
+        <a:tint val="40000"/>
+        <a:alpha val="90000"/>
+      </a:schemeClr>
+      <a:schemeClr val="accent5">
+        <a:tint val="40000"/>
+        <a:alpha val="90000"/>
+      </a:schemeClr>
+      <a:schemeClr val="accent6">
+        <a:tint val="40000"/>
+        <a:alpha val="90000"/>
+      </a:schemeClr>
+    </dgm:linClrLst>
+    <dgm:effectClrLst/>
+    <dgm:txLinClrLst/>
+    <dgm:txFillClrLst meth="repeat">
+      <a:schemeClr val="dk1"/>
+    </dgm:txFillClrLst>
+    <dgm:txEffectClrLst/>
+  </dgm:styleLbl>
+  <dgm:styleLbl name="bgAccFollowNode1">
+    <dgm:fillClrLst meth="repeat">
+      <a:schemeClr val="accent2">
+        <a:tint val="40000"/>
+        <a:alpha val="90000"/>
+      </a:schemeClr>
+      <a:schemeClr val="accent3">
+        <a:tint val="40000"/>
+        <a:alpha val="90000"/>
+      </a:schemeClr>
+      <a:schemeClr val="accent4">
+        <a:tint val="40000"/>
+        <a:alpha val="90000"/>
+      </a:schemeClr>
+      <a:schemeClr val="accent5">
+        <a:tint val="40000"/>
+        <a:alpha val="90000"/>
+      </a:schemeClr>
+      <a:schemeClr val="accent6">
+        <a:tint val="40000"/>
+        <a:alpha val="90000"/>
+      </a:schemeClr>
+    </dgm:fillClrLst>
+    <dgm:linClrLst meth="repeat">
+      <a:schemeClr val="accent2">
+        <a:tint val="40000"/>
+        <a:alpha val="90000"/>
+      </a:schemeClr>
+      <a:schemeClr val="accent3">
+        <a:tint val="40000"/>
+        <a:alpha val="90000"/>
+      </a:schemeClr>
+      <a:schemeClr val="accent4">
+        <a:tint val="40000"/>
+        <a:alpha val="90000"/>
+      </a:schemeClr>
+      <a:schemeClr val="accent5">
+        <a:tint val="40000"/>
+        <a:alpha val="90000"/>
+      </a:schemeClr>
+      <a:schemeClr val="accent6">
+        <a:tint val="40000"/>
+        <a:alpha val="90000"/>
+      </a:schemeClr>
+    </dgm:linClrLst>
+    <dgm:effectClrLst/>
+    <dgm:txLinClrLst/>
+    <dgm:txFillClrLst meth="repeat">
+      <a:schemeClr val="dk1"/>
+    </dgm:txFillClrLst>
+    <dgm:txEffectClrLst/>
+  </dgm:styleLbl>
+  <dgm:styleLbl name="fgAcc0">
+    <dgm:fillClrLst meth="repeat">
+      <a:schemeClr val="lt1">
+        <a:alpha val="90000"/>
+      </a:schemeClr>
+    </dgm:fillClrLst>
+    <dgm:linClrLst>
+      <a:schemeClr val="accent1"/>
+    </dgm:linClrLst>
+    <dgm:effectClrLst/>
+    <dgm:txLinClrLst/>
+    <dgm:txFillClrLst meth="repeat">
+      <a:schemeClr val="dk1"/>
+    </dgm:txFillClrLst>
+    <dgm:txEffectClrLst/>
+  </dgm:styleLbl>
+  <dgm:styleLbl name="fgAcc2">
+    <dgm:fillClrLst meth="repeat">
+      <a:schemeClr val="lt1">
+        <a:alpha val="90000"/>
+      </a:schemeClr>
+    </dgm:fillClrLst>
+    <dgm:linClrLst>
+      <a:schemeClr val="accent2"/>
+    </dgm:linClrLst>
+    <dgm:effectClrLst/>
+    <dgm:txLinClrLst/>
+    <dgm:txFillClrLst meth="repeat">
+      <a:schemeClr val="dk1"/>
+    </dgm:txFillClrLst>
+    <dgm:txEffectClrLst/>
+  </dgm:styleLbl>
+  <dgm:styleLbl name="fgAcc3">
+    <dgm:fillClrLst meth="repeat">
+      <a:schemeClr val="lt1">
+        <a:alpha val="90000"/>
+      </a:schemeClr>
+    </dgm:fillClrLst>
+    <dgm:linClrLst>
+      <a:schemeClr val="accent3"/>
+    </dgm:linClrLst>
+    <dgm:effectClrLst/>
+    <dgm:txLinClrLst/>
+    <dgm:txFillClrLst meth="repeat">
+      <a:schemeClr val="dk1"/>
+    </dgm:txFillClrLst>
+    <dgm:txEffectClrLst/>
+  </dgm:styleLbl>
+  <dgm:styleLbl name="fgAcc4">
+    <dgm:fillClrLst meth="repeat">
+      <a:schemeClr val="lt1">
+        <a:alpha val="90000"/>
+      </a:schemeClr>
+    </dgm:fillClrLst>
+    <dgm:linClrLst>
+      <a:schemeClr val="accent4"/>
+    </dgm:linClrLst>
+    <dgm:effectClrLst/>
+    <dgm:txLinClrLst/>
+    <dgm:txFillClrLst meth="repeat">
+      <a:schemeClr val="dk1"/>
+    </dgm:txFillClrLst>
+    <dgm:txEffectClrLst/>
+  </dgm:styleLbl>
+  <dgm:styleLbl name="bgShp">
+    <dgm:fillClrLst meth="repeat">
+      <a:schemeClr val="accent2"/>
+      <a:schemeClr val="accent3"/>
+      <a:schemeClr val="accent4"/>
+      <a:schemeClr val="accent5"/>
+      <a:schemeClr val="accent6"/>
+    </dgm:fillClrLst>
+    <dgm:linClrLst meth="repeat">
+      <a:schemeClr val="lt1">
+        <a:alpha val="0"/>
+      </a:schemeClr>
+    </dgm:linClrLst>
+    <dgm:effectClrLst/>
+    <dgm:txLinClrLst/>
+    <dgm:txFillClrLst/>
+    <dgm:txEffectClrLst/>
+  </dgm:styleLbl>
+  <dgm:styleLbl name="dkBgShp">
+    <dgm:fillClrLst meth="repeat">
+      <a:schemeClr val="accent2">
+        <a:shade val="90000"/>
+      </a:schemeClr>
+    </dgm:fillClrLst>
+    <dgm:linClrLst meth="repeat">
+      <a:schemeClr val="dk1"/>
+    </dgm:linClrLst>
+    <dgm:effectClrLst/>
+    <dgm:txLinClrLst/>
+    <dgm:txFillClrLst meth="repeat">
+      <a:schemeClr val="lt1"/>
+    </dgm:txFillClrLst>
+    <dgm:txEffectClrLst/>
+  </dgm:styleLbl>
+  <dgm:styleLbl name="trBgShp">
+    <dgm:fillClrLst meth="repeat">
+      <a:schemeClr val="accent1">
+        <a:tint val="50000"/>
+        <a:alpha val="40000"/>
+      </a:schemeClr>
+    </dgm:fillClrLst>
+    <dgm:linClrLst meth="repeat">
+      <a:schemeClr val="accent2"/>
+    </dgm:linClrLst>
+    <dgm:effectClrLst/>
+    <dgm:txLinClrLst/>
+    <dgm:txFillClrLst meth="repeat">
+      <a:schemeClr val="lt1"/>
+    </dgm:txFillClrLst>
+    <dgm:txEffectClrLst/>
+  </dgm:styleLbl>
+  <dgm:styleLbl name="fgShp">
+    <dgm:fillClrLst meth="repeat">
+      <a:schemeClr val="accent2">
+        <a:tint val="40000"/>
+      </a:schemeClr>
+    </dgm:fillClrLst>
+    <dgm:linClrLst meth="repeat">
+      <a:schemeClr val="lt1"/>
+    </dgm:linClrLst>
+    <dgm:effectClrLst/>
+    <dgm:txLinClrLst/>
+    <dgm:txFillClrLst meth="repeat">
+      <a:schemeClr val="dk1"/>
+    </dgm:txFillClrLst>
+    <dgm:txEffectClrLst/>
+  </dgm:styleLbl>
+  <dgm:styleLbl name="revTx">
+    <dgm:fillClrLst meth="repeat">
+      <a:schemeClr val="lt1">
+        <a:alpha val="0"/>
+      </a:schemeClr>
+    </dgm:fillClrLst>
+    <dgm:linClrLst meth="repeat">
+      <a:schemeClr val="dk1">
+        <a:alpha val="0"/>
+      </a:schemeClr>
+    </dgm:linClrLst>
+    <dgm:effectClrLst/>
+    <dgm:txLinClrLst/>
+    <dgm:txFillClrLst meth="repeat">
+      <a:schemeClr val="tx1"/>
+    </dgm:txFillClrLst>
+    <dgm:txEffectClrLst/>
+  </dgm:styleLbl>
+</dgm:colorsDef>
+</file>
+
+<file path=ppt/diagrams/data1.xml><?xml version="1.0" encoding="utf-8"?>
+<dgm:dataModel xmlns:dgm="http://schemas.openxmlformats.org/drawingml/2006/diagram" xmlns:a="http://schemas.openxmlformats.org/drawingml/2006/main">
+  <dgm:ptLst>
+    <dgm:pt modelId="{0EF4F302-A966-412F-9CBA-3A68080A53E8}" type="doc">
+      <dgm:prSet loTypeId="urn:microsoft.com/office/officeart/2018/5/layout/IconLeafLabelList" loCatId="icon" qsTypeId="urn:microsoft.com/office/officeart/2005/8/quickstyle/simple1" qsCatId="simple" csTypeId="urn:microsoft.com/office/officeart/2018/5/colors/Iconchunking_neutralicon_colorful1" csCatId="colorful" phldr="1"/>
+      <dgm:spPr/>
+      <dgm:t>
+        <a:bodyPr/>
+        <a:lstStyle/>
+        <a:p>
+          <a:endParaRPr lang="en-US"/>
+        </a:p>
+      </dgm:t>
+    </dgm:pt>
+    <dgm:pt modelId="{D271FD1E-1603-4EA4-8036-992C204A9FAE}">
+      <dgm:prSet/>
+      <dgm:spPr/>
+      <dgm:t>
+        <a:bodyPr/>
+        <a:lstStyle/>
+        <a:p>
+          <a:pPr>
+            <a:defRPr cap="all"/>
+          </a:pPr>
+          <a:r>
+            <a:rPr lang="en-DE"/>
+            <a:t>Grundgerüst: HTML, PHP, CSS</a:t>
+          </a:r>
+          <a:endParaRPr lang="en-US"/>
+        </a:p>
+      </dgm:t>
+    </dgm:pt>
+    <dgm:pt modelId="{77EA7D23-34DE-41E2-A346-C31F47D1A3AC}" type="parTrans" cxnId="{494B8B05-4556-45F0-941C-F5596D57196B}">
+      <dgm:prSet/>
+      <dgm:spPr/>
+      <dgm:t>
+        <a:bodyPr/>
+        <a:lstStyle/>
+        <a:p>
+          <a:endParaRPr lang="en-US"/>
+        </a:p>
+      </dgm:t>
+    </dgm:pt>
+    <dgm:pt modelId="{5485A590-76F3-4236-9D6B-5BED1F7B1CF5}" type="sibTrans" cxnId="{494B8B05-4556-45F0-941C-F5596D57196B}">
+      <dgm:prSet/>
+      <dgm:spPr/>
+      <dgm:t>
+        <a:bodyPr/>
+        <a:lstStyle/>
+        <a:p>
+          <a:endParaRPr lang="en-US"/>
+        </a:p>
+      </dgm:t>
+    </dgm:pt>
+    <dgm:pt modelId="{FD732943-83E9-4934-B96C-12FB79C5F043}">
+      <dgm:prSet/>
+      <dgm:spPr/>
+      <dgm:t>
+        <a:bodyPr/>
+        <a:lstStyle/>
+        <a:p>
+          <a:pPr>
+            <a:defRPr cap="all"/>
+          </a:pPr>
+          <a:r>
+            <a:rPr lang="en-GB"/>
+            <a:t>F</a:t>
+          </a:r>
+          <a:r>
+            <a:rPr lang="en-DE"/>
+            <a:t>ramework: bootstrap</a:t>
+          </a:r>
+          <a:endParaRPr lang="en-US"/>
+        </a:p>
+      </dgm:t>
+    </dgm:pt>
+    <dgm:pt modelId="{D4F2B939-1E33-40B6-A517-2A271EE18EBC}" type="parTrans" cxnId="{BFECD398-4442-4B0A-BACA-0BA953C4CA80}">
+      <dgm:prSet/>
+      <dgm:spPr/>
+      <dgm:t>
+        <a:bodyPr/>
+        <a:lstStyle/>
+        <a:p>
+          <a:endParaRPr lang="en-US"/>
+        </a:p>
+      </dgm:t>
+    </dgm:pt>
+    <dgm:pt modelId="{49DA4824-5EAB-4EFC-8738-59BD3EB531E7}" type="sibTrans" cxnId="{BFECD398-4442-4B0A-BACA-0BA953C4CA80}">
+      <dgm:prSet/>
+      <dgm:spPr/>
+      <dgm:t>
+        <a:bodyPr/>
+        <a:lstStyle/>
+        <a:p>
+          <a:endParaRPr lang="en-US"/>
+        </a:p>
+      </dgm:t>
+    </dgm:pt>
+    <dgm:pt modelId="{320ADC59-87B7-4EC7-9B86-6057035888EC}">
+      <dgm:prSet/>
+      <dgm:spPr/>
+      <dgm:t>
+        <a:bodyPr/>
+        <a:lstStyle/>
+        <a:p>
+          <a:pPr>
+            <a:defRPr cap="all"/>
+          </a:pPr>
+          <a:r>
+            <a:rPr lang="en-GB"/>
+            <a:t>J</a:t>
+          </a:r>
+          <a:r>
+            <a:rPr lang="en-DE"/>
+            <a:t>e Funktion eine Unterseite</a:t>
+          </a:r>
+          <a:endParaRPr lang="en-US"/>
+        </a:p>
+      </dgm:t>
+    </dgm:pt>
+    <dgm:pt modelId="{B10446B4-B63C-4590-8884-9A2F8821BC16}" type="parTrans" cxnId="{2488A364-92F1-4518-9D90-0A88944A1300}">
+      <dgm:prSet/>
+      <dgm:spPr/>
+      <dgm:t>
+        <a:bodyPr/>
+        <a:lstStyle/>
+        <a:p>
+          <a:endParaRPr lang="en-US"/>
+        </a:p>
+      </dgm:t>
+    </dgm:pt>
+    <dgm:pt modelId="{B9AB0710-62CF-4E87-A018-5C3368E3B449}" type="sibTrans" cxnId="{2488A364-92F1-4518-9D90-0A88944A1300}">
+      <dgm:prSet/>
+      <dgm:spPr/>
+      <dgm:t>
+        <a:bodyPr/>
+        <a:lstStyle/>
+        <a:p>
+          <a:endParaRPr lang="en-US"/>
+        </a:p>
+      </dgm:t>
+    </dgm:pt>
+    <dgm:pt modelId="{72A40E94-AF12-4D3D-81DE-854AA8712650}" type="pres">
+      <dgm:prSet presAssocID="{0EF4F302-A966-412F-9CBA-3A68080A53E8}" presName="root" presStyleCnt="0">
+        <dgm:presLayoutVars>
+          <dgm:dir/>
+          <dgm:resizeHandles val="exact"/>
+        </dgm:presLayoutVars>
+      </dgm:prSet>
+      <dgm:spPr/>
+    </dgm:pt>
+    <dgm:pt modelId="{4D2AE93E-4E26-4D03-ADDD-B5B4957E4C6E}" type="pres">
+      <dgm:prSet presAssocID="{D271FD1E-1603-4EA4-8036-992C204A9FAE}" presName="compNode" presStyleCnt="0"/>
+      <dgm:spPr/>
+    </dgm:pt>
+    <dgm:pt modelId="{3CD8FF0B-557E-4068-996E-0C8535A35713}" type="pres">
+      <dgm:prSet presAssocID="{D271FD1E-1603-4EA4-8036-992C204A9FAE}" presName="iconBgRect" presStyleLbl="bgShp" presStyleIdx="0" presStyleCnt="3"/>
+      <dgm:spPr>
+        <a:prstGeom prst="round2DiagRect">
+          <a:avLst>
+            <a:gd name="adj1" fmla="val 29727"/>
+            <a:gd name="adj2" fmla="val 0"/>
+          </a:avLst>
+        </a:prstGeom>
+      </dgm:spPr>
+    </dgm:pt>
+    <dgm:pt modelId="{378A2548-0A9C-4935-A55D-5199ACB162E9}" type="pres">
+      <dgm:prSet presAssocID="{D271FD1E-1603-4EA4-8036-992C204A9FAE}" presName="iconRect" presStyleLbl="node1" presStyleIdx="0" presStyleCnt="3"/>
+      <dgm:spPr>
+        <a:blipFill>
+          <a:blip xmlns:r="http://schemas.openxmlformats.org/officeDocument/2006/relationships" r:embed="rId1">
+            <a:extLst>
+              <a:ext uri="{28A0092B-C50C-407E-A947-70E740481C1C}">
+                <a14:useLocalDpi xmlns:a14="http://schemas.microsoft.com/office/drawing/2010/main" val="0"/>
+              </a:ext>
+              <a:ext uri="{96DAC541-7B7A-43D3-8B79-37D633B846F1}">
+                <asvg:svgBlip xmlns:asvg="http://schemas.microsoft.com/office/drawing/2016/SVG/main" r:embed="rId2"/>
+              </a:ext>
+            </a:extLst>
+          </a:blip>
+          <a:stretch>
+            <a:fillRect/>
+          </a:stretch>
+        </a:blipFill>
+        <a:ln>
+          <a:noFill/>
+        </a:ln>
+      </dgm:spPr>
+      <dgm:extLst>
+        <a:ext uri="{E40237B7-FDA0-4F09-8148-C483321AD2D9}">
+          <dgm14:cNvPr xmlns:dgm14="http://schemas.microsoft.com/office/drawing/2010/diagram" id="0" name="" descr="Web Design"/>
+        </a:ext>
+      </dgm:extLst>
+    </dgm:pt>
+    <dgm:pt modelId="{ABD65524-423F-4AAC-A577-FD0FBEFE2D70}" type="pres">
+      <dgm:prSet presAssocID="{D271FD1E-1603-4EA4-8036-992C204A9FAE}" presName="spaceRect" presStyleCnt="0"/>
+      <dgm:spPr/>
+    </dgm:pt>
+    <dgm:pt modelId="{6272C301-4CEE-4055-8474-F470A6F1DED1}" type="pres">
+      <dgm:prSet presAssocID="{D271FD1E-1603-4EA4-8036-992C204A9FAE}" presName="textRect" presStyleLbl="revTx" presStyleIdx="0" presStyleCnt="3">
+        <dgm:presLayoutVars>
+          <dgm:chMax val="1"/>
+          <dgm:chPref val="1"/>
+        </dgm:presLayoutVars>
+      </dgm:prSet>
+      <dgm:spPr/>
+    </dgm:pt>
+    <dgm:pt modelId="{B6899608-A4AA-4271-BD51-A34DEA665E67}" type="pres">
+      <dgm:prSet presAssocID="{5485A590-76F3-4236-9D6B-5BED1F7B1CF5}" presName="sibTrans" presStyleCnt="0"/>
+      <dgm:spPr/>
+    </dgm:pt>
+    <dgm:pt modelId="{FBF8EAAE-6A2C-40D9-9624-1DA9EFEE2516}" type="pres">
+      <dgm:prSet presAssocID="{FD732943-83E9-4934-B96C-12FB79C5F043}" presName="compNode" presStyleCnt="0"/>
+      <dgm:spPr/>
+    </dgm:pt>
+    <dgm:pt modelId="{E519E6B8-9A9C-43A5-87F9-CF018ABCF2CC}" type="pres">
+      <dgm:prSet presAssocID="{FD732943-83E9-4934-B96C-12FB79C5F043}" presName="iconBgRect" presStyleLbl="bgShp" presStyleIdx="1" presStyleCnt="3"/>
+      <dgm:spPr>
+        <a:prstGeom prst="round2DiagRect">
+          <a:avLst>
+            <a:gd name="adj1" fmla="val 29727"/>
+            <a:gd name="adj2" fmla="val 0"/>
+          </a:avLst>
+        </a:prstGeom>
+      </dgm:spPr>
+    </dgm:pt>
+    <dgm:pt modelId="{F6D5FCB5-5416-4EB0-9B1A-F14BBDA41FBB}" type="pres">
+      <dgm:prSet presAssocID="{FD732943-83E9-4934-B96C-12FB79C5F043}" presName="iconRect" presStyleLbl="node1" presStyleIdx="1" presStyleCnt="3"/>
+      <dgm:spPr>
+        <a:blipFill>
+          <a:blip xmlns:r="http://schemas.openxmlformats.org/officeDocument/2006/relationships" r:embed="rId3">
+            <a:extLst>
+              <a:ext uri="{28A0092B-C50C-407E-A947-70E740481C1C}">
+                <a14:useLocalDpi xmlns:a14="http://schemas.microsoft.com/office/drawing/2010/main" val="0"/>
+              </a:ext>
+              <a:ext uri="{96DAC541-7B7A-43D3-8B79-37D633B846F1}">
+                <asvg:svgBlip xmlns:asvg="http://schemas.microsoft.com/office/drawing/2016/SVG/main" r:embed="rId4"/>
+              </a:ext>
+            </a:extLst>
+          </a:blip>
+          <a:stretch>
+            <a:fillRect/>
+          </a:stretch>
+        </a:blipFill>
+        <a:ln>
+          <a:noFill/>
+        </a:ln>
+      </dgm:spPr>
+      <dgm:extLst>
+        <a:ext uri="{E40237B7-FDA0-4F09-8148-C483321AD2D9}">
+          <dgm14:cNvPr xmlns:dgm14="http://schemas.microsoft.com/office/drawing/2010/diagram" id="0" name="" descr="CheckList"/>
+        </a:ext>
+      </dgm:extLst>
+    </dgm:pt>
+    <dgm:pt modelId="{4AB026D7-71D6-4EFE-990E-DDDAFFF64004}" type="pres">
+      <dgm:prSet presAssocID="{FD732943-83E9-4934-B96C-12FB79C5F043}" presName="spaceRect" presStyleCnt="0"/>
+      <dgm:spPr/>
+    </dgm:pt>
+    <dgm:pt modelId="{469DC540-520C-4DDE-BC3C-293DAA0D77FF}" type="pres">
+      <dgm:prSet presAssocID="{FD732943-83E9-4934-B96C-12FB79C5F043}" presName="textRect" presStyleLbl="revTx" presStyleIdx="1" presStyleCnt="3">
+        <dgm:presLayoutVars>
+          <dgm:chMax val="1"/>
+          <dgm:chPref val="1"/>
+        </dgm:presLayoutVars>
+      </dgm:prSet>
+      <dgm:spPr/>
+    </dgm:pt>
+    <dgm:pt modelId="{1C9ECEDE-25CB-48F8-BF55-BD8B1FCC575C}" type="pres">
+      <dgm:prSet presAssocID="{49DA4824-5EAB-4EFC-8738-59BD3EB531E7}" presName="sibTrans" presStyleCnt="0"/>
+      <dgm:spPr/>
+    </dgm:pt>
+    <dgm:pt modelId="{B5F758D7-218B-4593-A65F-B626FDD6152C}" type="pres">
+      <dgm:prSet presAssocID="{320ADC59-87B7-4EC7-9B86-6057035888EC}" presName="compNode" presStyleCnt="0"/>
+      <dgm:spPr/>
+    </dgm:pt>
+    <dgm:pt modelId="{FF0A10F4-5057-4270-AEFF-6CAE746B63CC}" type="pres">
+      <dgm:prSet presAssocID="{320ADC59-87B7-4EC7-9B86-6057035888EC}" presName="iconBgRect" presStyleLbl="bgShp" presStyleIdx="2" presStyleCnt="3"/>
+      <dgm:spPr>
+        <a:prstGeom prst="round2DiagRect">
+          <a:avLst>
+            <a:gd name="adj1" fmla="val 29727"/>
+            <a:gd name="adj2" fmla="val 0"/>
+          </a:avLst>
+        </a:prstGeom>
+      </dgm:spPr>
+    </dgm:pt>
+    <dgm:pt modelId="{01586ED4-8266-45C3-BA04-E0708249A250}" type="pres">
+      <dgm:prSet presAssocID="{320ADC59-87B7-4EC7-9B86-6057035888EC}" presName="iconRect" presStyleLbl="node1" presStyleIdx="2" presStyleCnt="3"/>
+      <dgm:spPr>
+        <a:blipFill>
+          <a:blip xmlns:r="http://schemas.openxmlformats.org/officeDocument/2006/relationships" r:embed="rId5">
+            <a:extLst>
+              <a:ext uri="{28A0092B-C50C-407E-A947-70E740481C1C}">
+                <a14:useLocalDpi xmlns:a14="http://schemas.microsoft.com/office/drawing/2010/main" val="0"/>
+              </a:ext>
+              <a:ext uri="{96DAC541-7B7A-43D3-8B79-37D633B846F1}">
+                <asvg:svgBlip xmlns:asvg="http://schemas.microsoft.com/office/drawing/2016/SVG/main" r:embed="rId6"/>
+              </a:ext>
+            </a:extLst>
+          </a:blip>
+          <a:stretch>
+            <a:fillRect/>
+          </a:stretch>
+        </a:blipFill>
+        <a:ln>
+          <a:noFill/>
+        </a:ln>
+      </dgm:spPr>
+      <dgm:extLst>
+        <a:ext uri="{E40237B7-FDA0-4F09-8148-C483321AD2D9}">
+          <dgm14:cNvPr xmlns:dgm14="http://schemas.microsoft.com/office/drawing/2010/diagram" id="0" name="" descr="Tick"/>
+        </a:ext>
+      </dgm:extLst>
+    </dgm:pt>
+    <dgm:pt modelId="{C084CB7D-C78A-46D3-A773-ED05B6D0F040}" type="pres">
+      <dgm:prSet presAssocID="{320ADC59-87B7-4EC7-9B86-6057035888EC}" presName="spaceRect" presStyleCnt="0"/>
+      <dgm:spPr/>
+    </dgm:pt>
+    <dgm:pt modelId="{742B72B9-C4F1-447C-B9BB-4BDDEBA3E479}" type="pres">
+      <dgm:prSet presAssocID="{320ADC59-87B7-4EC7-9B86-6057035888EC}" presName="textRect" presStyleLbl="revTx" presStyleIdx="2" presStyleCnt="3">
+        <dgm:presLayoutVars>
+          <dgm:chMax val="1"/>
+          <dgm:chPref val="1"/>
+        </dgm:presLayoutVars>
+      </dgm:prSet>
+      <dgm:spPr/>
+    </dgm:pt>
+  </dgm:ptLst>
+  <dgm:cxnLst>
+    <dgm:cxn modelId="{494B8B05-4556-45F0-941C-F5596D57196B}" srcId="{0EF4F302-A966-412F-9CBA-3A68080A53E8}" destId="{D271FD1E-1603-4EA4-8036-992C204A9FAE}" srcOrd="0" destOrd="0" parTransId="{77EA7D23-34DE-41E2-A346-C31F47D1A3AC}" sibTransId="{5485A590-76F3-4236-9D6B-5BED1F7B1CF5}"/>
+    <dgm:cxn modelId="{8CA20B2A-5333-4766-BC70-BC67AC7A7A3A}" type="presOf" srcId="{D271FD1E-1603-4EA4-8036-992C204A9FAE}" destId="{6272C301-4CEE-4055-8474-F470A6F1DED1}" srcOrd="0" destOrd="0" presId="urn:microsoft.com/office/officeart/2018/5/layout/IconLeafLabelList"/>
+    <dgm:cxn modelId="{2488A364-92F1-4518-9D90-0A88944A1300}" srcId="{0EF4F302-A966-412F-9CBA-3A68080A53E8}" destId="{320ADC59-87B7-4EC7-9B86-6057035888EC}" srcOrd="2" destOrd="0" parTransId="{B10446B4-B63C-4590-8884-9A2F8821BC16}" sibTransId="{B9AB0710-62CF-4E87-A018-5C3368E3B449}"/>
+    <dgm:cxn modelId="{35DA4083-332D-4C1B-9202-4C7B6BF9299F}" type="presOf" srcId="{FD732943-83E9-4934-B96C-12FB79C5F043}" destId="{469DC540-520C-4DDE-BC3C-293DAA0D77FF}" srcOrd="0" destOrd="0" presId="urn:microsoft.com/office/officeart/2018/5/layout/IconLeafLabelList"/>
+    <dgm:cxn modelId="{BFECD398-4442-4B0A-BACA-0BA953C4CA80}" srcId="{0EF4F302-A966-412F-9CBA-3A68080A53E8}" destId="{FD732943-83E9-4934-B96C-12FB79C5F043}" srcOrd="1" destOrd="0" parTransId="{D4F2B939-1E33-40B6-A517-2A271EE18EBC}" sibTransId="{49DA4824-5EAB-4EFC-8738-59BD3EB531E7}"/>
+    <dgm:cxn modelId="{2E48699F-4BD4-49DD-B2E0-794B34739A8A}" type="presOf" srcId="{0EF4F302-A966-412F-9CBA-3A68080A53E8}" destId="{72A40E94-AF12-4D3D-81DE-854AA8712650}" srcOrd="0" destOrd="0" presId="urn:microsoft.com/office/officeart/2018/5/layout/IconLeafLabelList"/>
+    <dgm:cxn modelId="{BE7BE7A2-6531-4ACE-8DFD-7B41A53F2506}" type="presOf" srcId="{320ADC59-87B7-4EC7-9B86-6057035888EC}" destId="{742B72B9-C4F1-447C-B9BB-4BDDEBA3E479}" srcOrd="0" destOrd="0" presId="urn:microsoft.com/office/officeart/2018/5/layout/IconLeafLabelList"/>
+    <dgm:cxn modelId="{596E05B3-1618-4AD0-9141-AF4AF764E2CB}" type="presParOf" srcId="{72A40E94-AF12-4D3D-81DE-854AA8712650}" destId="{4D2AE93E-4E26-4D03-ADDD-B5B4957E4C6E}" srcOrd="0" destOrd="0" presId="urn:microsoft.com/office/officeart/2018/5/layout/IconLeafLabelList"/>
+    <dgm:cxn modelId="{CC38EA21-3C0C-400C-88AD-639D31BC2CC6}" type="presParOf" srcId="{4D2AE93E-4E26-4D03-ADDD-B5B4957E4C6E}" destId="{3CD8FF0B-557E-4068-996E-0C8535A35713}" srcOrd="0" destOrd="0" presId="urn:microsoft.com/office/officeart/2018/5/layout/IconLeafLabelList"/>
+    <dgm:cxn modelId="{E8DFD083-0C90-4F93-B11D-9409B164F35C}" type="presParOf" srcId="{4D2AE93E-4E26-4D03-ADDD-B5B4957E4C6E}" destId="{378A2548-0A9C-4935-A55D-5199ACB162E9}" srcOrd="1" destOrd="0" presId="urn:microsoft.com/office/officeart/2018/5/layout/IconLeafLabelList"/>
+    <dgm:cxn modelId="{CEDF8368-B9C2-4A79-8152-46789CB4F709}" type="presParOf" srcId="{4D2AE93E-4E26-4D03-ADDD-B5B4957E4C6E}" destId="{ABD65524-423F-4AAC-A577-FD0FBEFE2D70}" srcOrd="2" destOrd="0" presId="urn:microsoft.com/office/officeart/2018/5/layout/IconLeafLabelList"/>
+    <dgm:cxn modelId="{E7256BD5-18D3-45A3-8CB7-64812CF68CE0}" type="presParOf" srcId="{4D2AE93E-4E26-4D03-ADDD-B5B4957E4C6E}" destId="{6272C301-4CEE-4055-8474-F470A6F1DED1}" srcOrd="3" destOrd="0" presId="urn:microsoft.com/office/officeart/2018/5/layout/IconLeafLabelList"/>
+    <dgm:cxn modelId="{627FADE0-E078-42D2-B84F-5A4FB9E3690D}" type="presParOf" srcId="{72A40E94-AF12-4D3D-81DE-854AA8712650}" destId="{B6899608-A4AA-4271-BD51-A34DEA665E67}" srcOrd="1" destOrd="0" presId="urn:microsoft.com/office/officeart/2018/5/layout/IconLeafLabelList"/>
+    <dgm:cxn modelId="{150628B3-3F40-47E6-8E62-8A9F20566F4E}" type="presParOf" srcId="{72A40E94-AF12-4D3D-81DE-854AA8712650}" destId="{FBF8EAAE-6A2C-40D9-9624-1DA9EFEE2516}" srcOrd="2" destOrd="0" presId="urn:microsoft.com/office/officeart/2018/5/layout/IconLeafLabelList"/>
+    <dgm:cxn modelId="{44919CD9-8DE2-4F96-BA44-0F06311B6990}" type="presParOf" srcId="{FBF8EAAE-6A2C-40D9-9624-1DA9EFEE2516}" destId="{E519E6B8-9A9C-43A5-87F9-CF018ABCF2CC}" srcOrd="0" destOrd="0" presId="urn:microsoft.com/office/officeart/2018/5/layout/IconLeafLabelList"/>
+    <dgm:cxn modelId="{40C275E3-EE03-48A0-B5B0-2DE3A76E393F}" type="presParOf" srcId="{FBF8EAAE-6A2C-40D9-9624-1DA9EFEE2516}" destId="{F6D5FCB5-5416-4EB0-9B1A-F14BBDA41FBB}" srcOrd="1" destOrd="0" presId="urn:microsoft.com/office/officeart/2018/5/layout/IconLeafLabelList"/>
+    <dgm:cxn modelId="{540B8E16-EE17-4005-A936-557DCBFBB85D}" type="presParOf" srcId="{FBF8EAAE-6A2C-40D9-9624-1DA9EFEE2516}" destId="{4AB026D7-71D6-4EFE-990E-DDDAFFF64004}" srcOrd="2" destOrd="0" presId="urn:microsoft.com/office/officeart/2018/5/layout/IconLeafLabelList"/>
+    <dgm:cxn modelId="{5E6642A9-351C-421E-833C-53DC13904F01}" type="presParOf" srcId="{FBF8EAAE-6A2C-40D9-9624-1DA9EFEE2516}" destId="{469DC540-520C-4DDE-BC3C-293DAA0D77FF}" srcOrd="3" destOrd="0" presId="urn:microsoft.com/office/officeart/2018/5/layout/IconLeafLabelList"/>
+    <dgm:cxn modelId="{FD3EE09D-2BB3-4EA4-9286-6D76B8F1B28E}" type="presParOf" srcId="{72A40E94-AF12-4D3D-81DE-854AA8712650}" destId="{1C9ECEDE-25CB-48F8-BF55-BD8B1FCC575C}" srcOrd="3" destOrd="0" presId="urn:microsoft.com/office/officeart/2018/5/layout/IconLeafLabelList"/>
+    <dgm:cxn modelId="{BEF15DFB-8B89-4155-A08B-C57609E69079}" type="presParOf" srcId="{72A40E94-AF12-4D3D-81DE-854AA8712650}" destId="{B5F758D7-218B-4593-A65F-B626FDD6152C}" srcOrd="4" destOrd="0" presId="urn:microsoft.com/office/officeart/2018/5/layout/IconLeafLabelList"/>
+    <dgm:cxn modelId="{1AF42F8E-1673-42DE-952C-F39135C2B3D5}" type="presParOf" srcId="{B5F758D7-218B-4593-A65F-B626FDD6152C}" destId="{FF0A10F4-5057-4270-AEFF-6CAE746B63CC}" srcOrd="0" destOrd="0" presId="urn:microsoft.com/office/officeart/2018/5/layout/IconLeafLabelList"/>
+    <dgm:cxn modelId="{923C1641-726F-4869-ACA5-4D8288A61EED}" type="presParOf" srcId="{B5F758D7-218B-4593-A65F-B626FDD6152C}" destId="{01586ED4-8266-45C3-BA04-E0708249A250}" srcOrd="1" destOrd="0" presId="urn:microsoft.com/office/officeart/2018/5/layout/IconLeafLabelList"/>
+    <dgm:cxn modelId="{BDDC0D27-BABD-4DF6-B9CE-D30388FC89FB}" type="presParOf" srcId="{B5F758D7-218B-4593-A65F-B626FDD6152C}" destId="{C084CB7D-C78A-46D3-A773-ED05B6D0F040}" srcOrd="2" destOrd="0" presId="urn:microsoft.com/office/officeart/2018/5/layout/IconLeafLabelList"/>
+    <dgm:cxn modelId="{AC0B0B86-88BA-4086-AF56-5E68F75967B6}" type="presParOf" srcId="{B5F758D7-218B-4593-A65F-B626FDD6152C}" destId="{742B72B9-C4F1-447C-B9BB-4BDDEBA3E479}" srcOrd="3" destOrd="0" presId="urn:microsoft.com/office/officeart/2018/5/layout/IconLeafLabelList"/>
+  </dgm:cxnLst>
+  <dgm:bg/>
+  <dgm:whole/>
+  <dgm:extLst>
+    <a:ext uri="http://schemas.microsoft.com/office/drawing/2008/diagram">
+      <dsp:dataModelExt xmlns:dsp="http://schemas.microsoft.com/office/drawing/2008/diagram" relId="rId6" minVer="http://schemas.openxmlformats.org/drawingml/2006/diagram"/>
+    </a:ext>
+  </dgm:extLst>
+</dgm:dataModel>
+</file>
+
+<file path=ppt/diagrams/drawing1.xml><?xml version="1.0" encoding="utf-8"?>
+<dsp:drawing xmlns:dgm="http://schemas.openxmlformats.org/drawingml/2006/diagram" xmlns:dsp="http://schemas.microsoft.com/office/drawing/2008/diagram" xmlns:a="http://schemas.openxmlformats.org/drawingml/2006/main">
+  <dsp:spTree>
+    <dsp:nvGrpSpPr>
+      <dsp:cNvPr id="0" name=""/>
+      <dsp:cNvGrpSpPr/>
+    </dsp:nvGrpSpPr>
+    <dsp:grpSpPr/>
+    <dsp:sp modelId="{3CD8FF0B-557E-4068-996E-0C8535A35713}">
+      <dsp:nvSpPr>
+        <dsp:cNvPr id="0" name=""/>
+        <dsp:cNvSpPr/>
+      </dsp:nvSpPr>
+      <dsp:spPr>
+        <a:xfrm>
+          <a:off x="359066" y="1222932"/>
+          <a:ext cx="1098000" cy="1098000"/>
+        </a:xfrm>
+        <a:prstGeom prst="round2DiagRect">
+          <a:avLst>
+            <a:gd name="adj1" fmla="val 29727"/>
+            <a:gd name="adj2" fmla="val 0"/>
+          </a:avLst>
+        </a:prstGeom>
+        <a:solidFill>
+          <a:schemeClr val="accent2">
+            <a:hueOff val="0"/>
+            <a:satOff val="0"/>
+            <a:lumOff val="0"/>
+            <a:alphaOff val="0"/>
+          </a:schemeClr>
+        </a:solidFill>
+        <a:ln>
+          <a:noFill/>
+        </a:ln>
+        <a:effectLst/>
+      </dsp:spPr>
+      <dsp:style>
+        <a:lnRef idx="0">
+          <a:scrgbClr r="0" g="0" b="0"/>
+        </a:lnRef>
+        <a:fillRef idx="1">
+          <a:scrgbClr r="0" g="0" b="0"/>
+        </a:fillRef>
+        <a:effectRef idx="0">
+          <a:scrgbClr r="0" g="0" b="0"/>
+        </a:effectRef>
+        <a:fontRef idx="minor"/>
+      </dsp:style>
+    </dsp:sp>
+    <dsp:sp modelId="{378A2548-0A9C-4935-A55D-5199ACB162E9}">
+      <dsp:nvSpPr>
+        <dsp:cNvPr id="0" name=""/>
+        <dsp:cNvSpPr/>
+      </dsp:nvSpPr>
+      <dsp:spPr>
+        <a:xfrm>
+          <a:off x="593066" y="1456932"/>
+          <a:ext cx="630000" cy="630000"/>
+        </a:xfrm>
+        <a:prstGeom prst="rect">
+          <a:avLst/>
+        </a:prstGeom>
+        <a:blipFill>
+          <a:blip xmlns:r="http://schemas.openxmlformats.org/officeDocument/2006/relationships" r:embed="rId1">
+            <a:extLst>
+              <a:ext uri="{28A0092B-C50C-407E-A947-70E740481C1C}">
+                <a14:useLocalDpi xmlns:a14="http://schemas.microsoft.com/office/drawing/2010/main" val="0"/>
+              </a:ext>
+              <a:ext uri="{96DAC541-7B7A-43D3-8B79-37D633B846F1}">
+                <asvg:svgBlip xmlns:asvg="http://schemas.microsoft.com/office/drawing/2016/SVG/main" r:embed="rId2"/>
+              </a:ext>
+            </a:extLst>
+          </a:blip>
+          <a:stretch>
+            <a:fillRect/>
+          </a:stretch>
+        </a:blipFill>
+        <a:ln w="19050" cap="rnd" cmpd="sng" algn="ctr">
+          <a:noFill/>
+          <a:prstDash val="solid"/>
+        </a:ln>
+        <a:effectLst/>
+      </dsp:spPr>
+      <dsp:style>
+        <a:lnRef idx="2">
+          <a:scrgbClr r="0" g="0" b="0"/>
+        </a:lnRef>
+        <a:fillRef idx="1">
+          <a:scrgbClr r="0" g="0" b="0"/>
+        </a:fillRef>
+        <a:effectRef idx="0">
+          <a:scrgbClr r="0" g="0" b="0"/>
+        </a:effectRef>
+        <a:fontRef idx="minor">
+          <a:schemeClr val="lt1"/>
+        </a:fontRef>
+      </dsp:style>
+    </dsp:sp>
+    <dsp:sp modelId="{6272C301-4CEE-4055-8474-F470A6F1DED1}">
+      <dsp:nvSpPr>
+        <dsp:cNvPr id="0" name=""/>
+        <dsp:cNvSpPr/>
+      </dsp:nvSpPr>
+      <dsp:spPr>
+        <a:xfrm>
+          <a:off x="8066" y="2662933"/>
+          <a:ext cx="1800000" cy="720000"/>
+        </a:xfrm>
+        <a:prstGeom prst="rect">
+          <a:avLst/>
+        </a:prstGeom>
+        <a:noFill/>
+        <a:ln>
+          <a:noFill/>
+        </a:ln>
+        <a:effectLst/>
+      </dsp:spPr>
+      <dsp:style>
+        <a:lnRef idx="0">
+          <a:scrgbClr r="0" g="0" b="0"/>
+        </a:lnRef>
+        <a:fillRef idx="0">
+          <a:scrgbClr r="0" g="0" b="0"/>
+        </a:fillRef>
+        <a:effectRef idx="0">
+          <a:scrgbClr r="0" g="0" b="0"/>
+        </a:effectRef>
+        <a:fontRef idx="minor"/>
+      </dsp:style>
+      <dsp:txBody>
+        <a:bodyPr spcFirstLastPara="0" vert="horz" wrap="square" lIns="0" tIns="0" rIns="0" bIns="0" numCol="1" spcCol="1270" anchor="t" anchorCtr="0">
+          <a:noAutofit/>
+        </a:bodyPr>
+        <a:lstStyle/>
+        <a:p>
+          <a:pPr marL="0" lvl="0" indent="0" algn="ctr" defTabSz="800100">
+            <a:lnSpc>
+              <a:spcPct val="90000"/>
+            </a:lnSpc>
+            <a:spcBef>
+              <a:spcPct val="0"/>
+            </a:spcBef>
+            <a:spcAft>
+              <a:spcPct val="35000"/>
+            </a:spcAft>
+            <a:buNone/>
+            <a:defRPr cap="all"/>
+          </a:pPr>
+          <a:r>
+            <a:rPr lang="en-DE" sz="1800" kern="1200"/>
+            <a:t>Grundgerüst: HTML, PHP, CSS</a:t>
+          </a:r>
+          <a:endParaRPr lang="en-US" sz="1800" kern="1200"/>
+        </a:p>
+      </dsp:txBody>
+      <dsp:txXfrm>
+        <a:off x="8066" y="2662933"/>
+        <a:ext cx="1800000" cy="720000"/>
+      </dsp:txXfrm>
+    </dsp:sp>
+    <dsp:sp modelId="{E519E6B8-9A9C-43A5-87F9-CF018ABCF2CC}">
+      <dsp:nvSpPr>
+        <dsp:cNvPr id="0" name=""/>
+        <dsp:cNvSpPr/>
+      </dsp:nvSpPr>
+      <dsp:spPr>
+        <a:xfrm>
+          <a:off x="2474066" y="1222932"/>
+          <a:ext cx="1098000" cy="1098000"/>
+        </a:xfrm>
+        <a:prstGeom prst="round2DiagRect">
+          <a:avLst>
+            <a:gd name="adj1" fmla="val 29727"/>
+            <a:gd name="adj2" fmla="val 0"/>
+          </a:avLst>
+        </a:prstGeom>
+        <a:solidFill>
+          <a:schemeClr val="accent3">
+            <a:hueOff val="0"/>
+            <a:satOff val="0"/>
+            <a:lumOff val="0"/>
+            <a:alphaOff val="0"/>
+          </a:schemeClr>
+        </a:solidFill>
+        <a:ln>
+          <a:noFill/>
+        </a:ln>
+        <a:effectLst/>
+      </dsp:spPr>
+      <dsp:style>
+        <a:lnRef idx="0">
+          <a:scrgbClr r="0" g="0" b="0"/>
+        </a:lnRef>
+        <a:fillRef idx="1">
+          <a:scrgbClr r="0" g="0" b="0"/>
+        </a:fillRef>
+        <a:effectRef idx="0">
+          <a:scrgbClr r="0" g="0" b="0"/>
+        </a:effectRef>
+        <a:fontRef idx="minor"/>
+      </dsp:style>
+    </dsp:sp>
+    <dsp:sp modelId="{F6D5FCB5-5416-4EB0-9B1A-F14BBDA41FBB}">
+      <dsp:nvSpPr>
+        <dsp:cNvPr id="0" name=""/>
+        <dsp:cNvSpPr/>
+      </dsp:nvSpPr>
+      <dsp:spPr>
+        <a:xfrm>
+          <a:off x="2708066" y="1456932"/>
+          <a:ext cx="630000" cy="630000"/>
+        </a:xfrm>
+        <a:prstGeom prst="rect">
+          <a:avLst/>
+        </a:prstGeom>
+        <a:blipFill>
+          <a:blip xmlns:r="http://schemas.openxmlformats.org/officeDocument/2006/relationships" r:embed="rId3">
+            <a:extLst>
+              <a:ext uri="{28A0092B-C50C-407E-A947-70E740481C1C}">
+                <a14:useLocalDpi xmlns:a14="http://schemas.microsoft.com/office/drawing/2010/main" val="0"/>
+              </a:ext>
+              <a:ext uri="{96DAC541-7B7A-43D3-8B79-37D633B846F1}">
+                <asvg:svgBlip xmlns:asvg="http://schemas.microsoft.com/office/drawing/2016/SVG/main" r:embed="rId4"/>
+              </a:ext>
+            </a:extLst>
+          </a:blip>
+          <a:stretch>
+            <a:fillRect/>
+          </a:stretch>
+        </a:blipFill>
+        <a:ln w="19050" cap="rnd" cmpd="sng" algn="ctr">
+          <a:noFill/>
+          <a:prstDash val="solid"/>
+        </a:ln>
+        <a:effectLst/>
+      </dsp:spPr>
+      <dsp:style>
+        <a:lnRef idx="2">
+          <a:scrgbClr r="0" g="0" b="0"/>
+        </a:lnRef>
+        <a:fillRef idx="1">
+          <a:scrgbClr r="0" g="0" b="0"/>
+        </a:fillRef>
+        <a:effectRef idx="0">
+          <a:scrgbClr r="0" g="0" b="0"/>
+        </a:effectRef>
+        <a:fontRef idx="minor">
+          <a:schemeClr val="lt1"/>
+        </a:fontRef>
+      </dsp:style>
+    </dsp:sp>
+    <dsp:sp modelId="{469DC540-520C-4DDE-BC3C-293DAA0D77FF}">
+      <dsp:nvSpPr>
+        <dsp:cNvPr id="0" name=""/>
+        <dsp:cNvSpPr/>
+      </dsp:nvSpPr>
+      <dsp:spPr>
+        <a:xfrm>
+          <a:off x="2123066" y="2662933"/>
+          <a:ext cx="1800000" cy="720000"/>
+        </a:xfrm>
+        <a:prstGeom prst="rect">
+          <a:avLst/>
+        </a:prstGeom>
+        <a:noFill/>
+        <a:ln>
+          <a:noFill/>
+        </a:ln>
+        <a:effectLst/>
+      </dsp:spPr>
+      <dsp:style>
+        <a:lnRef idx="0">
+          <a:scrgbClr r="0" g="0" b="0"/>
+        </a:lnRef>
+        <a:fillRef idx="0">
+          <a:scrgbClr r="0" g="0" b="0"/>
+        </a:fillRef>
+        <a:effectRef idx="0">
+          <a:scrgbClr r="0" g="0" b="0"/>
+        </a:effectRef>
+        <a:fontRef idx="minor"/>
+      </dsp:style>
+      <dsp:txBody>
+        <a:bodyPr spcFirstLastPara="0" vert="horz" wrap="square" lIns="0" tIns="0" rIns="0" bIns="0" numCol="1" spcCol="1270" anchor="t" anchorCtr="0">
+          <a:noAutofit/>
+        </a:bodyPr>
+        <a:lstStyle/>
+        <a:p>
+          <a:pPr marL="0" lvl="0" indent="0" algn="ctr" defTabSz="800100">
+            <a:lnSpc>
+              <a:spcPct val="90000"/>
+            </a:lnSpc>
+            <a:spcBef>
+              <a:spcPct val="0"/>
+            </a:spcBef>
+            <a:spcAft>
+              <a:spcPct val="35000"/>
+            </a:spcAft>
+            <a:buNone/>
+            <a:defRPr cap="all"/>
+          </a:pPr>
+          <a:r>
+            <a:rPr lang="en-GB" sz="1800" kern="1200"/>
+            <a:t>F</a:t>
+          </a:r>
+          <a:r>
+            <a:rPr lang="en-DE" sz="1800" kern="1200"/>
+            <a:t>ramework: bootstrap</a:t>
+          </a:r>
+          <a:endParaRPr lang="en-US" sz="1800" kern="1200"/>
+        </a:p>
+      </dsp:txBody>
+      <dsp:txXfrm>
+        <a:off x="2123066" y="2662933"/>
+        <a:ext cx="1800000" cy="720000"/>
+      </dsp:txXfrm>
+    </dsp:sp>
+    <dsp:sp modelId="{FF0A10F4-5057-4270-AEFF-6CAE746B63CC}">
+      <dsp:nvSpPr>
+        <dsp:cNvPr id="0" name=""/>
+        <dsp:cNvSpPr/>
+      </dsp:nvSpPr>
+      <dsp:spPr>
+        <a:xfrm>
+          <a:off x="4589066" y="1222932"/>
+          <a:ext cx="1098000" cy="1098000"/>
+        </a:xfrm>
+        <a:prstGeom prst="round2DiagRect">
+          <a:avLst>
+            <a:gd name="adj1" fmla="val 29727"/>
+            <a:gd name="adj2" fmla="val 0"/>
+          </a:avLst>
+        </a:prstGeom>
+        <a:solidFill>
+          <a:schemeClr val="accent4">
+            <a:hueOff val="0"/>
+            <a:satOff val="0"/>
+            <a:lumOff val="0"/>
+            <a:alphaOff val="0"/>
+          </a:schemeClr>
+        </a:solidFill>
+        <a:ln>
+          <a:noFill/>
+        </a:ln>
+        <a:effectLst/>
+      </dsp:spPr>
+      <dsp:style>
+        <a:lnRef idx="0">
+          <a:scrgbClr r="0" g="0" b="0"/>
+        </a:lnRef>
+        <a:fillRef idx="1">
+          <a:scrgbClr r="0" g="0" b="0"/>
+        </a:fillRef>
+        <a:effectRef idx="0">
+          <a:scrgbClr r="0" g="0" b="0"/>
+        </a:effectRef>
+        <a:fontRef idx="minor"/>
+      </dsp:style>
+    </dsp:sp>
+    <dsp:sp modelId="{01586ED4-8266-45C3-BA04-E0708249A250}">
+      <dsp:nvSpPr>
+        <dsp:cNvPr id="0" name=""/>
+        <dsp:cNvSpPr/>
+      </dsp:nvSpPr>
+      <dsp:spPr>
+        <a:xfrm>
+          <a:off x="4823066" y="1456932"/>
+          <a:ext cx="630000" cy="630000"/>
+        </a:xfrm>
+        <a:prstGeom prst="rect">
+          <a:avLst/>
+        </a:prstGeom>
+        <a:blipFill>
+          <a:blip xmlns:r="http://schemas.openxmlformats.org/officeDocument/2006/relationships" r:embed="rId5">
+            <a:extLst>
+              <a:ext uri="{28A0092B-C50C-407E-A947-70E740481C1C}">
+                <a14:useLocalDpi xmlns:a14="http://schemas.microsoft.com/office/drawing/2010/main" val="0"/>
+              </a:ext>
+              <a:ext uri="{96DAC541-7B7A-43D3-8B79-37D633B846F1}">
+                <asvg:svgBlip xmlns:asvg="http://schemas.microsoft.com/office/drawing/2016/SVG/main" r:embed="rId6"/>
+              </a:ext>
+            </a:extLst>
+          </a:blip>
+          <a:stretch>
+            <a:fillRect/>
+          </a:stretch>
+        </a:blipFill>
+        <a:ln w="19050" cap="rnd" cmpd="sng" algn="ctr">
+          <a:noFill/>
+          <a:prstDash val="solid"/>
+        </a:ln>
+        <a:effectLst/>
+      </dsp:spPr>
+      <dsp:style>
+        <a:lnRef idx="2">
+          <a:scrgbClr r="0" g="0" b="0"/>
+        </a:lnRef>
+        <a:fillRef idx="1">
+          <a:scrgbClr r="0" g="0" b="0"/>
+        </a:fillRef>
+        <a:effectRef idx="0">
+          <a:scrgbClr r="0" g="0" b="0"/>
+        </a:effectRef>
+        <a:fontRef idx="minor">
+          <a:schemeClr val="lt1"/>
+        </a:fontRef>
+      </dsp:style>
+    </dsp:sp>
+    <dsp:sp modelId="{742B72B9-C4F1-447C-B9BB-4BDDEBA3E479}">
+      <dsp:nvSpPr>
+        <dsp:cNvPr id="0" name=""/>
+        <dsp:cNvSpPr/>
+      </dsp:nvSpPr>
+      <dsp:spPr>
+        <a:xfrm>
+          <a:off x="4238066" y="2662933"/>
+          <a:ext cx="1800000" cy="720000"/>
+        </a:xfrm>
+        <a:prstGeom prst="rect">
+          <a:avLst/>
+        </a:prstGeom>
+        <a:noFill/>
+        <a:ln>
+          <a:noFill/>
+        </a:ln>
+        <a:effectLst/>
+      </dsp:spPr>
+      <dsp:style>
+        <a:lnRef idx="0">
+          <a:scrgbClr r="0" g="0" b="0"/>
+        </a:lnRef>
+        <a:fillRef idx="0">
+          <a:scrgbClr r="0" g="0" b="0"/>
+        </a:fillRef>
+        <a:effectRef idx="0">
+          <a:scrgbClr r="0" g="0" b="0"/>
+        </a:effectRef>
+        <a:fontRef idx="minor"/>
+      </dsp:style>
+      <dsp:txBody>
+        <a:bodyPr spcFirstLastPara="0" vert="horz" wrap="square" lIns="0" tIns="0" rIns="0" bIns="0" numCol="1" spcCol="1270" anchor="t" anchorCtr="0">
+          <a:noAutofit/>
+        </a:bodyPr>
+        <a:lstStyle/>
+        <a:p>
+          <a:pPr marL="0" lvl="0" indent="0" algn="ctr" defTabSz="800100">
+            <a:lnSpc>
+              <a:spcPct val="90000"/>
+            </a:lnSpc>
+            <a:spcBef>
+              <a:spcPct val="0"/>
+            </a:spcBef>
+            <a:spcAft>
+              <a:spcPct val="35000"/>
+            </a:spcAft>
+            <a:buNone/>
+            <a:defRPr cap="all"/>
+          </a:pPr>
+          <a:r>
+            <a:rPr lang="en-GB" sz="1800" kern="1200"/>
+            <a:t>J</a:t>
+          </a:r>
+          <a:r>
+            <a:rPr lang="en-DE" sz="1800" kern="1200"/>
+            <a:t>e Funktion eine Unterseite</a:t>
+          </a:r>
+          <a:endParaRPr lang="en-US" sz="1800" kern="1200"/>
+        </a:p>
+      </dsp:txBody>
+      <dsp:txXfrm>
+        <a:off x="4238066" y="2662933"/>
+        <a:ext cx="1800000" cy="720000"/>
+      </dsp:txXfrm>
+    </dsp:sp>
+  </dsp:spTree>
+</dsp:drawing>
+</file>
+
+<file path=ppt/diagrams/layout1.xml><?xml version="1.0" encoding="utf-8"?>
+<dgm:layoutDef xmlns:dgm="http://schemas.openxmlformats.org/drawingml/2006/diagram" xmlns:a="http://schemas.openxmlformats.org/drawingml/2006/main" uniqueId="urn:microsoft.com/office/officeart/2018/5/layout/IconLeafLabelList">
+  <dgm:title val="Icon Leaf Label List"/>
+  <dgm:desc val="Use to show non-sequential or grouped chunks of information accompanied by a related visuals. Works best with icons or small pictures with short text captions."/>
+  <dgm:catLst>
+    <dgm:cat type="icon" pri="500"/>
+  </dgm:catLst>
+  <dgm:sampData useDef="1">
+    <dgm:dataModel>
+      <dgm:ptLst/>
+      <dgm:bg/>
+      <dgm:whole/>
+    </dgm:dataModel>
+  </dgm:sampData>
+  <dgm:styleData useDef="1">
+    <dgm:dataModel>
+      <dgm:ptLst/>
+      <dgm:bg/>
+      <dgm:whole/>
+    </dgm:dataModel>
+  </dgm:styleData>
+  <dgm:clrData useDef="1">
+    <dgm:dataModel>
+      <dgm:ptLst/>
+      <dgm:bg/>
+      <dgm:whole/>
+    </dgm:dataModel>
+  </dgm:clrData>
+  <dgm:layoutNode name="root">
+    <dgm:varLst>
+      <dgm:dir/>
+      <dgm:resizeHandles val="exact"/>
+    </dgm:varLst>
+    <dgm:choose name="Name0">
+      <dgm:if name="Name1" axis="self" func="var" arg="dir" op="equ" val="norm">
+        <dgm:alg type="snake">
+          <dgm:param type="grDir" val="tL"/>
+          <dgm:param type="flowDir" val="row"/>
+          <dgm:param type="contDir" val="sameDir"/>
+          <dgm:param type="off" val="ctr"/>
+          <dgm:param type="vertAlign" val="mid"/>
+          <dgm:param type="horzAlign" val="ctr"/>
+        </dgm:alg>
+      </dgm:if>
+      <dgm:else name="Name2">
+        <dgm:alg type="snake">
+          <dgm:param type="grDir" val="tR"/>
+          <dgm:param type="flowDir" val="row"/>
+          <dgm:param type="contDir" val="sameDir"/>
+          <dgm:param type="off" val="ctr"/>
+          <dgm:param type="vertAlign" val="mid"/>
+          <dgm:param type="horzAlign" val="ctr"/>
+        </dgm:alg>
+      </dgm:else>
+    </dgm:choose>
+    <dgm:shape xmlns:r="http://schemas.openxmlformats.org/officeDocument/2006/relationships" r:blip="">
+      <dgm:adjLst/>
+    </dgm:shape>
+    <dgm:presOf/>
+    <dgm:choose name="Name3">
+      <dgm:if name="Name4" axis="ch" ptType="node" func="cnt" op="lte" val="2">
+        <dgm:constrLst>
+          <dgm:constr type="h" for="ch" forName="compNode" refType="h" fact="0.4"/>
+          <dgm:constr type="w" for="ch" forName="compNode" val="100"/>
+          <dgm:constr type="w" for="ch" forName="sibTrans" refType="w" refFor="ch" refForName="compNode" fact="0.175"/>
+          <dgm:constr type="sp" refType="w" refFor="ch" refForName="compNode" op="equ" fact="0.25"/>
+          <dgm:constr type="primFontSz" for="des" ptType="node" op="equ" val="44"/>
+          <dgm:constr type="h" for="des" forName="compNode" op="equ"/>
+          <dgm:constr type="h" for="des" forName="textRect" op="equ"/>
+        </dgm:constrLst>
+      </dgm:if>
+      <dgm:if name="Name5" axis="ch" ptType="node" func="cnt" op="lte" val="3">
+        <dgm:constrLst>
+          <dgm:constr type="h" for="ch" forName="compNode" refType="h" fact="0.4"/>
+          <dgm:constr type="w" for="ch" forName="compNode" val="100"/>
+          <dgm:constr type="w" for="ch" forName="sibTrans" refType="w" refFor="ch" refForName="compNode" fact="0.175"/>
+          <dgm:constr type="sp" refType="w" refFor="ch" refForName="compNode" op="equ" fact="0.25"/>
+          <dgm:constr type="primFontSz" for="des" ptType="node" op="equ" val="40"/>
+          <dgm:constr type="h" for="des" forName="compNode" op="equ"/>
+          <dgm:constr type="h" for="des" forName="textRect" op="equ"/>
+        </dgm:constrLst>
+      </dgm:if>
+      <dgm:if name="Name6" axis="ch" ptType="node" func="cnt" op="lte" val="4">
+        <dgm:constrLst>
+          <dgm:constr type="h" for="ch" forName="compNode" refType="h" fact="0.4"/>
+          <dgm:constr type="w" for="ch" forName="compNode" refType="w"/>
+          <dgm:constr type="w" for="ch" forName="sibTrans" refType="w" refFor="ch" refForName="compNode" fact="0.175"/>
+          <dgm:constr type="sp" refType="w" refFor="ch" refForName="compNode" op="equ" fact="0.25"/>
+          <dgm:constr type="primFontSz" for="des" ptType="node" op="equ" val="32"/>
+          <dgm:constr type="h" for="des" forName="compNode" op="equ"/>
+          <dgm:constr type="h" for="des" forName="textRect" op="equ"/>
+        </dgm:constrLst>
+      </dgm:if>
+      <dgm:else name="Name7">
+        <dgm:constrLst>
+          <dgm:constr type="h" for="ch" forName="compNode" refType="h" fact="0.4"/>
+          <dgm:constr type="w" for="ch" forName="compNode" refType="w"/>
+          <dgm:constr type="w" for="ch" forName="sibTrans" refType="w" refFor="ch" refForName="compNode" fact="0.175"/>
+          <dgm:constr type="sp" refType="w" refFor="ch" refForName="compNode" op="equ" fact="0.25"/>
+          <dgm:constr type="primFontSz" for="des" ptType="node" op="equ" val="24"/>
+          <dgm:constr type="h" for="des" forName="compNode" op="equ"/>
+          <dgm:constr type="h" for="des" forName="textRect" op="equ"/>
+        </dgm:constrLst>
+      </dgm:else>
+    </dgm:choose>
+    <dgm:ruleLst>
+      <dgm:rule type="w" for="ch" forName="compNode" val="50" fact="NaN" max="NaN"/>
+    </dgm:ruleLst>
+    <dgm:forEach name="Name8" axis="ch" ptType="node">
+      <dgm:layoutNode name="compNode">
+        <dgm:alg type="composite"/>
+        <dgm:shape xmlns:r="http://schemas.openxmlformats.org/officeDocument/2006/relationships" r:blip="">
+          <dgm:adjLst/>
+        </dgm:shape>
+        <dgm:presOf axis="self"/>
+        <dgm:constrLst>
+          <dgm:constr type="w" for="ch" forName="iconBgRect" refType="w" fact="0.61"/>
+          <dgm:constr type="h" for="ch" forName="iconBgRect" refType="w" refFor="ch" refForName="iconBgRect"/>
+          <dgm:constr type="t" for="ch" forName="iconBgRect"/>
+          <dgm:constr type="ctrX" for="ch" forName="iconBgRect" refType="w" fact="0.5"/>
+          <dgm:constr type="w" for="ch" forName="iconRect" refType="w" fact="0.35"/>
+          <dgm:constr type="h" for="ch" forName="iconRect" refType="w" refFor="ch" refForName="iconRect"/>
+          <dgm:constr type="ctrX" for="ch" forName="iconRect" refType="ctrX" refFor="ch" refForName="iconBgRect"/>
+          <dgm:constr type="ctrY" for="ch" forName="iconRect" refType="ctrY" refFor="ch" refForName="iconBgRect"/>
+          <dgm:constr type="h" for="ch" forName="spaceRect" refType="w" fact="0.19"/>
+          <dgm:constr type="w" for="ch" forName="spaceRect" refType="w"/>
+          <dgm:constr type="l" for="ch" forName="spaceRect"/>
+          <dgm:constr type="t" for="ch" forName="spaceRect" refType="b" refFor="ch" refForName="iconBgRect"/>
+          <dgm:constr type="h" for="ch" forName="textRect" val="20"/>
+          <dgm:constr type="w" for="ch" forName="textRect" refType="w"/>
+          <dgm:constr type="l" for="ch" forName="textRect"/>
+          <dgm:constr type="t" for="ch" forName="textRect" refType="b" refFor="ch" refForName="spaceRect"/>
+        </dgm:constrLst>
+        <dgm:ruleLst>
+          <dgm:rule type="h" val="INF" fact="NaN" max="NaN"/>
+        </dgm:ruleLst>
+        <dgm:layoutNode name="iconBgRect" styleLbl="bgShp">
+          <dgm:alg type="sp"/>
+          <dgm:shape xmlns:r="http://schemas.openxmlformats.org/officeDocument/2006/relationships" type="round2DiagRect" r:blip="">
+            <dgm:adjLst/>
+            <dgm:extLst>
+              <a:ext uri="{B698B0E9-8C71-41B9-8309-B3DCBF30829C}">
+                <dgm1612:spPr xmlns:dgm1612="http://schemas.microsoft.com/office/drawing/2016/12/diagram">
+                  <a:prstGeom prst="round2DiagRect">
+                    <a:avLst>
+                      <a:gd name="adj1" fmla="val 29727"/>
+                      <a:gd name="adj2" fmla="val 0"/>
+                    </a:avLst>
+                  </a:prstGeom>
+                </dgm1612:spPr>
+              </a:ext>
+            </dgm:extLst>
+          </dgm:shape>
+          <dgm:presOf/>
+          <dgm:constrLst/>
+          <dgm:ruleLst/>
+        </dgm:layoutNode>
+        <dgm:layoutNode name="iconRect" styleLbl="node1">
+          <dgm:alg type="sp"/>
+          <dgm:shape xmlns:r="http://schemas.openxmlformats.org/officeDocument/2006/relationships" type="rect" r:blip="" blipPhldr="1">
+            <dgm:adjLst/>
+          </dgm:shape>
+          <dgm:presOf/>
+          <dgm:constrLst/>
+          <dgm:ruleLst/>
+        </dgm:layoutNode>
+        <dgm:layoutNode name="spaceRect">
+          <dgm:alg type="sp"/>
+          <dgm:shape xmlns:r="http://schemas.openxmlformats.org/officeDocument/2006/relationships" r:blip="">
+            <dgm:adjLst/>
+          </dgm:shape>
+          <dgm:presOf/>
+          <dgm:constrLst/>
+          <dgm:ruleLst/>
+        </dgm:layoutNode>
+        <dgm:layoutNode name="textRect" styleLbl="revTx">
+          <dgm:varLst>
+            <dgm:chMax val="1"/>
+            <dgm:chPref val="1"/>
+          </dgm:varLst>
+          <dgm:alg type="tx">
+            <dgm:param type="txAnchorVert" val="t"/>
+          </dgm:alg>
+          <dgm:shape xmlns:r="http://schemas.openxmlformats.org/officeDocument/2006/relationships" type="rect" r:blip="">
+            <dgm:adjLst/>
+          </dgm:shape>
+          <dgm:presOf axis="self" ptType="node"/>
+          <dgm:constrLst>
+            <dgm:constr type="lMarg"/>
+            <dgm:constr type="rMarg"/>
+            <dgm:constr type="tMarg"/>
+            <dgm:constr type="bMarg"/>
+          </dgm:constrLst>
+          <dgm:ruleLst>
+            <dgm:rule type="primFontSz" val="11" fact="NaN" max="NaN"/>
+            <dgm:rule type="h" val="INF" fact="NaN" max="NaN"/>
+          </dgm:ruleLst>
+        </dgm:layoutNode>
+      </dgm:layoutNode>
+      <dgm:forEach name="Name9" axis="followSib" ptType="sibTrans" cnt="1">
+        <dgm:layoutNode name="sibTrans">
+          <dgm:alg type="sp"/>
+          <dgm:shape xmlns:r="http://schemas.openxmlformats.org/officeDocument/2006/relationships" r:blip="">
+            <dgm:adjLst/>
+          </dgm:shape>
+          <dgm:presOf axis="self"/>
+          <dgm:constrLst/>
+          <dgm:ruleLst/>
+        </dgm:layoutNode>
+      </dgm:forEach>
+    </dgm:forEach>
+  </dgm:layoutNode>
+  <dgm:extLst>
+    <a:ext uri="{68A01E43-0DF5-4B5B-8FA6-DAF915123BFB}">
+      <dgm1612:lstStyle xmlns:dgm1612="http://schemas.microsoft.com/office/drawing/2016/12/diagram">
+        <a:lvl1pPr>
+          <a:lnSpc>
+            <a:spcPct val="100000"/>
+          </a:lnSpc>
+          <a:defRPr cap="all"/>
+        </a:lvl1pPr>
+      </dgm1612:lstStyle>
+    </a:ext>
+  </dgm:extLst>
+</dgm:layoutDef>
+</file>
+
+<file path=ppt/diagrams/quickStyle1.xml><?xml version="1.0" encoding="utf-8"?>
+<dgm:styleDef xmlns:dgm="http://schemas.openxmlformats.org/drawingml/2006/diagram" xmlns:a="http://schemas.openxmlformats.org/drawingml/2006/main" uniqueId="urn:microsoft.com/office/officeart/2005/8/quickstyle/simple1">
+  <dgm:title val=""/>
+  <dgm:desc val=""/>
+  <dgm:catLst>
+    <dgm:cat type="simple" pri="10100"/>
+  </dgm:catLst>
+  <dgm:scene3d>
+    <a:camera prst="orthographicFront"/>
+    <a:lightRig rig="threePt" dir="t"/>
+  </dgm:scene3d>
+  <dgm:styleLbl name="node0">
+    <dgm:scene3d>
+      <a:camera prst="orthographicFront"/>
+      <a:lightRig rig="threePt" dir="t"/>
+    </dgm:scene3d>
+    <dgm:sp3d/>
+    <dgm:txPr/>
+    <dgm:style>
+      <a:lnRef idx="2">
+        <a:scrgbClr r="0" g="0" b="0"/>
+      </a:lnRef>
+      <a:fillRef idx="1">
+        <a:scrgbClr r="0" g="0" b="0"/>
+      </a:fillRef>
+      <a:effectRef idx="0">
+        <a:scrgbClr r="0" g="0" b="0"/>
+      </a:effectRef>
+      <a:fontRef idx="minor">
+        <a:schemeClr val="lt1"/>
+      </a:fontRef>
+    </dgm:style>
+  </dgm:styleLbl>
+  <dgm:styleLbl name="lnNode1">
+    <dgm:scene3d>
+      <a:camera prst="orthographicFront"/>
+      <a:lightRig rig="threePt" dir="t"/>
+    </dgm:scene3d>
+    <dgm:sp3d/>
+    <dgm:txPr/>
+    <dgm:style>
+      <a:lnRef idx="2">
+        <a:scrgbClr r="0" g="0" b="0"/>
+      </a:lnRef>
+      <a:fillRef idx="1">
+        <a:scrgbClr r="0" g="0" b="0"/>
+      </a:fillRef>
+      <a:effectRef idx="0">
+        <a:scrgbClr r="0" g="0" b="0"/>
+      </a:effectRef>
+      <a:fontRef idx="minor">
+        <a:schemeClr val="lt1"/>
+      </a:fontRef>
+    </dgm:style>
+  </dgm:styleLbl>
+  <dgm:styleLbl name="vennNode1">
+    <dgm:scene3d>
+      <a:camera prst="orthographicFront"/>
+      <a:lightRig rig="threePt" dir="t"/>
+    </dgm:scene3d>
+    <dgm:sp3d/>
+    <dgm:txPr/>
+    <dgm:style>
+      <a:lnRef idx="2">
+        <a:scrgbClr r="0" g="0" b="0"/>
+      </a:lnRef>
+      <a:fillRef idx="1">
+        <a:scrgbClr r="0" g="0" b="0"/>
+      </a:fillRef>
+      <a:effectRef idx="0">
+        <a:scrgbClr r="0" g="0" b="0"/>
+      </a:effectRef>
+      <a:fontRef idx="minor">
+        <a:schemeClr val="tx1"/>
+      </a:fontRef>
+    </dgm:style>
+  </dgm:styleLbl>
+  <dgm:styleLbl name="alignNode1">
+    <dgm:scene3d>
+      <a:camera prst="orthographicFront"/>
+      <a:lightRig rig="threePt" dir="t"/>
+    </dgm:scene3d>
+    <dgm:sp3d/>
+    <dgm:txPr/>
+    <dgm:style>
+      <a:lnRef idx="2">
+        <a:scrgbClr r="0" g="0" b="0"/>
+      </a:lnRef>
+      <a:fillRef idx="1">
+        <a:scrgbClr r="0" g="0" b="0"/>
+      </a:fillRef>
+      <a:effectRef idx="0">
+        <a:scrgbClr r="0" g="0" b="0"/>
+      </a:effectRef>
+      <a:fontRef idx="minor">
+        <a:schemeClr val="lt1"/>
+      </a:fontRef>
+    </dgm:style>
+  </dgm:styleLbl>
+  <dgm:styleLbl name="node1">
+    <dgm:scene3d>
+      <a:camera prst="orthographicFront"/>
+      <a:lightRig rig="threePt" dir="t"/>
+    </dgm:scene3d>
+    <dgm:sp3d/>
+    <dgm:txPr/>
+    <dgm:style>
+      <a:lnRef idx="2">
+        <a:scrgbClr r="0" g="0" b="0"/>
+      </a:lnRef>
+      <a:fillRef idx="1">
+        <a:scrgbClr r="0" g="0" b="0"/>
+      </a:fillRef>
+      <a:effectRef idx="0">
+        <a:scrgbClr r="0" g="0" b="0"/>
+      </a:effectRef>
+      <a:fontRef idx="minor">
+        <a:schemeClr val="lt1"/>
+      </a:fontRef>
+    </dgm:style>
+  </dgm:styleLbl>
+  <dgm:styleLbl name="node2">
+    <dgm:scene3d>
+      <a:camera prst="orthographicFront"/>
+      <a:lightRig rig="threePt" dir="t"/>
+    </dgm:scene3d>
+    <dgm:sp3d/>
+    <dgm:txPr/>
+    <dgm:style>
+      <a:lnRef idx="2">
+        <a:scrgbClr r="0" g="0" b="0"/>
+      </a:lnRef>
+      <a:fillRef idx="1">
+        <a:scrgbClr r="0" g="0" b="0"/>
+      </a:fillRef>
+      <a:effectRef idx="0">
+        <a:scrgbClr r="0" g="0" b="0"/>
+      </a:effectRef>
+      <a:fontRef idx="minor">
+        <a:schemeClr val="lt1"/>
+      </a:fontRef>
+    </dgm:style>
+  </dgm:styleLbl>
+  <dgm:styleLbl name="node3">
+    <dgm:scene3d>
+      <a:camera prst="orthographicFront"/>
+      <a:lightRig rig="threePt" dir="t"/>
+    </dgm:scene3d>
+    <dgm:sp3d/>
+    <dgm:txPr/>
+    <dgm:style>
+      <a:lnRef idx="2">
+        <a:scrgbClr r="0" g="0" b="0"/>
+      </a:lnRef>
+      <a:fillRef idx="1">
+        <a:scrgbClr r="0" g="0" b="0"/>
+      </a:fillRef>
+      <a:effectRef idx="0">
+        <a:scrgbClr r="0" g="0" b="0"/>
+      </a:effectRef>
+      <a:fontRef idx="minor">
+        <a:schemeClr val="lt1"/>
+      </a:fontRef>
+    </dgm:style>
+  </dgm:styleLbl>
+  <dgm:styleLbl name="node4">
+    <dgm:scene3d>
+      <a:camera prst="orthographicFront"/>
+      <a:lightRig rig="threePt" dir="t"/>
+    </dgm:scene3d>
+    <dgm:sp3d/>
+    <dgm:txPr/>
+    <dgm:style>
+      <a:lnRef idx="2">
+        <a:scrgbClr r="0" g="0" b="0"/>
+      </a:lnRef>
+      <a:fillRef idx="1">
+        <a:scrgbClr r="0" g="0" b="0"/>
+      </a:fillRef>
+      <a:effectRef idx="0">
+        <a:scrgbClr r="0" g="0" b="0"/>
+      </a:effectRef>
+      <a:fontRef idx="minor">
+        <a:schemeClr val="lt1"/>
+      </a:fontRef>
+    </dgm:style>
+  </dgm:styleLbl>
+  <dgm:styleLbl name="fgImgPlace1">
+    <dgm:scene3d>
+      <a:camera prst="orthographicFront"/>
+      <a:lightRig rig="threePt" dir="t"/>
+    </dgm:scene3d>
+    <dgm:sp3d/>
+    <dgm:txPr/>
+    <dgm:style>
+      <a:lnRef idx="2">
+        <a:scrgbClr r="0" g="0" b="0"/>
+      </a:lnRef>
+      <a:fillRef idx="1">
+        <a:scrgbClr r="0" g="0" b="0"/>
+      </a:fillRef>
+      <a:effectRef idx="0">
+        <a:scrgbClr r="0" g="0" b="0"/>
+      </a:effectRef>
+      <a:fontRef idx="minor"/>
+    </dgm:style>
+  </dgm:styleLbl>
+  <dgm:styleLbl name="alignImgPlace1">
+    <dgm:scene3d>
+      <a:camera prst="orthographicFront"/>
+      <a:lightRig rig="threePt" dir="t"/>
+    </dgm:scene3d>
+    <dgm:sp3d/>
+    <dgm:txPr/>
+    <dgm:style>
+      <a:lnRef idx="2">
+        <a:scrgbClr r="0" g="0" b="0"/>
+      </a:lnRef>
+      <a:fillRef idx="1">
+        <a:scrgbClr r="0" g="0" b="0"/>
+      </a:fillRef>
+      <a:effectRef idx="0">
+        <a:scrgbClr r="0" g="0" b="0"/>
+      </a:effectRef>
+      <a:fontRef idx="minor"/>
+    </dgm:style>
+  </dgm:styleLbl>
+  <dgm:styleLbl name="bgImgPlace1">
+    <dgm:scene3d>
+      <a:camera prst="orthographicFront"/>
+      <a:lightRig rig="threePt" dir="t"/>
+    </dgm:scene3d>
+    <dgm:sp3d/>
+    <dgm:txPr/>
+    <dgm:style>
+      <a:lnRef idx="2">
+        <a:scrgbClr r="0" g="0" b="0"/>
+      </a:lnRef>
+      <a:fillRef idx="1">
+        <a:scrgbClr r="0" g="0" b="0"/>
+      </a:fillRef>
+      <a:effectRef idx="0">
+        <a:scrgbClr r="0" g="0" b="0"/>
+      </a:effectRef>
+      <a:fontRef idx="minor"/>
+    </dgm:style>
+  </dgm:styleLbl>
+  <dgm:styleLbl name="sibTrans2D1">
+    <dgm:scene3d>
+      <a:camera prst="orthographicFront"/>
+      <a:lightRig rig="threePt" dir="t"/>
+    </dgm:scene3d>
+    <dgm:sp3d/>
+    <dgm:txPr/>
+    <dgm:style>
+      <a:lnRef idx="0">
+        <a:scrgbClr r="0" g="0" b="0"/>
+      </a:lnRef>
+      <a:fillRef idx="1">
+        <a:scrgbClr r="0" g="0" b="0"/>
+      </a:fillRef>
+      <a:effectRef idx="0">
+        <a:scrgbClr r="0" g="0" b="0"/>
+      </a:effectRef>
+      <a:fontRef idx="minor">
+        <a:schemeClr val="lt1"/>
+      </a:fontRef>
+    </dgm:style>
+  </dgm:styleLbl>
+  <dgm:styleLbl name="fgSibTrans2D1">
+    <dgm:scene3d>
+      <a:camera prst="orthographicFront"/>
+      <a:lightRig rig="threePt" dir="t"/>
+    </dgm:scene3d>
+    <dgm:sp3d/>
+    <dgm:txPr/>
+    <dgm:style>
+      <a:lnRef idx="0">
+        <a:scrgbClr r="0" g="0" b="0"/>
+      </a:lnRef>
+      <a:fillRef idx="1">
+        <a:scrgbClr r="0" g="0" b="0"/>
+      </a:fillRef>
+      <a:effectRef idx="0">
+        <a:scrgbClr r="0" g="0" b="0"/>
+      </a:effectRef>
+      <a:fontRef idx="minor">
+        <a:schemeClr val="lt1"/>
+      </a:fontRef>
+    </dgm:style>
+  </dgm:styleLbl>
+  <dgm:styleLbl name="bgSibTrans2D1">
+    <dgm:scene3d>
+      <a:camera prst="orthographicFront"/>
+      <a:lightRig rig="threePt" dir="t"/>
+    </dgm:scene3d>
+    <dgm:sp3d/>
+    <dgm:txPr/>
+    <dgm:style>
+      <a:lnRef idx="0">
+        <a:scrgbClr r="0" g="0" b="0"/>
+      </a:lnRef>
+      <a:fillRef idx="1">
+        <a:scrgbClr r="0" g="0" b="0"/>
+      </a:fillRef>
+      <a:effectRef idx="0">
+        <a:scrgbClr r="0" g="0" b="0"/>
+      </a:effectRef>
+      <a:fontRef idx="minor">
+        <a:schemeClr val="lt1"/>
+      </a:fontRef>
+    </dgm:style>
+  </dgm:styleLbl>
+  <dgm:styleLbl name="sibTrans1D1">
+    <dgm:scene3d>
+      <a:camera prst="orthographicFront"/>
+      <a:lightRig rig="threePt" dir="t"/>
+    </dgm:scene3d>
+    <dgm:sp3d/>
+    <dgm:txPr/>
+    <dgm:style>
+      <a:lnRef idx="1">
+        <a:scrgbClr r="0" g="0" b="0"/>
+      </a:lnRef>
+      <a:fillRef idx="0">
+        <a:scrgbClr r="0" g="0" b="0"/>
+      </a:fillRef>
+      <a:effectRef idx="0">
+        <a:scrgbClr r="0" g="0" b="0"/>
+      </a:effectRef>
+      <a:fontRef idx="minor"/>
+    </dgm:style>
+  </dgm:styleLbl>
+  <dgm:styleLbl name="callout">
+    <dgm:scene3d>
+      <a:camera prst="orthographicFront"/>
+      <a:lightRig rig="threePt" dir="t"/>
+    </dgm:scene3d>
+    <dgm:sp3d/>
+    <dgm:txPr/>
+    <dgm:style>
+      <a:lnRef idx="2">
+        <a:scrgbClr r="0" g="0" b="0"/>
+      </a:lnRef>
+      <a:fillRef idx="1">
+        <a:scrgbClr r="0" g="0" b="0"/>
+      </a:fillRef>
+      <a:effectRef idx="0">
+        <a:scrgbClr r="0" g="0" b="0"/>
+      </a:effectRef>
+      <a:fontRef idx="minor"/>
+    </dgm:style>
+  </dgm:styleLbl>
+  <dgm:styleLbl name="asst0">
+    <dgm:scene3d>
+      <a:camera prst="orthographicFront"/>
+      <a:lightRig rig="threePt" dir="t"/>
+    </dgm:scene3d>
+    <dgm:sp3d/>
+    <dgm:txPr/>
+    <dgm:style>
+      <a:lnRef idx="2">
+        <a:scrgbClr r="0" g="0" b="0"/>
+      </a:lnRef>
+      <a:fillRef idx="1">
+        <a:scrgbClr r="0" g="0" b="0"/>
+      </a:fillRef>
+      <a:effectRef idx="0">
+        <a:scrgbClr r="0" g="0" b="0"/>
+      </a:effectRef>
+      <a:fontRef idx="minor">
+        <a:schemeClr val="lt1"/>
+      </a:fontRef>
+    </dgm:style>
+  </dgm:styleLbl>
+  <dgm:styleLbl name="asst1">
+    <dgm:scene3d>
+      <a:camera prst="orthographicFront"/>
+      <a:lightRig rig="threePt" dir="t"/>
+    </dgm:scene3d>
+    <dgm:sp3d/>
+    <dgm:txPr/>
+    <dgm:style>
+      <a:lnRef idx="2">
+        <a:scrgbClr r="0" g="0" b="0"/>
+      </a:lnRef>
+      <a:fillRef idx="1">
+        <a:scrgbClr r="0" g="0" b="0"/>
+      </a:fillRef>
+      <a:effectRef idx="0">
+        <a:scrgbClr r="0" g="0" b="0"/>
+      </a:effectRef>
+      <a:fontRef idx="minor">
+        <a:schemeClr val="lt1"/>
+      </a:fontRef>
+    </dgm:style>
+  </dgm:styleLbl>
+  <dgm:styleLbl name="asst2">
+    <dgm:scene3d>
+      <a:camera prst="orthographicFront"/>
+      <a:lightRig rig="threePt" dir="t"/>
+    </dgm:scene3d>
+    <dgm:sp3d/>
+    <dgm:txPr/>
+    <dgm:style>
+      <a:lnRef idx="2">
+        <a:scrgbClr r="0" g="0" b="0"/>
+      </a:lnRef>
+      <a:fillRef idx="1">
+        <a:scrgbClr r="0" g="0" b="0"/>
+      </a:fillRef>
+      <a:effectRef idx="0">
+        <a:scrgbClr r="0" g="0" b="0"/>
+      </a:effectRef>
+      <a:fontRef idx="minor">
+        <a:schemeClr val="lt1"/>
+      </a:fontRef>
+    </dgm:style>
+  </dgm:styleLbl>
+  <dgm:styleLbl name="asst3">
+    <dgm:scene3d>
+      <a:camera prst="orthographicFront"/>
+      <a:lightRig rig="threePt" dir="t"/>
+    </dgm:scene3d>
+    <dgm:sp3d/>
+    <dgm:txPr/>
+    <dgm:style>
+      <a:lnRef idx="2">
+        <a:scrgbClr r="0" g="0" b="0"/>
+      </a:lnRef>
+      <a:fillRef idx="1">
+        <a:scrgbClr r="0" g="0" b="0"/>
+      </a:fillRef>
+      <a:effectRef idx="0">
+        <a:scrgbClr r="0" g="0" b="0"/>
+      </a:effectRef>
+      <a:fontRef idx="minor">
+        <a:schemeClr val="lt1"/>
+      </a:fontRef>
+    </dgm:style>
+  </dgm:styleLbl>
+  <dgm:styleLbl name="asst4">
+    <dgm:scene3d>
+      <a:camera prst="orthographicFront"/>
+      <a:lightRig rig="threePt" dir="t"/>
+    </dgm:scene3d>
+    <dgm:sp3d/>
+    <dgm:txPr/>
+    <dgm:style>
+      <a:lnRef idx="2">
+        <a:scrgbClr r="0" g="0" b="0"/>
+      </a:lnRef>
+      <a:fillRef idx="1">
+        <a:scrgbClr r="0" g="0" b="0"/>
+      </a:fillRef>
+      <a:effectRef idx="0">
+        <a:scrgbClr r="0" g="0" b="0"/>
+      </a:effectRef>
+      <a:fontRef idx="minor">
+        <a:schemeClr val="lt1"/>
+      </a:fontRef>
+    </dgm:style>
+  </dgm:styleLbl>
+  <dgm:styleLbl name="parChTrans2D1">
+    <dgm:scene3d>
+      <a:camera prst="orthographicFront"/>
+      <a:lightRig rig="threePt" dir="t"/>
+    </dgm:scene3d>
+    <dgm:sp3d/>
+    <dgm:txPr/>
+    <dgm:style>
+      <a:lnRef idx="2">
+        <a:scrgbClr r="0" g="0" b="0"/>
+      </a:lnRef>
+      <a:fillRef idx="1">
+        <a:scrgbClr r="0" g="0" b="0"/>
+      </a:fillRef>
+      <a:effectRef idx="0">
+        <a:scrgbClr r="0" g="0" b="0"/>
+      </a:effectRef>
+      <a:fontRef idx="minor">
+        <a:schemeClr val="lt1"/>
+      </a:fontRef>
+    </dgm:style>
+  </dgm:styleLbl>
+  <dgm:styleLbl name="parChTrans2D2">
+    <dgm:scene3d>
+      <a:camera prst="orthographicFront"/>
+      <a:lightRig rig="threePt" dir="t"/>
+    </dgm:scene3d>
+    <dgm:sp3d/>
+    <dgm:txPr/>
+    <dgm:style>
+      <a:lnRef idx="2">
+        <a:scrgbClr r="0" g="0" b="0"/>
+      </a:lnRef>
+      <a:fillRef idx="1">
+        <a:scrgbClr r="0" g="0" b="0"/>
+      </a:fillRef>
+      <a:effectRef idx="0">
+        <a:scrgbClr r="0" g="0" b="0"/>
+      </a:effectRef>
+      <a:fontRef idx="minor">
+        <a:schemeClr val="lt1"/>
+      </a:fontRef>
+    </dgm:style>
+  </dgm:styleLbl>
+  <dgm:styleLbl name="parChTrans2D3">
+    <dgm:scene3d>
+      <a:camera prst="orthographicFront"/>
+      <a:lightRig rig="threePt" dir="t"/>
+    </dgm:scene3d>
+    <dgm:sp3d/>
+    <dgm:txPr/>
+    <dgm:style>
+      <a:lnRef idx="2">
+        <a:scrgbClr r="0" g="0" b="0"/>
+      </a:lnRef>
+      <a:fillRef idx="1">
+        <a:scrgbClr r="0" g="0" b="0"/>
+      </a:fillRef>
+      <a:effectRef idx="0">
+        <a:scrgbClr r="0" g="0" b="0"/>
+      </a:effectRef>
+      <a:fontRef idx="minor">
+        <a:schemeClr val="lt1"/>
+      </a:fontRef>
+    </dgm:style>
+  </dgm:styleLbl>
+  <dgm:styleLbl name="parChTrans2D4">
+    <dgm:scene3d>
+      <a:camera prst="orthographicFront"/>
+      <a:lightRig rig="threePt" dir="t"/>
+    </dgm:scene3d>
+    <dgm:sp3d/>
+    <dgm:txPr/>
+    <dgm:style>
+      <a:lnRef idx="2">
+        <a:scrgbClr r="0" g="0" b="0"/>
+      </a:lnRef>
+      <a:fillRef idx="1">
+        <a:scrgbClr r="0" g="0" b="0"/>
+      </a:fillRef>
+      <a:effectRef idx="0">
+        <a:scrgbClr r="0" g="0" b="0"/>
+      </a:effectRef>
+      <a:fontRef idx="minor">
+        <a:schemeClr val="lt1"/>
+      </a:fontRef>
+    </dgm:style>
+  </dgm:styleLbl>
+  <dgm:styleLbl name="parChTrans1D1">
+    <dgm:scene3d>
+      <a:camera prst="orthographicFront"/>
+      <a:lightRig rig="threePt" dir="t"/>
+    </dgm:scene3d>
+    <dgm:sp3d/>
+    <dgm:txPr/>
+    <dgm:style>
+      <a:lnRef idx="2">
+        <a:scrgbClr r="0" g="0" b="0"/>
+      </a:lnRef>
+      <a:fillRef idx="0">
+        <a:scrgbClr r="0" g="0" b="0"/>
+      </a:fillRef>
+      <a:effectRef idx="0">
+        <a:scrgbClr r="0" g="0" b="0"/>
+      </a:effectRef>
+      <a:fontRef idx="minor"/>
+    </dgm:style>
+  </dgm:styleLbl>
+  <dgm:styleLbl name="parChTrans1D2">
+    <dgm:scene3d>
+      <a:camera prst="orthographicFront"/>
+      <a:lightRig rig="threePt" dir="t"/>
+    </dgm:scene3d>
+    <dgm:sp3d/>
+    <dgm:txPr/>
+    <dgm:style>
+      <a:lnRef idx="2">
+        <a:scrgbClr r="0" g="0" b="0"/>
+      </a:lnRef>
+      <a:fillRef idx="0">
+        <a:scrgbClr r="0" g="0" b="0"/>
+      </a:fillRef>
+      <a:effectRef idx="0">
+        <a:scrgbClr r="0" g="0" b="0"/>
+      </a:effectRef>
+      <a:fontRef idx="minor"/>
+    </dgm:style>
+  </dgm:styleLbl>
+  <dgm:styleLbl name="parChTrans1D3">
+    <dgm:scene3d>
+      <a:camera prst="orthographicFront"/>
+      <a:lightRig rig="threePt" dir="t"/>
+    </dgm:scene3d>
+    <dgm:sp3d/>
+    <dgm:txPr/>
+    <dgm:style>
+      <a:lnRef idx="2">
+        <a:scrgbClr r="0" g="0" b="0"/>
+      </a:lnRef>
+      <a:fillRef idx="0">
+        <a:scrgbClr r="0" g="0" b="0"/>
+      </a:fillRef>
+      <a:effectRef idx="0">
+        <a:scrgbClr r="0" g="0" b="0"/>
+      </a:effectRef>
+      <a:fontRef idx="minor"/>
+    </dgm:style>
+  </dgm:styleLbl>
+  <dgm:styleLbl name="parChTrans1D4">
+    <dgm:scene3d>
+      <a:camera prst="orthographicFront"/>
+      <a:lightRig rig="threePt" dir="t"/>
+    </dgm:scene3d>
+    <dgm:sp3d/>
+    <dgm:txPr/>
+    <dgm:style>
+      <a:lnRef idx="2">
+        <a:scrgbClr r="0" g="0" b="0"/>
+      </a:lnRef>
+      <a:fillRef idx="0">
+        <a:scrgbClr r="0" g="0" b="0"/>
+      </a:fillRef>
+      <a:effectRef idx="0">
+        <a:scrgbClr r="0" g="0" b="0"/>
+      </a:effectRef>
+      <a:fontRef idx="minor"/>
+    </dgm:style>
+  </dgm:styleLbl>
+  <dgm:styleLbl name="fgAcc1">
+    <dgm:scene3d>
+      <a:camera prst="orthographicFront"/>
+      <a:lightRig rig="threePt" dir="t"/>
+    </dgm:scene3d>
+    <dgm:sp3d/>
+    <dgm:txPr/>
+    <dgm:style>
+      <a:lnRef idx="2">
+        <a:scrgbClr r="0" g="0" b="0"/>
+      </a:lnRef>
+      <a:fillRef idx="1">
+        <a:scrgbClr r="0" g="0" b="0"/>
+      </a:fillRef>
+      <a:effectRef idx="0">
+        <a:scrgbClr r="0" g="0" b="0"/>
+      </a:effectRef>
+      <a:fontRef idx="minor"/>
+    </dgm:style>
+  </dgm:styleLbl>
+  <dgm:styleLbl name="conFgAcc1">
+    <dgm:scene3d>
+      <a:camera prst="orthographicFront"/>
+      <a:lightRig rig="threePt" dir="t"/>
+    </dgm:scene3d>
+    <dgm:sp3d/>
+    <dgm:txPr/>
+    <dgm:style>
+      <a:lnRef idx="2">
+        <a:scrgbClr r="0" g="0" b="0"/>
+      </a:lnRef>
+      <a:fillRef idx="1">
+        <a:scrgbClr r="0" g="0" b="0"/>
+      </a:fillRef>
+      <a:effectRef idx="0">
+        <a:scrgbClr r="0" g="0" b="0"/>
+      </a:effectRef>
+      <a:fontRef idx="minor"/>
+    </dgm:style>
+  </dgm:styleLbl>
+  <dgm:styleLbl name="alignAcc1">
+    <dgm:scene3d>
+      <a:camera prst="orthographicFront"/>
+      <a:lightRig rig="threePt" dir="t"/>
+    </dgm:scene3d>
+    <dgm:sp3d/>
+    <dgm:txPr/>
+    <dgm:style>
+      <a:lnRef idx="2">
+        <a:scrgbClr r="0" g="0" b="0"/>
+      </a:lnRef>
+      <a:fillRef idx="1">
+        <a:scrgbClr r="0" g="0" b="0"/>
+      </a:fillRef>
+      <a:effectRef idx="0">
+        <a:scrgbClr r="0" g="0" b="0"/>
+      </a:effectRef>
+      <a:fontRef idx="minor"/>
+    </dgm:style>
+  </dgm:styleLbl>
+  <dgm:styleLbl name="trAlignAcc1">
+    <dgm:scene3d>
+      <a:camera prst="orthographicFront"/>
+      <a:lightRig rig="threePt" dir="t"/>
+    </dgm:scene3d>
+    <dgm:sp3d/>
+    <dgm:txPr/>
+    <dgm:style>
+      <a:lnRef idx="1">
+        <a:scrgbClr r="0" g="0" b="0"/>
+      </a:lnRef>
+      <a:fillRef idx="1">
+        <a:scrgbClr r="0" g="0" b="0"/>
+      </a:fillRef>
+      <a:effectRef idx="0">
+        <a:scrgbClr r="0" g="0" b="0"/>
+      </a:effectRef>
+      <a:fontRef idx="minor"/>
+    </dgm:style>
+  </dgm:styleLbl>
+  <dgm:styleLbl name="bgAcc1">
+    <dgm:scene3d>
+      <a:camera prst="orthographicFront"/>
+      <a:lightRig rig="threePt" dir="t"/>
+    </dgm:scene3d>
+    <dgm:sp3d/>
+    <dgm:txPr/>
+    <dgm:style>
+      <a:lnRef idx="2">
+        <a:scrgbClr r="0" g="0" b="0"/>
+      </a:lnRef>
+      <a:fillRef idx="1">
+        <a:scrgbClr r="0" g="0" b="0"/>
+      </a:fillRef>
+      <a:effectRef idx="0">
+        <a:scrgbClr r="0" g="0" b="0"/>
+      </a:effectRef>
+      <a:fontRef idx="minor"/>
+    </dgm:style>
+  </dgm:styleLbl>
+  <dgm:styleLbl name="solidFgAcc1">
+    <dgm:scene3d>
+      <a:camera prst="orthographicFront"/>
+      <a:lightRig rig="threePt" dir="t"/>
+    </dgm:scene3d>
+    <dgm:sp3d/>
+    <dgm:txPr/>
+    <dgm:style>
+      <a:lnRef idx="2">
+        <a:scrgbClr r="0" g="0" b="0"/>
+      </a:lnRef>
+      <a:fillRef idx="1">
+        <a:scrgbClr r="0" g="0" b="0"/>
+      </a:fillRef>
+      <a:effectRef idx="0">
+        <a:scrgbClr r="0" g="0" b="0"/>
+      </a:effectRef>
+      <a:fontRef idx="minor"/>
+    </dgm:style>
+  </dgm:styleLbl>
+  <dgm:styleLbl name="solidAlignAcc1">
+    <dgm:scene3d>
+      <a:camera prst="orthographicFront"/>
+      <a:lightRig rig="threePt" dir="t"/>
+    </dgm:scene3d>
+    <dgm:sp3d/>
+    <dgm:txPr/>
+    <dgm:style>
+      <a:lnRef idx="2">
+        <a:scrgbClr r="0" g="0" b="0"/>
+      </a:lnRef>
+      <a:fillRef idx="1">
+        <a:scrgbClr r="0" g="0" b="0"/>
+      </a:fillRef>
+      <a:effectRef idx="0">
+        <a:scrgbClr r="0" g="0" b="0"/>
+      </a:effectRef>
+      <a:fontRef idx="minor"/>
+    </dgm:style>
+  </dgm:styleLbl>
+  <dgm:styleLbl name="solidBgAcc1">
+    <dgm:scene3d>
+      <a:camera prst="orthographicFront"/>
+      <a:lightRig rig="threePt" dir="t"/>
+    </dgm:scene3d>
+    <dgm:sp3d/>
+    <dgm:txPr/>
+    <dgm:style>
+      <a:lnRef idx="2">
+        <a:scrgbClr r="0" g="0" b="0"/>
+      </a:lnRef>
+      <a:fillRef idx="1">
+        <a:scrgbClr r="0" g="0" b="0"/>
+      </a:fillRef>
+      <a:effectRef idx="0">
+        <a:scrgbClr r="0" g="0" b="0"/>
+      </a:effectRef>
+      <a:fontRef idx="minor"/>
+    </dgm:style>
+  </dgm:styleLbl>
+  <dgm:styleLbl name="fgAccFollowNode1">
+    <dgm:scene3d>
+      <a:camera prst="orthographicFront"/>
+      <a:lightRig rig="threePt" dir="t"/>
+    </dgm:scene3d>
+    <dgm:sp3d/>
+    <dgm:txPr/>
+    <dgm:style>
+      <a:lnRef idx="2">
+        <a:scrgbClr r="0" g="0" b="0"/>
+      </a:lnRef>
+      <a:fillRef idx="1">
+        <a:scrgbClr r="0" g="0" b="0"/>
+      </a:fillRef>
+      <a:effectRef idx="0">
+        <a:scrgbClr r="0" g="0" b="0"/>
+      </a:effectRef>
+      <a:fontRef idx="minor"/>
+    </dgm:style>
+  </dgm:styleLbl>
+  <dgm:styleLbl name="alignAccFollowNode1">
+    <dgm:scene3d>
+      <a:camera prst="orthographicFront"/>
+      <a:lightRig rig="threePt" dir="t"/>
+    </dgm:scene3d>
+    <dgm:sp3d/>
+    <dgm:txPr/>
+    <dgm:style>
+      <a:lnRef idx="2">
+        <a:scrgbClr r="0" g="0" b="0"/>
+      </a:lnRef>
+      <a:fillRef idx="1">
+        <a:scrgbClr r="0" g="0" b="0"/>
+      </a:fillRef>
+      <a:effectRef idx="0">
+        <a:scrgbClr r="0" g="0" b="0"/>
+      </a:effectRef>
+      <a:fontRef idx="minor"/>
+    </dgm:style>
+  </dgm:styleLbl>
+  <dgm:styleLbl name="bgAccFollowNode1">
+    <dgm:scene3d>
+      <a:camera prst="orthographicFront"/>
+      <a:lightRig rig="threePt" dir="t"/>
+    </dgm:scene3d>
+    <dgm:sp3d/>
+    <dgm:txPr/>
+    <dgm:style>
+      <a:lnRef idx="2">
+        <a:scrgbClr r="0" g="0" b="0"/>
+      </a:lnRef>
+      <a:fillRef idx="1">
+        <a:scrgbClr r="0" g="0" b="0"/>
+      </a:fillRef>
+      <a:effectRef idx="0">
+        <a:scrgbClr r="0" g="0" b="0"/>
+      </a:effectRef>
+      <a:fontRef idx="minor"/>
+    </dgm:style>
+  </dgm:styleLbl>
+  <dgm:styleLbl name="fgAcc0">
+    <dgm:scene3d>
+      <a:camera prst="orthographicFront"/>
+      <a:lightRig rig="threePt" dir="t"/>
+    </dgm:scene3d>
+    <dgm:sp3d/>
+    <dgm:txPr/>
+    <dgm:style>
+      <a:lnRef idx="2">
+        <a:scrgbClr r="0" g="0" b="0"/>
+      </a:lnRef>
+      <a:fillRef idx="1">
+        <a:scrgbClr r="0" g="0" b="0"/>
+      </a:fillRef>
+      <a:effectRef idx="0">
+        <a:scrgbClr r="0" g="0" b="0"/>
+      </a:effectRef>
+      <a:fontRef idx="minor"/>
+    </dgm:style>
+  </dgm:styleLbl>
+  <dgm:styleLbl name="fgAcc2">
+    <dgm:scene3d>
+      <a:camera prst="orthographicFront"/>
+      <a:lightRig rig="threePt" dir="t"/>
+    </dgm:scene3d>
+    <dgm:sp3d/>
+    <dgm:txPr/>
+    <dgm:style>
+      <a:lnRef idx="2">
+        <a:scrgbClr r="0" g="0" b="0"/>
+      </a:lnRef>
+      <a:fillRef idx="1">
+        <a:scrgbClr r="0" g="0" b="0"/>
+      </a:fillRef>
+      <a:effectRef idx="0">
+        <a:scrgbClr r="0" g="0" b="0"/>
+      </a:effectRef>
+      <a:fontRef idx="minor"/>
+    </dgm:style>
+  </dgm:styleLbl>
+  <dgm:styleLbl name="fgAcc3">
+    <dgm:scene3d>
+      <a:camera prst="orthographicFront"/>
+      <a:lightRig rig="threePt" dir="t"/>
+    </dgm:scene3d>
+    <dgm:sp3d/>
+    <dgm:txPr/>
+    <dgm:style>
+      <a:lnRef idx="2">
+        <a:scrgbClr r="0" g="0" b="0"/>
+      </a:lnRef>
+      <a:fillRef idx="1">
+        <a:scrgbClr r="0" g="0" b="0"/>
+      </a:fillRef>
+      <a:effectRef idx="0">
+        <a:scrgbClr r="0" g="0" b="0"/>
+      </a:effectRef>
+      <a:fontRef idx="minor"/>
+    </dgm:style>
+  </dgm:styleLbl>
+  <dgm:styleLbl name="fgAcc4">
+    <dgm:scene3d>
+      <a:camera prst="orthographicFront"/>
+      <a:lightRig rig="threePt" dir="t"/>
+    </dgm:scene3d>
+    <dgm:sp3d/>
+    <dgm:txPr/>
+    <dgm:style>
+      <a:lnRef idx="2">
+        <a:scrgbClr r="0" g="0" b="0"/>
+      </a:lnRef>
+      <a:fillRef idx="1">
+        <a:scrgbClr r="0" g="0" b="0"/>
+      </a:fillRef>
+      <a:effectRef idx="0">
+        <a:scrgbClr r="0" g="0" b="0"/>
+      </a:effectRef>
+      <a:fontRef idx="minor"/>
+    </dgm:style>
+  </dgm:styleLbl>
+  <dgm:styleLbl name="bgShp">
+    <dgm:scene3d>
+      <a:camera prst="orthographicFront"/>
+      <a:lightRig rig="threePt" dir="t"/>
+    </dgm:scene3d>
+    <dgm:sp3d/>
+    <dgm:txPr/>
+    <dgm:style>
+      <a:lnRef idx="0">
+        <a:scrgbClr r="0" g="0" b="0"/>
+      </a:lnRef>
+      <a:fillRef idx="1">
+        <a:scrgbClr r="0" g="0" b="0"/>
+      </a:fillRef>
+      <a:effectRef idx="0">
+        <a:scrgbClr r="0" g="0" b="0"/>
+      </a:effectRef>
+      <a:fontRef idx="minor"/>
+    </dgm:style>
+  </dgm:styleLbl>
+  <dgm:styleLbl name="dkBgShp">
+    <dgm:scene3d>
+      <a:camera prst="orthographicFront"/>
+      <a:lightRig rig="threePt" dir="t"/>
+    </dgm:scene3d>
+    <dgm:sp3d/>
+    <dgm:txPr/>
+    <dgm:style>
+      <a:lnRef idx="0">
+        <a:scrgbClr r="0" g="0" b="0"/>
+      </a:lnRef>
+      <a:fillRef idx="1">
+        <a:scrgbClr r="0" g="0" b="0"/>
+      </a:fillRef>
+      <a:effectRef idx="0">
+        <a:scrgbClr r="0" g="0" b="0"/>
+      </a:effectRef>
+      <a:fontRef idx="minor"/>
+    </dgm:style>
+  </dgm:styleLbl>
+  <dgm:styleLbl name="trBgShp">
+    <dgm:scene3d>
+      <a:camera prst="orthographicFront"/>
+      <a:lightRig rig="threePt" dir="t"/>
+    </dgm:scene3d>
+    <dgm:sp3d/>
+    <dgm:txPr/>
+    <dgm:style>
+      <a:lnRef idx="0">
+        <a:scrgbClr r="0" g="0" b="0"/>
+      </a:lnRef>
+      <a:fillRef idx="1">
+        <a:scrgbClr r="0" g="0" b="0"/>
+      </a:fillRef>
+      <a:effectRef idx="0">
+        <a:scrgbClr r="0" g="0" b="0"/>
+      </a:effectRef>
+      <a:fontRef idx="minor"/>
+    </dgm:style>
+  </dgm:styleLbl>
+  <dgm:styleLbl name="fgShp">
+    <dgm:scene3d>
+      <a:camera prst="orthographicFront"/>
+      <a:lightRig rig="threePt" dir="t"/>
+    </dgm:scene3d>
+    <dgm:sp3d/>
+    <dgm:txPr/>
+    <dgm:style>
+      <a:lnRef idx="2">
+        <a:scrgbClr r="0" g="0" b="0"/>
+      </a:lnRef>
+      <a:fillRef idx="1">
+        <a:scrgbClr r="0" g="0" b="0"/>
+      </a:fillRef>
+      <a:effectRef idx="0">
+        <a:scrgbClr r="0" g="0" b="0"/>
+      </a:effectRef>
+      <a:fontRef idx="minor"/>
+    </dgm:style>
+  </dgm:styleLbl>
+  <dgm:styleLbl name="revTx">
+    <dgm:scene3d>
+      <a:camera prst="orthographicFront"/>
+      <a:lightRig rig="threePt" dir="t"/>
+    </dgm:scene3d>
+    <dgm:sp3d/>
+    <dgm:txPr/>
+    <dgm:style>
+      <a:lnRef idx="0">
+        <a:scrgbClr r="0" g="0" b="0"/>
+      </a:lnRef>
+      <a:fillRef idx="0">
+        <a:scrgbClr r="0" g="0" b="0"/>
+      </a:fillRef>
+      <a:effectRef idx="0">
+        <a:scrgbClr r="0" g="0" b="0"/>
+      </a:effectRef>
+      <a:fontRef idx="minor"/>
+    </dgm:style>
+  </dgm:styleLbl>
+</dgm:styleDef>
 </file>
 
 <file path=ppt/slideLayouts/slideLayout1.xml><?xml version="1.0" encoding="utf-8"?>
@@ -5744,13 +8788,13 @@
           <a:p>
             <a:r>
               <a:rPr lang="de-DE" dirty="0"/>
-              <a:t>XXXXXXXXXXXXXXXXX</a:t>
+              <a:t>Lukas (1617812)</a:t>
             </a:r>
           </a:p>
           <a:p>
             <a:r>
               <a:rPr lang="de-DE" dirty="0"/>
-              <a:t>XXXXXXXXXXXXXXXXX</a:t>
+              <a:t>Stefan Fischer (6550821)</a:t>
             </a:r>
           </a:p>
         </p:txBody>
@@ -5759,6 +8803,1318 @@
     <p:extLst>
       <p:ext uri="{BB962C8B-B14F-4D97-AF65-F5344CB8AC3E}">
         <p14:creationId xmlns:p14="http://schemas.microsoft.com/office/powerpoint/2010/main" val="1623306277"/>
+      </p:ext>
+    </p:extLst>
+  </p:cSld>
+  <p:clrMapOvr>
+    <a:masterClrMapping/>
+  </p:clrMapOvr>
+</p:sld>
+</file>
+
+<file path=ppt/slides/slide10.xml><?xml version="1.0" encoding="utf-8"?>
+<p:sld xmlns:a="http://schemas.openxmlformats.org/drawingml/2006/main" xmlns:r="http://schemas.openxmlformats.org/officeDocument/2006/relationships" xmlns:p="http://schemas.openxmlformats.org/presentationml/2006/main">
+  <p:cSld>
+    <p:bg>
+      <p:bgPr>
+        <a:blipFill rotWithShape="1">
+          <a:blip r:embed="rId2">
+            <a:duotone>
+              <a:schemeClr val="bg2">
+                <a:shade val="28000"/>
+                <a:satMod val="94000"/>
+                <a:lumMod val="20000"/>
+              </a:schemeClr>
+              <a:schemeClr val="bg2">
+                <a:tint val="94000"/>
+                <a:shade val="84000"/>
+                <a:satMod val="148000"/>
+                <a:lumMod val="114000"/>
+              </a:schemeClr>
+            </a:duotone>
+          </a:blip>
+          <a:stretch/>
+        </a:blipFill>
+        <a:effectLst/>
+      </p:bgPr>
+    </p:bg>
+    <p:spTree>
+      <p:nvGrpSpPr>
+        <p:cNvPr id="1" name=""/>
+        <p:cNvGrpSpPr/>
+        <p:nvPr/>
+      </p:nvGrpSpPr>
+      <p:grpSpPr>
+        <a:xfrm>
+          <a:off x="0" y="0"/>
+          <a:ext cx="0" cy="0"/>
+          <a:chOff x="0" y="0"/>
+          <a:chExt cx="0" cy="0"/>
+        </a:xfrm>
+      </p:grpSpPr>
+      <p:sp>
+        <p:nvSpPr>
+          <p:cNvPr id="2" name="Titel 1">
+            <a:extLst>
+              <a:ext uri="{FF2B5EF4-FFF2-40B4-BE49-F238E27FC236}">
+                <a16:creationId xmlns:a16="http://schemas.microsoft.com/office/drawing/2014/main" id="{394D2A32-65A5-4297-BDE2-CE23526C4BA1}"/>
+              </a:ext>
+            </a:extLst>
+          </p:cNvPr>
+          <p:cNvSpPr>
+            <a:spLocks noGrp="1"/>
+          </p:cNvSpPr>
+          <p:nvPr>
+            <p:ph type="title"/>
+          </p:nvPr>
+        </p:nvSpPr>
+        <p:spPr>
+          <a:xfrm>
+            <a:off x="1757889" y="406413"/>
+            <a:ext cx="8676222" cy="1066801"/>
+          </a:xfrm>
+        </p:spPr>
+        <p:txBody>
+          <a:bodyPr vert="horz" lIns="91440" tIns="45720" rIns="91440" bIns="45720" rtlCol="0" anchor="b">
+            <a:normAutofit/>
+          </a:bodyPr>
+          <a:lstStyle/>
+          <a:p>
+            <a:pPr algn="ctr"/>
+            <a:r>
+              <a:rPr lang="en-US" sz="4800" dirty="0" err="1">
+                <a:effectLst>
+                  <a:glow rad="38100">
+                    <a:schemeClr val="bg1">
+                      <a:lumMod val="65000"/>
+                      <a:lumOff val="35000"/>
+                      <a:alpha val="50000"/>
+                    </a:schemeClr>
+                  </a:glow>
+                  <a:outerShdw blurRad="28575" dist="31750" dir="13200000" algn="tl" rotWithShape="0">
+                    <a:srgbClr val="000000">
+                      <a:alpha val="25000"/>
+                    </a:srgbClr>
+                  </a:outerShdw>
+                </a:effectLst>
+              </a:rPr>
+              <a:t>SubServices</a:t>
+            </a:r>
+            <a:endParaRPr lang="en-US" sz="4800" dirty="0">
+              <a:effectLst>
+                <a:glow rad="38100">
+                  <a:schemeClr val="bg1">
+                    <a:lumMod val="65000"/>
+                    <a:lumOff val="35000"/>
+                    <a:alpha val="50000"/>
+                  </a:schemeClr>
+                </a:glow>
+                <a:outerShdw blurRad="28575" dist="31750" dir="13200000" algn="tl" rotWithShape="0">
+                  <a:srgbClr val="000000">
+                    <a:alpha val="25000"/>
+                  </a:srgbClr>
+                </a:outerShdw>
+              </a:effectLst>
+            </a:endParaRPr>
+          </a:p>
+        </p:txBody>
+      </p:sp>
+      <p:pic>
+        <p:nvPicPr>
+          <p:cNvPr id="2050" name="Picture 2">
+            <a:extLst>
+              <a:ext uri="{FF2B5EF4-FFF2-40B4-BE49-F238E27FC236}">
+                <a16:creationId xmlns:a16="http://schemas.microsoft.com/office/drawing/2014/main" id="{E7E4337B-1E79-49F6-8BE8-75643F85EECC}"/>
+              </a:ext>
+            </a:extLst>
+          </p:cNvPr>
+          <p:cNvPicPr>
+            <a:picLocks noGrp="1" noChangeAspect="1" noChangeArrowheads="1"/>
+          </p:cNvPicPr>
+          <p:nvPr>
+            <p:ph idx="1"/>
+          </p:nvPr>
+        </p:nvPicPr>
+        <p:blipFill>
+          <a:blip r:embed="rId3">
+            <a:extLst>
+              <a:ext uri="{28A0092B-C50C-407E-A947-70E740481C1C}">
+                <a14:useLocalDpi xmlns:a14="http://schemas.microsoft.com/office/drawing/2010/main" val="0"/>
+              </a:ext>
+            </a:extLst>
+          </a:blip>
+          <a:srcRect/>
+          <a:stretch>
+            <a:fillRect/>
+          </a:stretch>
+        </p:blipFill>
+        <p:spPr bwMode="auto">
+          <a:xfrm>
+            <a:off x="433428" y="1983971"/>
+            <a:ext cx="11209932" cy="4445824"/>
+          </a:xfrm>
+          <a:prstGeom prst="rect">
+            <a:avLst/>
+          </a:prstGeom>
+          <a:noFill/>
+          <a:extLst>
+            <a:ext uri="{909E8E84-426E-40DD-AFC4-6F175D3DCCD1}">
+              <a14:hiddenFill xmlns:a14="http://schemas.microsoft.com/office/drawing/2010/main">
+                <a:solidFill>
+                  <a:srgbClr val="FFFFFF"/>
+                </a:solidFill>
+              </a14:hiddenFill>
+            </a:ext>
+          </a:extLst>
+        </p:spPr>
+      </p:pic>
+    </p:spTree>
+    <p:extLst>
+      <p:ext uri="{BB962C8B-B14F-4D97-AF65-F5344CB8AC3E}">
+        <p14:creationId xmlns:p14="http://schemas.microsoft.com/office/powerpoint/2010/main" val="1885179953"/>
+      </p:ext>
+    </p:extLst>
+  </p:cSld>
+  <p:clrMapOvr>
+    <a:masterClrMapping/>
+  </p:clrMapOvr>
+</p:sld>
+</file>
+
+<file path=ppt/slides/slide11.xml><?xml version="1.0" encoding="utf-8"?>
+<p:sld xmlns:a="http://schemas.openxmlformats.org/drawingml/2006/main" xmlns:r="http://schemas.openxmlformats.org/officeDocument/2006/relationships" xmlns:p="http://schemas.openxmlformats.org/presentationml/2006/main">
+  <p:cSld>
+    <p:spTree>
+      <p:nvGrpSpPr>
+        <p:cNvPr id="1" name=""/>
+        <p:cNvGrpSpPr/>
+        <p:nvPr/>
+      </p:nvGrpSpPr>
+      <p:grpSpPr>
+        <a:xfrm>
+          <a:off x="0" y="0"/>
+          <a:ext cx="0" cy="0"/>
+          <a:chOff x="0" y="0"/>
+          <a:chExt cx="0" cy="0"/>
+        </a:xfrm>
+      </p:grpSpPr>
+      <p:sp>
+        <p:nvSpPr>
+          <p:cNvPr id="8" name="Titel 7">
+            <a:extLst>
+              <a:ext uri="{FF2B5EF4-FFF2-40B4-BE49-F238E27FC236}">
+                <a16:creationId xmlns:a16="http://schemas.microsoft.com/office/drawing/2014/main" id="{B6DBF503-24A9-4FE0-9A05-F906291901E1}"/>
+              </a:ext>
+            </a:extLst>
+          </p:cNvPr>
+          <p:cNvSpPr>
+            <a:spLocks noGrp="1"/>
+          </p:cNvSpPr>
+          <p:nvPr>
+            <p:ph type="title"/>
+          </p:nvPr>
+        </p:nvSpPr>
+        <p:spPr/>
+        <p:txBody>
+          <a:bodyPr/>
+          <a:lstStyle/>
+          <a:p>
+            <a:r>
+              <a:rPr lang="de-DE" dirty="0"/>
+              <a:t>Profil anlegen &amp; Datenbank</a:t>
+            </a:r>
+          </a:p>
+        </p:txBody>
+      </p:sp>
+      <p:sp>
+        <p:nvSpPr>
+          <p:cNvPr id="9" name="Inhaltsplatzhalter 8">
+            <a:extLst>
+              <a:ext uri="{FF2B5EF4-FFF2-40B4-BE49-F238E27FC236}">
+                <a16:creationId xmlns:a16="http://schemas.microsoft.com/office/drawing/2014/main" id="{305A2680-25DE-4DFD-BBB0-6D0B9227F49F}"/>
+              </a:ext>
+            </a:extLst>
+          </p:cNvPr>
+          <p:cNvSpPr>
+            <a:spLocks noGrp="1"/>
+          </p:cNvSpPr>
+          <p:nvPr>
+            <p:ph idx="1"/>
+          </p:nvPr>
+        </p:nvSpPr>
+        <p:spPr/>
+        <p:txBody>
+          <a:bodyPr/>
+          <a:lstStyle/>
+          <a:p>
+            <a:r>
+              <a:rPr lang="de-DE" dirty="0"/>
+              <a:t>Neuer Nutzer in DB eintragen</a:t>
+            </a:r>
+          </a:p>
+          <a:p>
+            <a:pPr lvl="1"/>
+            <a:r>
+              <a:rPr lang="de-DE" dirty="0"/>
+              <a:t>Accountname</a:t>
+            </a:r>
+          </a:p>
+          <a:p>
+            <a:pPr lvl="1"/>
+            <a:r>
+              <a:rPr lang="de-DE" dirty="0"/>
+              <a:t>Campus &amp; Wohnort</a:t>
+            </a:r>
+          </a:p>
+          <a:p>
+            <a:pPr lvl="1"/>
+            <a:r>
+              <a:rPr lang="de-DE" dirty="0"/>
+              <a:t>IBAN</a:t>
+            </a:r>
+          </a:p>
+          <a:p>
+            <a:pPr lvl="1"/>
+            <a:r>
+              <a:rPr lang="de-DE" dirty="0"/>
+              <a:t>Kontostand</a:t>
+            </a:r>
+          </a:p>
+          <a:p>
+            <a:r>
+              <a:rPr lang="de-DE" dirty="0"/>
+              <a:t>DB: PostgreSQL</a:t>
+            </a:r>
+          </a:p>
+          <a:p>
+            <a:pPr lvl="1"/>
+            <a:r>
+              <a:rPr lang="de-DE" dirty="0"/>
+              <a:t>Als Docker Container realisiert</a:t>
+            </a:r>
+          </a:p>
+        </p:txBody>
+      </p:sp>
+    </p:spTree>
+    <p:extLst>
+      <p:ext uri="{BB962C8B-B14F-4D97-AF65-F5344CB8AC3E}">
+        <p14:creationId xmlns:p14="http://schemas.microsoft.com/office/powerpoint/2010/main" val="3815803489"/>
+      </p:ext>
+    </p:extLst>
+  </p:cSld>
+  <p:clrMapOvr>
+    <a:masterClrMapping/>
+  </p:clrMapOvr>
+</p:sld>
+</file>
+
+<file path=ppt/slides/slide12.xml><?xml version="1.0" encoding="utf-8"?>
+<p:sld xmlns:a="http://schemas.openxmlformats.org/drawingml/2006/main" xmlns:r="http://schemas.openxmlformats.org/officeDocument/2006/relationships" xmlns:p="http://schemas.openxmlformats.org/presentationml/2006/main">
+  <p:cSld>
+    <p:spTree>
+      <p:nvGrpSpPr>
+        <p:cNvPr id="1" name=""/>
+        <p:cNvGrpSpPr/>
+        <p:nvPr/>
+      </p:nvGrpSpPr>
+      <p:grpSpPr>
+        <a:xfrm>
+          <a:off x="0" y="0"/>
+          <a:ext cx="0" cy="0"/>
+          <a:chOff x="0" y="0"/>
+          <a:chExt cx="0" cy="0"/>
+        </a:xfrm>
+      </p:grpSpPr>
+      <p:sp>
+        <p:nvSpPr>
+          <p:cNvPr id="2" name="Titel 1">
+            <a:extLst>
+              <a:ext uri="{FF2B5EF4-FFF2-40B4-BE49-F238E27FC236}">
+                <a16:creationId xmlns:a16="http://schemas.microsoft.com/office/drawing/2014/main" id="{B0D42B13-6D73-4406-8ABB-85E52445B216}"/>
+              </a:ext>
+            </a:extLst>
+          </p:cNvPr>
+          <p:cNvSpPr>
+            <a:spLocks noGrp="1"/>
+          </p:cNvSpPr>
+          <p:nvPr>
+            <p:ph type="title"/>
+          </p:nvPr>
+        </p:nvSpPr>
+        <p:spPr>
+          <a:xfrm>
+            <a:off x="1757889" y="295576"/>
+            <a:ext cx="8676222" cy="1066801"/>
+          </a:xfrm>
+        </p:spPr>
+        <p:txBody>
+          <a:bodyPr vert="horz" lIns="91440" tIns="45720" rIns="91440" bIns="45720" rtlCol="0" anchor="b">
+            <a:normAutofit/>
+          </a:bodyPr>
+          <a:lstStyle/>
+          <a:p>
+            <a:pPr algn="ctr"/>
+            <a:r>
+              <a:rPr lang="en-US" sz="4800" dirty="0" err="1">
+                <a:effectLst>
+                  <a:glow rad="38100">
+                    <a:schemeClr val="bg1">
+                      <a:lumMod val="65000"/>
+                      <a:lumOff val="35000"/>
+                      <a:alpha val="50000"/>
+                    </a:schemeClr>
+                  </a:glow>
+                  <a:outerShdw blurRad="28575" dist="31750" dir="13200000" algn="tl" rotWithShape="0">
+                    <a:srgbClr val="000000">
+                      <a:alpha val="25000"/>
+                    </a:srgbClr>
+                  </a:outerShdw>
+                </a:effectLst>
+              </a:rPr>
+              <a:t>Externer</a:t>
+            </a:r>
+            <a:r>
+              <a:rPr lang="en-US" sz="4800" dirty="0">
+                <a:effectLst>
+                  <a:glow rad="38100">
+                    <a:schemeClr val="bg1">
+                      <a:lumMod val="65000"/>
+                      <a:lumOff val="35000"/>
+                      <a:alpha val="50000"/>
+                    </a:schemeClr>
+                  </a:glow>
+                  <a:outerShdw blurRad="28575" dist="31750" dir="13200000" algn="tl" rotWithShape="0">
+                    <a:srgbClr val="000000">
+                      <a:alpha val="25000"/>
+                    </a:srgbClr>
+                  </a:outerShdw>
+                </a:effectLst>
+              </a:rPr>
+              <a:t> Service</a:t>
+            </a:r>
+          </a:p>
+        </p:txBody>
+      </p:sp>
+      <p:pic>
+        <p:nvPicPr>
+          <p:cNvPr id="3074" name="Picture 2">
+            <a:extLst>
+              <a:ext uri="{FF2B5EF4-FFF2-40B4-BE49-F238E27FC236}">
+                <a16:creationId xmlns:a16="http://schemas.microsoft.com/office/drawing/2014/main" id="{0498BEE1-E189-48D1-951A-311C0EA37130}"/>
+              </a:ext>
+            </a:extLst>
+          </p:cNvPr>
+          <p:cNvPicPr>
+            <a:picLocks noGrp="1" noChangeAspect="1" noChangeArrowheads="1"/>
+          </p:cNvPicPr>
+          <p:nvPr>
+            <p:ph idx="1"/>
+          </p:nvPr>
+        </p:nvPicPr>
+        <p:blipFill>
+          <a:blip r:embed="rId2">
+            <a:extLst>
+              <a:ext uri="{28A0092B-C50C-407E-A947-70E740481C1C}">
+                <a14:useLocalDpi xmlns:a14="http://schemas.microsoft.com/office/drawing/2010/main" val="0"/>
+              </a:ext>
+            </a:extLst>
+          </a:blip>
+          <a:srcRect/>
+          <a:stretch>
+            <a:fillRect/>
+          </a:stretch>
+        </p:blipFill>
+        <p:spPr bwMode="auto">
+          <a:xfrm>
+            <a:off x="430481" y="2035174"/>
+            <a:ext cx="11331038" cy="3645190"/>
+          </a:xfrm>
+          <a:prstGeom prst="rect">
+            <a:avLst/>
+          </a:prstGeom>
+          <a:noFill/>
+          <a:extLst>
+            <a:ext uri="{909E8E84-426E-40DD-AFC4-6F175D3DCCD1}">
+              <a14:hiddenFill xmlns:a14="http://schemas.microsoft.com/office/drawing/2010/main">
+                <a:solidFill>
+                  <a:srgbClr val="FFFFFF"/>
+                </a:solidFill>
+              </a14:hiddenFill>
+            </a:ext>
+          </a:extLst>
+        </p:spPr>
+      </p:pic>
+    </p:spTree>
+    <p:extLst>
+      <p:ext uri="{BB962C8B-B14F-4D97-AF65-F5344CB8AC3E}">
+        <p14:creationId xmlns:p14="http://schemas.microsoft.com/office/powerpoint/2010/main" val="1774632518"/>
+      </p:ext>
+    </p:extLst>
+  </p:cSld>
+  <p:clrMapOvr>
+    <a:masterClrMapping/>
+  </p:clrMapOvr>
+</p:sld>
+</file>
+
+<file path=ppt/slides/slide13.xml><?xml version="1.0" encoding="utf-8"?>
+<p:sld xmlns:a="http://schemas.openxmlformats.org/drawingml/2006/main" xmlns:r="http://schemas.openxmlformats.org/officeDocument/2006/relationships" xmlns:p="http://schemas.openxmlformats.org/presentationml/2006/main">
+  <p:cSld>
+    <p:spTree>
+      <p:nvGrpSpPr>
+        <p:cNvPr id="1" name=""/>
+        <p:cNvGrpSpPr/>
+        <p:nvPr/>
+      </p:nvGrpSpPr>
+      <p:grpSpPr>
+        <a:xfrm>
+          <a:off x="0" y="0"/>
+          <a:ext cx="0" cy="0"/>
+          <a:chOff x="0" y="0"/>
+          <a:chExt cx="0" cy="0"/>
+        </a:xfrm>
+      </p:grpSpPr>
+      <p:sp>
+        <p:nvSpPr>
+          <p:cNvPr id="2" name="Titel 1">
+            <a:extLst>
+              <a:ext uri="{FF2B5EF4-FFF2-40B4-BE49-F238E27FC236}">
+                <a16:creationId xmlns:a16="http://schemas.microsoft.com/office/drawing/2014/main" id="{E08AAF7B-6CC5-41E1-861B-44FAF08F3880}"/>
+              </a:ext>
+            </a:extLst>
+          </p:cNvPr>
+          <p:cNvSpPr>
+            <a:spLocks noGrp="1"/>
+          </p:cNvSpPr>
+          <p:nvPr>
+            <p:ph type="title"/>
+          </p:nvPr>
+        </p:nvSpPr>
+        <p:spPr>
+          <a:xfrm>
+            <a:off x="1143001" y="-271245"/>
+            <a:ext cx="9905998" cy="1905000"/>
+          </a:xfrm>
+        </p:spPr>
+        <p:txBody>
+          <a:bodyPr/>
+          <a:lstStyle/>
+          <a:p>
+            <a:pPr algn="ctr"/>
+            <a:r>
+              <a:rPr lang="de-DE" dirty="0"/>
+              <a:t>WSDL</a:t>
+            </a:r>
+          </a:p>
+        </p:txBody>
+      </p:sp>
+      <p:pic>
+        <p:nvPicPr>
+          <p:cNvPr id="5" name="Inhaltsplatzhalter 4" descr="Ein Bild, das Text enthält.&#10;&#10;Automatisch generierte Beschreibung">
+            <a:extLst>
+              <a:ext uri="{FF2B5EF4-FFF2-40B4-BE49-F238E27FC236}">
+                <a16:creationId xmlns:a16="http://schemas.microsoft.com/office/drawing/2014/main" id="{590C9A2B-5D6A-4851-94DD-F225680763A4}"/>
+              </a:ext>
+            </a:extLst>
+          </p:cNvPr>
+          <p:cNvPicPr>
+            <a:picLocks noGrp="1" noChangeAspect="1"/>
+          </p:cNvPicPr>
+          <p:nvPr>
+            <p:ph idx="1"/>
+          </p:nvPr>
+        </p:nvPicPr>
+        <p:blipFill>
+          <a:blip r:embed="rId2"/>
+          <a:stretch>
+            <a:fillRect/>
+          </a:stretch>
+        </p:blipFill>
+        <p:spPr>
+          <a:xfrm>
+            <a:off x="1730239" y="2128025"/>
+            <a:ext cx="2360264" cy="3924796"/>
+          </a:xfrm>
+        </p:spPr>
+      </p:pic>
+      <p:pic>
+        <p:nvPicPr>
+          <p:cNvPr id="9" name="Grafik 8" descr="Ein Bild, das Text enthält.&#10;&#10;Automatisch generierte Beschreibung">
+            <a:extLst>
+              <a:ext uri="{FF2B5EF4-FFF2-40B4-BE49-F238E27FC236}">
+                <a16:creationId xmlns:a16="http://schemas.microsoft.com/office/drawing/2014/main" id="{7A609541-1AC2-4CA9-979E-D6C946510277}"/>
+              </a:ext>
+            </a:extLst>
+          </p:cNvPr>
+          <p:cNvPicPr>
+            <a:picLocks noChangeAspect="1"/>
+          </p:cNvPicPr>
+          <p:nvPr/>
+        </p:nvPicPr>
+        <p:blipFill rotWithShape="1">
+          <a:blip r:embed="rId3"/>
+          <a:srcRect l="64" r="-64" b="50001"/>
+          <a:stretch/>
+        </p:blipFill>
+        <p:spPr>
+          <a:xfrm>
+            <a:off x="5087807" y="2128025"/>
+            <a:ext cx="2840805" cy="3924796"/>
+          </a:xfrm>
+          <a:prstGeom prst="rect">
+            <a:avLst/>
+          </a:prstGeom>
+        </p:spPr>
+      </p:pic>
+      <p:pic>
+        <p:nvPicPr>
+          <p:cNvPr id="11" name="Grafik 10" descr="Ein Bild, das Text enthält.&#10;&#10;Automatisch generierte Beschreibung">
+            <a:extLst>
+              <a:ext uri="{FF2B5EF4-FFF2-40B4-BE49-F238E27FC236}">
+                <a16:creationId xmlns:a16="http://schemas.microsoft.com/office/drawing/2014/main" id="{CF79348D-86FC-4167-8208-1E4FE78FE4AE}"/>
+              </a:ext>
+            </a:extLst>
+          </p:cNvPr>
+          <p:cNvPicPr>
+            <a:picLocks noChangeAspect="1"/>
+          </p:cNvPicPr>
+          <p:nvPr/>
+        </p:nvPicPr>
+        <p:blipFill rotWithShape="1">
+          <a:blip r:embed="rId3"/>
+          <a:srcRect t="50001" b="-1"/>
+          <a:stretch/>
+        </p:blipFill>
+        <p:spPr>
+          <a:xfrm>
+            <a:off x="8294212" y="2128025"/>
+            <a:ext cx="2840805" cy="3924796"/>
+          </a:xfrm>
+          <a:prstGeom prst="rect">
+            <a:avLst/>
+          </a:prstGeom>
+        </p:spPr>
+      </p:pic>
+      <p:sp>
+        <p:nvSpPr>
+          <p:cNvPr id="12" name="Textfeld 11">
+            <a:extLst>
+              <a:ext uri="{FF2B5EF4-FFF2-40B4-BE49-F238E27FC236}">
+                <a16:creationId xmlns:a16="http://schemas.microsoft.com/office/drawing/2014/main" id="{83F29230-5B87-4BFB-8454-E06BC62B2BEF}"/>
+              </a:ext>
+            </a:extLst>
+          </p:cNvPr>
+          <p:cNvSpPr txBox="1"/>
+          <p:nvPr/>
+        </p:nvSpPr>
+        <p:spPr>
+          <a:xfrm>
+            <a:off x="7090889" y="1566567"/>
+            <a:ext cx="3313500" cy="369332"/>
+          </a:xfrm>
+          <a:prstGeom prst="rect">
+            <a:avLst/>
+          </a:prstGeom>
+          <a:noFill/>
+        </p:spPr>
+        <p:txBody>
+          <a:bodyPr wrap="square" rtlCol="0">
+            <a:spAutoFit/>
+          </a:bodyPr>
+          <a:lstStyle/>
+          <a:p>
+            <a:r>
+              <a:rPr lang="de-DE" dirty="0"/>
+              <a:t>Rechenservice</a:t>
+            </a:r>
+          </a:p>
+        </p:txBody>
+      </p:sp>
+      <p:sp>
+        <p:nvSpPr>
+          <p:cNvPr id="13" name="Textfeld 12">
+            <a:extLst>
+              <a:ext uri="{FF2B5EF4-FFF2-40B4-BE49-F238E27FC236}">
+                <a16:creationId xmlns:a16="http://schemas.microsoft.com/office/drawing/2014/main" id="{F7AFB0C2-2D06-4B74-8773-CF5B122A0F2A}"/>
+              </a:ext>
+            </a:extLst>
+          </p:cNvPr>
+          <p:cNvSpPr txBox="1"/>
+          <p:nvPr/>
+        </p:nvSpPr>
+        <p:spPr>
+          <a:xfrm>
+            <a:off x="1933979" y="1566567"/>
+            <a:ext cx="1952784" cy="369332"/>
+          </a:xfrm>
+          <a:prstGeom prst="rect">
+            <a:avLst/>
+          </a:prstGeom>
+          <a:noFill/>
+        </p:spPr>
+        <p:txBody>
+          <a:bodyPr wrap="square" rtlCol="0">
+            <a:spAutoFit/>
+          </a:bodyPr>
+          <a:lstStyle/>
+          <a:p>
+            <a:r>
+              <a:rPr lang="de-DE" dirty="0"/>
+              <a:t>BLZ Service</a:t>
+            </a:r>
+          </a:p>
+        </p:txBody>
+      </p:sp>
+    </p:spTree>
+    <p:extLst>
+      <p:ext uri="{BB962C8B-B14F-4D97-AF65-F5344CB8AC3E}">
+        <p14:creationId xmlns:p14="http://schemas.microsoft.com/office/powerpoint/2010/main" val="1898142890"/>
+      </p:ext>
+    </p:extLst>
+  </p:cSld>
+  <p:clrMapOvr>
+    <a:masterClrMapping/>
+  </p:clrMapOvr>
+</p:sld>
+</file>
+
+<file path=ppt/slides/slide14.xml><?xml version="1.0" encoding="utf-8"?>
+<p:sld xmlns:a="http://schemas.openxmlformats.org/drawingml/2006/main" xmlns:r="http://schemas.openxmlformats.org/officeDocument/2006/relationships" xmlns:p="http://schemas.openxmlformats.org/presentationml/2006/main">
+  <p:cSld>
+    <p:spTree>
+      <p:nvGrpSpPr>
+        <p:cNvPr id="1" name=""/>
+        <p:cNvGrpSpPr/>
+        <p:nvPr/>
+      </p:nvGrpSpPr>
+      <p:grpSpPr>
+        <a:xfrm>
+          <a:off x="0" y="0"/>
+          <a:ext cx="0" cy="0"/>
+          <a:chOff x="0" y="0"/>
+          <a:chExt cx="0" cy="0"/>
+        </a:xfrm>
+      </p:grpSpPr>
+      <p:sp>
+        <p:nvSpPr>
+          <p:cNvPr id="2" name="Titel 1">
+            <a:extLst>
+              <a:ext uri="{FF2B5EF4-FFF2-40B4-BE49-F238E27FC236}">
+                <a16:creationId xmlns:a16="http://schemas.microsoft.com/office/drawing/2014/main" id="{57E6B41D-6FF8-40D9-B095-D53C8282BDCE}"/>
+              </a:ext>
+            </a:extLst>
+          </p:cNvPr>
+          <p:cNvSpPr>
+            <a:spLocks noGrp="1"/>
+          </p:cNvSpPr>
+          <p:nvPr>
+            <p:ph type="title"/>
+          </p:nvPr>
+        </p:nvSpPr>
+        <p:spPr/>
+        <p:txBody>
+          <a:bodyPr/>
+          <a:lstStyle/>
+          <a:p>
+            <a:pPr algn="ctr"/>
+            <a:r>
+              <a:rPr lang="de-DE" dirty="0"/>
+              <a:t>SOAP Methode</a:t>
+            </a:r>
+          </a:p>
+        </p:txBody>
+      </p:sp>
+      <p:pic>
+        <p:nvPicPr>
+          <p:cNvPr id="5" name="Inhaltsplatzhalter 4" descr="Ein Bild, das Text enthält.&#10;&#10;Automatisch generierte Beschreibung">
+            <a:extLst>
+              <a:ext uri="{FF2B5EF4-FFF2-40B4-BE49-F238E27FC236}">
+                <a16:creationId xmlns:a16="http://schemas.microsoft.com/office/drawing/2014/main" id="{992F8DAB-E790-447D-B422-B2F4EB9B6EDA}"/>
+              </a:ext>
+            </a:extLst>
+          </p:cNvPr>
+          <p:cNvPicPr>
+            <a:picLocks noGrp="1" noChangeAspect="1"/>
+          </p:cNvPicPr>
+          <p:nvPr>
+            <p:ph idx="1"/>
+          </p:nvPr>
+        </p:nvPicPr>
+        <p:blipFill>
+          <a:blip r:embed="rId2"/>
+          <a:stretch>
+            <a:fillRect/>
+          </a:stretch>
+        </p:blipFill>
+        <p:spPr>
+          <a:xfrm>
+            <a:off x="2303268" y="2930458"/>
+            <a:ext cx="7582290" cy="2597283"/>
+          </a:xfrm>
+        </p:spPr>
+      </p:pic>
+    </p:spTree>
+    <p:extLst>
+      <p:ext uri="{BB962C8B-B14F-4D97-AF65-F5344CB8AC3E}">
+        <p14:creationId xmlns:p14="http://schemas.microsoft.com/office/powerpoint/2010/main" val="4119116799"/>
+      </p:ext>
+    </p:extLst>
+  </p:cSld>
+  <p:clrMapOvr>
+    <a:masterClrMapping/>
+  </p:clrMapOvr>
+</p:sld>
+</file>
+
+<file path=ppt/slides/slide15.xml><?xml version="1.0" encoding="utf-8"?>
+<p:sld xmlns:a="http://schemas.openxmlformats.org/drawingml/2006/main" xmlns:r="http://schemas.openxmlformats.org/officeDocument/2006/relationships" xmlns:p="http://schemas.openxmlformats.org/presentationml/2006/main">
+  <p:cSld>
+    <p:spTree>
+      <p:nvGrpSpPr>
+        <p:cNvPr id="1" name=""/>
+        <p:cNvGrpSpPr/>
+        <p:nvPr/>
+      </p:nvGrpSpPr>
+      <p:grpSpPr>
+        <a:xfrm>
+          <a:off x="0" y="0"/>
+          <a:ext cx="0" cy="0"/>
+          <a:chOff x="0" y="0"/>
+          <a:chExt cx="0" cy="0"/>
+        </a:xfrm>
+      </p:grpSpPr>
+      <p:sp>
+        <p:nvSpPr>
+          <p:cNvPr id="2" name="Titel 1">
+            <a:extLst>
+              <a:ext uri="{FF2B5EF4-FFF2-40B4-BE49-F238E27FC236}">
+                <a16:creationId xmlns:a16="http://schemas.microsoft.com/office/drawing/2014/main" id="{A7FE1451-73F2-4E31-A545-BC5A1417BB6E}"/>
+              </a:ext>
+            </a:extLst>
+          </p:cNvPr>
+          <p:cNvSpPr>
+            <a:spLocks noGrp="1"/>
+          </p:cNvSpPr>
+          <p:nvPr>
+            <p:ph type="title"/>
+          </p:nvPr>
+        </p:nvSpPr>
+        <p:spPr/>
+        <p:txBody>
+          <a:bodyPr/>
+          <a:lstStyle/>
+          <a:p>
+            <a:pPr algn="ctr"/>
+            <a:r>
+              <a:rPr lang="de-DE" dirty="0"/>
+              <a:t>SOAP Response</a:t>
+            </a:r>
+          </a:p>
+        </p:txBody>
+      </p:sp>
+      <p:pic>
+        <p:nvPicPr>
+          <p:cNvPr id="5" name="Inhaltsplatzhalter 4">
+            <a:extLst>
+              <a:ext uri="{FF2B5EF4-FFF2-40B4-BE49-F238E27FC236}">
+                <a16:creationId xmlns:a16="http://schemas.microsoft.com/office/drawing/2014/main" id="{B76D819E-1D40-4110-878A-B0A648A3F480}"/>
+              </a:ext>
+            </a:extLst>
+          </p:cNvPr>
+          <p:cNvPicPr>
+            <a:picLocks noGrp="1" noChangeAspect="1"/>
+          </p:cNvPicPr>
+          <p:nvPr>
+            <p:ph idx="1"/>
+          </p:nvPr>
+        </p:nvPicPr>
+        <p:blipFill>
+          <a:blip r:embed="rId2"/>
+          <a:stretch>
+            <a:fillRect/>
+          </a:stretch>
+        </p:blipFill>
+        <p:spPr>
+          <a:xfrm>
+            <a:off x="2357246" y="3355930"/>
+            <a:ext cx="7474334" cy="1746340"/>
+          </a:xfrm>
+        </p:spPr>
+      </p:pic>
+      <p:pic>
+        <p:nvPicPr>
+          <p:cNvPr id="9" name="Grafik 8" descr="Ein Bild, das Text enthält.&#10;&#10;Automatisch generierte Beschreibung">
+            <a:extLst>
+              <a:ext uri="{FF2B5EF4-FFF2-40B4-BE49-F238E27FC236}">
+                <a16:creationId xmlns:a16="http://schemas.microsoft.com/office/drawing/2014/main" id="{BCF580E9-33D2-4DAF-A0FC-063AADCF8BB4}"/>
+              </a:ext>
+            </a:extLst>
+          </p:cNvPr>
+          <p:cNvPicPr>
+            <a:picLocks noChangeAspect="1"/>
+          </p:cNvPicPr>
+          <p:nvPr/>
+        </p:nvPicPr>
+        <p:blipFill>
+          <a:blip r:embed="rId3"/>
+          <a:stretch>
+            <a:fillRect/>
+          </a:stretch>
+        </p:blipFill>
+        <p:spPr>
+          <a:xfrm>
+            <a:off x="2350896" y="2054625"/>
+            <a:ext cx="7480684" cy="1117657"/>
+          </a:xfrm>
+          <a:prstGeom prst="rect">
+            <a:avLst/>
+          </a:prstGeom>
+        </p:spPr>
+      </p:pic>
+    </p:spTree>
+    <p:extLst>
+      <p:ext uri="{BB962C8B-B14F-4D97-AF65-F5344CB8AC3E}">
+        <p14:creationId xmlns:p14="http://schemas.microsoft.com/office/powerpoint/2010/main" val="1633059080"/>
+      </p:ext>
+    </p:extLst>
+  </p:cSld>
+  <p:clrMapOvr>
+    <a:masterClrMapping/>
+  </p:clrMapOvr>
+</p:sld>
+</file>
+
+<file path=ppt/slides/slide16.xml><?xml version="1.0" encoding="utf-8"?>
+<p:sld xmlns:a="http://schemas.openxmlformats.org/drawingml/2006/main" xmlns:r="http://schemas.openxmlformats.org/officeDocument/2006/relationships" xmlns:p="http://schemas.openxmlformats.org/presentationml/2006/main">
+  <p:cSld>
+    <p:spTree>
+      <p:nvGrpSpPr>
+        <p:cNvPr id="1" name=""/>
+        <p:cNvGrpSpPr/>
+        <p:nvPr/>
+      </p:nvGrpSpPr>
+      <p:grpSpPr>
+        <a:xfrm>
+          <a:off x="0" y="0"/>
+          <a:ext cx="0" cy="0"/>
+          <a:chOff x="0" y="0"/>
+          <a:chExt cx="0" cy="0"/>
+        </a:xfrm>
+      </p:grpSpPr>
+      <p:sp>
+        <p:nvSpPr>
+          <p:cNvPr id="2" name="Titel 1">
+            <a:extLst>
+              <a:ext uri="{FF2B5EF4-FFF2-40B4-BE49-F238E27FC236}">
+                <a16:creationId xmlns:a16="http://schemas.microsoft.com/office/drawing/2014/main" id="{33F2EEE5-00BF-45E1-AED0-8616977CCFB8}"/>
+              </a:ext>
+            </a:extLst>
+          </p:cNvPr>
+          <p:cNvSpPr>
+            <a:spLocks noGrp="1"/>
+          </p:cNvSpPr>
+          <p:nvPr>
+            <p:ph type="title"/>
+          </p:nvPr>
+        </p:nvSpPr>
+        <p:spPr/>
+        <p:txBody>
+          <a:bodyPr/>
+          <a:lstStyle/>
+          <a:p>
+            <a:pPr algn="ctr"/>
+            <a:r>
+              <a:rPr lang="de-DE" dirty="0"/>
+              <a:t>SOAP ENDPOINT</a:t>
+            </a:r>
+          </a:p>
+        </p:txBody>
+      </p:sp>
+      <p:pic>
+        <p:nvPicPr>
+          <p:cNvPr id="7" name="Inhaltsplatzhalter 6" descr="Ein Bild, das Text enthält.&#10;&#10;Automatisch generierte Beschreibung">
+            <a:extLst>
+              <a:ext uri="{FF2B5EF4-FFF2-40B4-BE49-F238E27FC236}">
+                <a16:creationId xmlns:a16="http://schemas.microsoft.com/office/drawing/2014/main" id="{DE7E4A25-1DD6-4A3D-B9C3-4408064CE799}"/>
+              </a:ext>
+            </a:extLst>
+          </p:cNvPr>
+          <p:cNvPicPr>
+            <a:picLocks noGrp="1" noChangeAspect="1"/>
+          </p:cNvPicPr>
+          <p:nvPr>
+            <p:ph idx="1"/>
+          </p:nvPr>
+        </p:nvPicPr>
+        <p:blipFill>
+          <a:blip r:embed="rId2"/>
+          <a:stretch>
+            <a:fillRect/>
+          </a:stretch>
+        </p:blipFill>
+        <p:spPr>
+          <a:xfrm>
+            <a:off x="1826993" y="3441659"/>
+            <a:ext cx="8534839" cy="1574881"/>
+          </a:xfrm>
+        </p:spPr>
+      </p:pic>
+    </p:spTree>
+    <p:extLst>
+      <p:ext uri="{BB962C8B-B14F-4D97-AF65-F5344CB8AC3E}">
+        <p14:creationId xmlns:p14="http://schemas.microsoft.com/office/powerpoint/2010/main" val="2852031980"/>
+      </p:ext>
+    </p:extLst>
+  </p:cSld>
+  <p:clrMapOvr>
+    <a:masterClrMapping/>
+  </p:clrMapOvr>
+</p:sld>
+</file>
+
+<file path=ppt/slides/slide17.xml><?xml version="1.0" encoding="utf-8"?>
+<p:sld xmlns:a="http://schemas.openxmlformats.org/drawingml/2006/main" xmlns:r="http://schemas.openxmlformats.org/officeDocument/2006/relationships" xmlns:p="http://schemas.openxmlformats.org/presentationml/2006/main">
+  <p:cSld>
+    <p:spTree>
+      <p:nvGrpSpPr>
+        <p:cNvPr id="1" name=""/>
+        <p:cNvGrpSpPr/>
+        <p:nvPr/>
+      </p:nvGrpSpPr>
+      <p:grpSpPr>
+        <a:xfrm>
+          <a:off x="0" y="0"/>
+          <a:ext cx="0" cy="0"/>
+          <a:chOff x="0" y="0"/>
+          <a:chExt cx="0" cy="0"/>
+        </a:xfrm>
+      </p:grpSpPr>
+      <p:sp>
+        <p:nvSpPr>
+          <p:cNvPr id="2" name="Titel 1">
+            <a:extLst>
+              <a:ext uri="{FF2B5EF4-FFF2-40B4-BE49-F238E27FC236}">
+                <a16:creationId xmlns:a16="http://schemas.microsoft.com/office/drawing/2014/main" id="{803E2FE1-12F7-400B-BF46-0C3905610E58}"/>
+              </a:ext>
+            </a:extLst>
+          </p:cNvPr>
+          <p:cNvSpPr>
+            <a:spLocks noGrp="1"/>
+          </p:cNvSpPr>
+          <p:nvPr>
+            <p:ph type="title"/>
+          </p:nvPr>
+        </p:nvSpPr>
+        <p:spPr/>
+        <p:txBody>
+          <a:bodyPr/>
+          <a:lstStyle/>
+          <a:p>
+            <a:pPr algn="ctr"/>
+            <a:r>
+              <a:rPr lang="de-DE" dirty="0"/>
+              <a:t>SOAP UI</a:t>
+            </a:r>
+          </a:p>
+        </p:txBody>
+      </p:sp>
+      <p:pic>
+        <p:nvPicPr>
+          <p:cNvPr id="5" name="Inhaltsplatzhalter 4" descr="Ein Bild, das Text enthält.&#10;&#10;Automatisch generierte Beschreibung">
+            <a:extLst>
+              <a:ext uri="{FF2B5EF4-FFF2-40B4-BE49-F238E27FC236}">
+                <a16:creationId xmlns:a16="http://schemas.microsoft.com/office/drawing/2014/main" id="{3452B84D-94BA-4804-9F91-438FF01B2D39}"/>
+              </a:ext>
+            </a:extLst>
+          </p:cNvPr>
+          <p:cNvPicPr>
+            <a:picLocks noGrp="1" noChangeAspect="1"/>
+          </p:cNvPicPr>
+          <p:nvPr>
+            <p:ph idx="1"/>
+          </p:nvPr>
+        </p:nvPicPr>
+        <p:blipFill>
+          <a:blip r:embed="rId2"/>
+          <a:stretch>
+            <a:fillRect/>
+          </a:stretch>
+        </p:blipFill>
+        <p:spPr>
+          <a:xfrm>
+            <a:off x="1859759" y="2328332"/>
+            <a:ext cx="8472482" cy="1747449"/>
+          </a:xfrm>
+        </p:spPr>
+      </p:pic>
+      <p:pic>
+        <p:nvPicPr>
+          <p:cNvPr id="7" name="Grafik 6" descr="Ein Bild, das Text enthält.&#10;&#10;Automatisch generierte Beschreibung">
+            <a:extLst>
+              <a:ext uri="{FF2B5EF4-FFF2-40B4-BE49-F238E27FC236}">
+                <a16:creationId xmlns:a16="http://schemas.microsoft.com/office/drawing/2014/main" id="{5A6A0172-48D9-43E6-BE9C-73285AAFE662}"/>
+              </a:ext>
+            </a:extLst>
+          </p:cNvPr>
+          <p:cNvPicPr>
+            <a:picLocks noChangeAspect="1"/>
+          </p:cNvPicPr>
+          <p:nvPr/>
+        </p:nvPicPr>
+        <p:blipFill>
+          <a:blip r:embed="rId3"/>
+          <a:stretch>
+            <a:fillRect/>
+          </a:stretch>
+        </p:blipFill>
+        <p:spPr>
+          <a:xfrm>
+            <a:off x="1840708" y="4486419"/>
+            <a:ext cx="8491533" cy="1466925"/>
+          </a:xfrm>
+          <a:prstGeom prst="rect">
+            <a:avLst/>
+          </a:prstGeom>
+        </p:spPr>
+      </p:pic>
+    </p:spTree>
+    <p:extLst>
+      <p:ext uri="{BB962C8B-B14F-4D97-AF65-F5344CB8AC3E}">
+        <p14:creationId xmlns:p14="http://schemas.microsoft.com/office/powerpoint/2010/main" val="4277887956"/>
+      </p:ext>
+    </p:extLst>
+  </p:cSld>
+  <p:clrMapOvr>
+    <a:masterClrMapping/>
+  </p:clrMapOvr>
+</p:sld>
+</file>
+
+<file path=ppt/slides/slide18.xml><?xml version="1.0" encoding="utf-8"?>
+<p:sld xmlns:a="http://schemas.openxmlformats.org/drawingml/2006/main" xmlns:r="http://schemas.openxmlformats.org/officeDocument/2006/relationships" xmlns:p="http://schemas.openxmlformats.org/presentationml/2006/main">
+  <p:cSld>
+    <p:spTree>
+      <p:nvGrpSpPr>
+        <p:cNvPr id="1" name=""/>
+        <p:cNvGrpSpPr/>
+        <p:nvPr/>
+      </p:nvGrpSpPr>
+      <p:grpSpPr>
+        <a:xfrm>
+          <a:off x="0" y="0"/>
+          <a:ext cx="0" cy="0"/>
+          <a:chOff x="0" y="0"/>
+          <a:chExt cx="0" cy="0"/>
+        </a:xfrm>
+      </p:grpSpPr>
+      <p:sp>
+        <p:nvSpPr>
+          <p:cNvPr id="2" name="Titel 1">
+            <a:extLst>
+              <a:ext uri="{FF2B5EF4-FFF2-40B4-BE49-F238E27FC236}">
+                <a16:creationId xmlns:a16="http://schemas.microsoft.com/office/drawing/2014/main" id="{A4A2E964-EA7E-404B-A7E9-CD8E318C7086}"/>
+              </a:ext>
+            </a:extLst>
+          </p:cNvPr>
+          <p:cNvSpPr>
+            <a:spLocks noGrp="1"/>
+          </p:cNvSpPr>
+          <p:nvPr>
+            <p:ph type="title"/>
+          </p:nvPr>
+        </p:nvSpPr>
+        <p:spPr/>
+        <p:txBody>
+          <a:bodyPr/>
+          <a:lstStyle/>
+          <a:p>
+            <a:pPr algn="ctr"/>
+            <a:r>
+              <a:rPr lang="de-DE" dirty="0"/>
+              <a:t>Rechen Service</a:t>
+            </a:r>
+          </a:p>
+        </p:txBody>
+      </p:sp>
+      <p:pic>
+        <p:nvPicPr>
+          <p:cNvPr id="5" name="Inhaltsplatzhalter 4" descr="Ein Bild, das Text, schwarz, Bildschirm, Screenshot enthält.&#10;&#10;Automatisch generierte Beschreibung">
+            <a:extLst>
+              <a:ext uri="{FF2B5EF4-FFF2-40B4-BE49-F238E27FC236}">
+                <a16:creationId xmlns:a16="http://schemas.microsoft.com/office/drawing/2014/main" id="{26B5316E-8CC5-4F73-BD49-1D1517286F30}"/>
+              </a:ext>
+            </a:extLst>
+          </p:cNvPr>
+          <p:cNvPicPr>
+            <a:picLocks noGrp="1" noChangeAspect="1"/>
+          </p:cNvPicPr>
+          <p:nvPr>
+            <p:ph idx="1"/>
+          </p:nvPr>
+        </p:nvPicPr>
+        <p:blipFill>
+          <a:blip r:embed="rId2"/>
+          <a:stretch>
+            <a:fillRect/>
+          </a:stretch>
+        </p:blipFill>
+        <p:spPr>
+          <a:xfrm>
+            <a:off x="848026" y="2267083"/>
+            <a:ext cx="5120288" cy="2076318"/>
+          </a:xfrm>
+        </p:spPr>
+      </p:pic>
+      <p:pic>
+        <p:nvPicPr>
+          <p:cNvPr id="7" name="Grafik 6" descr="Ein Bild, das Text enthält.&#10;&#10;Automatisch generierte Beschreibung">
+            <a:extLst>
+              <a:ext uri="{FF2B5EF4-FFF2-40B4-BE49-F238E27FC236}">
+                <a16:creationId xmlns:a16="http://schemas.microsoft.com/office/drawing/2014/main" id="{580829DF-6C15-48E9-AB4D-AA506EDCBE03}"/>
+              </a:ext>
+            </a:extLst>
+          </p:cNvPr>
+          <p:cNvPicPr>
+            <a:picLocks noChangeAspect="1"/>
+          </p:cNvPicPr>
+          <p:nvPr/>
+        </p:nvPicPr>
+        <p:blipFill>
+          <a:blip r:embed="rId3"/>
+          <a:stretch>
+            <a:fillRect/>
+          </a:stretch>
+        </p:blipFill>
+        <p:spPr>
+          <a:xfrm>
+            <a:off x="6383853" y="2566601"/>
+            <a:ext cx="5120288" cy="1477282"/>
+          </a:xfrm>
+          <a:prstGeom prst="rect">
+            <a:avLst/>
+          </a:prstGeom>
+        </p:spPr>
+      </p:pic>
+      <p:pic>
+        <p:nvPicPr>
+          <p:cNvPr id="9" name="Grafik 8" descr="Ein Bild, das Text enthält.&#10;&#10;Automatisch generierte Beschreibung">
+            <a:extLst>
+              <a:ext uri="{FF2B5EF4-FFF2-40B4-BE49-F238E27FC236}">
+                <a16:creationId xmlns:a16="http://schemas.microsoft.com/office/drawing/2014/main" id="{EF50DF0A-046E-4A61-A322-2D0271B4998E}"/>
+              </a:ext>
+            </a:extLst>
+          </p:cNvPr>
+          <p:cNvPicPr>
+            <a:picLocks noChangeAspect="1"/>
+          </p:cNvPicPr>
+          <p:nvPr/>
+        </p:nvPicPr>
+        <p:blipFill>
+          <a:blip r:embed="rId4"/>
+          <a:stretch>
+            <a:fillRect/>
+          </a:stretch>
+        </p:blipFill>
+        <p:spPr>
+          <a:xfrm>
+            <a:off x="3008153" y="4832277"/>
+            <a:ext cx="6172517" cy="1416123"/>
+          </a:xfrm>
+          <a:prstGeom prst="rect">
+            <a:avLst/>
+          </a:prstGeom>
+        </p:spPr>
+      </p:pic>
+    </p:spTree>
+    <p:extLst>
+      <p:ext uri="{BB962C8B-B14F-4D97-AF65-F5344CB8AC3E}">
+        <p14:creationId xmlns:p14="http://schemas.microsoft.com/office/powerpoint/2010/main" val="2381349876"/>
+      </p:ext>
+    </p:extLst>
+  </p:cSld>
+  <p:clrMapOvr>
+    <a:masterClrMapping/>
+  </p:clrMapOvr>
+</p:sld>
+</file>
+
+<file path=ppt/slides/slide19.xml><?xml version="1.0" encoding="utf-8"?>
+<p:sld xmlns:a="http://schemas.openxmlformats.org/drawingml/2006/main" xmlns:r="http://schemas.openxmlformats.org/officeDocument/2006/relationships" xmlns:p="http://schemas.openxmlformats.org/presentationml/2006/main">
+  <p:cSld>
+    <p:spTree>
+      <p:nvGrpSpPr>
+        <p:cNvPr id="1" name=""/>
+        <p:cNvGrpSpPr/>
+        <p:nvPr/>
+      </p:nvGrpSpPr>
+      <p:grpSpPr>
+        <a:xfrm>
+          <a:off x="0" y="0"/>
+          <a:ext cx="0" cy="0"/>
+          <a:chOff x="0" y="0"/>
+          <a:chExt cx="0" cy="0"/>
+        </a:xfrm>
+      </p:grpSpPr>
+      <p:sp>
+        <p:nvSpPr>
+          <p:cNvPr id="4" name="Titel 3">
+            <a:extLst>
+              <a:ext uri="{FF2B5EF4-FFF2-40B4-BE49-F238E27FC236}">
+                <a16:creationId xmlns:a16="http://schemas.microsoft.com/office/drawing/2014/main" id="{14BC71DB-37D6-4FA9-ADF6-379086C4D9E7}"/>
+              </a:ext>
+            </a:extLst>
+          </p:cNvPr>
+          <p:cNvSpPr>
+            <a:spLocks noGrp="1"/>
+          </p:cNvSpPr>
+          <p:nvPr>
+            <p:ph type="title"/>
+          </p:nvPr>
+        </p:nvSpPr>
+        <p:spPr/>
+        <p:txBody>
+          <a:bodyPr/>
+          <a:lstStyle/>
+          <a:p>
+            <a:r>
+              <a:rPr lang="de-DE" dirty="0"/>
+              <a:t>Vielen Dank für Ihre Aufmerksamkeit</a:t>
+            </a:r>
+          </a:p>
+        </p:txBody>
+      </p:sp>
+      <p:sp>
+        <p:nvSpPr>
+          <p:cNvPr id="5" name="Textplatzhalter 4">
+            <a:extLst>
+              <a:ext uri="{FF2B5EF4-FFF2-40B4-BE49-F238E27FC236}">
+                <a16:creationId xmlns:a16="http://schemas.microsoft.com/office/drawing/2014/main" id="{8BEDC9F8-E55B-4E11-B989-0BB986EA72F0}"/>
+              </a:ext>
+            </a:extLst>
+          </p:cNvPr>
+          <p:cNvSpPr>
+            <a:spLocks noGrp="1"/>
+          </p:cNvSpPr>
+          <p:nvPr>
+            <p:ph type="body" idx="1"/>
+          </p:nvPr>
+        </p:nvSpPr>
+        <p:spPr/>
+        <p:txBody>
+          <a:bodyPr/>
+          <a:lstStyle/>
+          <a:p>
+            <a:r>
+              <a:rPr lang="de-DE" dirty="0"/>
+              <a:t>Haben Sie noch Fragen?</a:t>
+            </a:r>
+          </a:p>
+        </p:txBody>
+      </p:sp>
+    </p:spTree>
+    <p:extLst>
+      <p:ext uri="{BB962C8B-B14F-4D97-AF65-F5344CB8AC3E}">
+        <p14:creationId xmlns:p14="http://schemas.microsoft.com/office/powerpoint/2010/main" val="4080269414"/>
       </p:ext>
     </p:extLst>
   </p:cSld>
@@ -5836,6 +10192,48 @@
           <a:p>
             <a:endParaRPr lang="de-DE" dirty="0"/>
           </a:p>
+          <a:p>
+            <a:r>
+              <a:rPr lang="de-DE" dirty="0"/>
+              <a:t>Setup</a:t>
+            </a:r>
+          </a:p>
+          <a:p>
+            <a:r>
+              <a:rPr lang="de-DE" dirty="0"/>
+              <a:t>Frontend</a:t>
+            </a:r>
+          </a:p>
+          <a:p>
+            <a:r>
+              <a:rPr lang="de-DE" dirty="0"/>
+              <a:t>Generelle Datenverarbeitung</a:t>
+            </a:r>
+          </a:p>
+          <a:p>
+            <a:r>
+              <a:rPr lang="de-DE" dirty="0"/>
+              <a:t>Subservices</a:t>
+            </a:r>
+          </a:p>
+          <a:p>
+            <a:r>
+              <a:rPr lang="de-DE" dirty="0"/>
+              <a:t>Externe Services</a:t>
+            </a:r>
+          </a:p>
+          <a:p>
+            <a:r>
+              <a:rPr lang="de-DE" dirty="0"/>
+              <a:t>Soap &amp; Soap UI</a:t>
+            </a:r>
+          </a:p>
+          <a:p>
+            <a:endParaRPr lang="de-DE" dirty="0"/>
+          </a:p>
+          <a:p>
+            <a:endParaRPr lang="de-DE" dirty="0"/>
+          </a:p>
         </p:txBody>
       </p:sp>
     </p:spTree>
@@ -5854,14 +10252,6 @@
 <file path=ppt/slides/slide3.xml><?xml version="1.0" encoding="utf-8"?>
 <p:sld xmlns:a="http://schemas.openxmlformats.org/drawingml/2006/main" xmlns:r="http://schemas.openxmlformats.org/officeDocument/2006/relationships" xmlns:p="http://schemas.openxmlformats.org/presentationml/2006/main">
   <p:cSld>
-    <p:bg>
-      <p:bgPr>
-        <a:solidFill>
-          <a:schemeClr val="bg1"/>
-        </a:solidFill>
-        <a:effectLst/>
-      </p:bgPr>
-    </p:bg>
     <p:spTree>
       <p:nvGrpSpPr>
         <p:cNvPr id="1" name=""/>
@@ -5878,70 +10268,38 @@
       </p:grpSpPr>
       <p:sp>
         <p:nvSpPr>
-          <p:cNvPr id="14" name="Rectangle 13">
+          <p:cNvPr id="2" name="Titel 1">
             <a:extLst>
               <a:ext uri="{FF2B5EF4-FFF2-40B4-BE49-F238E27FC236}">
-                <a16:creationId xmlns:a16="http://schemas.microsoft.com/office/drawing/2014/main" id="{0EF8982E-02F0-4D24-85CB-98DEBCC3226A}"/>
-              </a:ext>
-              <a:ext uri="{C183D7F6-B498-43B3-948B-1728B52AA6E4}">
-                <adec:decorative xmlns:adec="http://schemas.microsoft.com/office/drawing/2017/decorative" val="1"/>
+                <a16:creationId xmlns:a16="http://schemas.microsoft.com/office/drawing/2014/main" id="{CCDC78B3-E865-4F10-B90A-1E92D9B78181}"/>
               </a:ext>
             </a:extLst>
           </p:cNvPr>
           <p:cNvSpPr>
-            <a:spLocks noGrp="1" noRot="1" noChangeAspect="1" noMove="1" noResize="1" noEditPoints="1" noAdjustHandles="1" noChangeArrowheads="1" noChangeShapeType="1" noTextEdit="1"/>
-          </p:cNvSpPr>
-          <p:nvPr>
-            <p:extLst>
-              <p:ext uri="{386F3935-93C4-4BCD-93E2-E3B085C9AB24}">
-                <p16:designElem xmlns:p16="http://schemas.microsoft.com/office/powerpoint/2015/main" val="1"/>
-              </p:ext>
-            </p:extLst>
-          </p:nvPr>
-        </p:nvSpPr>
-        <p:spPr>
-          <a:xfrm>
-            <a:off x="0" y="0"/>
-            <a:ext cx="12192000" cy="6858000"/>
-          </a:xfrm>
-          <a:prstGeom prst="rect">
-            <a:avLst/>
-          </a:prstGeom>
-          <a:ln>
-            <a:noFill/>
-          </a:ln>
-        </p:spPr>
-        <p:style>
-          <a:lnRef idx="2">
-            <a:schemeClr val="accent1">
-              <a:shade val="50000"/>
-            </a:schemeClr>
-          </a:lnRef>
-          <a:fillRef idx="1003">
-            <a:schemeClr val="dk2"/>
-          </a:fillRef>
-          <a:effectRef idx="0">
-            <a:schemeClr val="accent1"/>
-          </a:effectRef>
-          <a:fontRef idx="minor">
-            <a:schemeClr val="lt1"/>
-          </a:fontRef>
-        </p:style>
-        <p:txBody>
-          <a:bodyPr rtlCol="0" anchor="ctr"/>
+            <a:spLocks noGrp="1"/>
+          </p:cNvSpPr>
+          <p:nvPr>
+            <p:ph type="title"/>
+          </p:nvPr>
+        </p:nvSpPr>
+        <p:spPr/>
+        <p:txBody>
+          <a:bodyPr/>
           <a:lstStyle/>
           <a:p>
-            <a:pPr algn="ctr"/>
-            <a:endParaRPr lang="en-US"/>
-          </a:p>
-        </p:txBody>
-      </p:sp>
-      <p:sp>
-        <p:nvSpPr>
-          <p:cNvPr id="2" name="Titel 1">
+            <a:r>
+              <a:rPr lang="de-DE" dirty="0"/>
+              <a:t>Setup</a:t>
+            </a:r>
+          </a:p>
+        </p:txBody>
+      </p:sp>
+      <p:sp>
+        <p:nvSpPr>
+          <p:cNvPr id="3" name="Inhaltsplatzhalter 2">
             <a:extLst>
               <a:ext uri="{FF2B5EF4-FFF2-40B4-BE49-F238E27FC236}">
-                <a16:creationId xmlns:a16="http://schemas.microsoft.com/office/drawing/2014/main" id="{FCC24177-939A-4F4B-9045-B278D26E2B48}"/>
+                <a16:creationId xmlns:a16="http://schemas.microsoft.com/office/drawing/2014/main" id="{878A2B69-9960-4AD9-86F5-BC9A9E58F7DF}"/>
               </a:ext>
             </a:extLst>
           </p:cNvPr>
@@ -5949,356 +10307,74 @@
             <a:spLocks noGrp="1"/>
           </p:cNvSpPr>
           <p:nvPr>
-            <p:ph type="title"/>
-          </p:nvPr>
-        </p:nvSpPr>
-        <p:spPr>
-          <a:xfrm>
-            <a:off x="643192" y="609600"/>
-            <a:ext cx="3643674" cy="1905000"/>
-          </a:xfrm>
-        </p:spPr>
-        <p:txBody>
-          <a:bodyPr>
-            <a:normAutofit/>
-          </a:bodyPr>
+            <p:ph idx="1"/>
+          </p:nvPr>
+        </p:nvSpPr>
+        <p:spPr/>
+        <p:txBody>
+          <a:bodyPr/>
           <a:lstStyle/>
           <a:p>
-            <a:pPr algn="ctr"/>
-            <a:r>
-              <a:rPr lang="de-DE" sz="2800" dirty="0">
-                <a:gradFill flip="none" rotWithShape="1">
-                  <a:gsLst>
-                    <a:gs pos="0">
-                      <a:sysClr val="window" lastClr="FFFFFF"/>
-                    </a:gs>
-                    <a:gs pos="100000">
-                      <a:sysClr val="window" lastClr="FFFFFF">
-                        <a:lumMod val="65000"/>
-                      </a:sysClr>
-                    </a:gs>
-                  </a:gsLst>
-                  <a:lin ang="5580000" scaled="0"/>
-                  <a:tileRect/>
-                </a:gradFill>
-              </a:rPr>
-              <a:t>Hauptservice</a:t>
-            </a:r>
-          </a:p>
-        </p:txBody>
-      </p:sp>
-      <p:sp>
-        <p:nvSpPr>
-          <p:cNvPr id="11" name="Content Placeholder 10">
-            <a:extLst>
-              <a:ext uri="{FF2B5EF4-FFF2-40B4-BE49-F238E27FC236}">
-                <a16:creationId xmlns:a16="http://schemas.microsoft.com/office/drawing/2014/main" id="{8B3482C1-9BEA-065E-1D64-4921E67151CA}"/>
-              </a:ext>
-            </a:extLst>
-          </p:cNvPr>
-          <p:cNvSpPr>
-            <a:spLocks noGrp="1"/>
-          </p:cNvSpPr>
-          <p:nvPr>
-            <p:ph idx="1"/>
-          </p:nvPr>
-        </p:nvSpPr>
-        <p:spPr>
-          <a:xfrm>
-            <a:off x="643192" y="2666999"/>
-            <a:ext cx="3643674" cy="3216276"/>
-          </a:xfrm>
-        </p:spPr>
-        <p:txBody>
-          <a:bodyPr anchor="t">
-            <a:normAutofit/>
-          </a:bodyPr>
-          <a:lstStyle/>
-          <a:p>
-            <a:r>
-              <a:rPr lang="en-US" sz="1800" dirty="0" err="1">
-                <a:gradFill flip="none" rotWithShape="1">
-                  <a:gsLst>
-                    <a:gs pos="0">
-                      <a:sysClr val="window" lastClr="FFFFFF"/>
-                    </a:gs>
-                    <a:gs pos="100000">
-                      <a:sysClr val="window" lastClr="FFFFFF">
-                        <a:lumMod val="75000"/>
-                      </a:sysClr>
-                    </a:gs>
-                  </a:gsLst>
-                  <a:lin ang="5580000" scaled="0"/>
-                  <a:tileRect/>
-                </a:gradFill>
-              </a:rPr>
-              <a:t>Zentrale</a:t>
-            </a:r>
-            <a:r>
-              <a:rPr lang="en-US" sz="1800" dirty="0">
-                <a:gradFill flip="none" rotWithShape="1">
-                  <a:gsLst>
-                    <a:gs pos="0">
-                      <a:sysClr val="window" lastClr="FFFFFF"/>
-                    </a:gs>
-                    <a:gs pos="100000">
-                      <a:sysClr val="window" lastClr="FFFFFF">
-                        <a:lumMod val="75000"/>
-                      </a:sysClr>
-                    </a:gs>
-                  </a:gsLst>
-                  <a:lin ang="5580000" scaled="0"/>
-                  <a:tileRect/>
-                </a:gradFill>
-              </a:rPr>
-              <a:t> </a:t>
-            </a:r>
-            <a:r>
-              <a:rPr lang="en-US" sz="1800" dirty="0" err="1">
-                <a:gradFill flip="none" rotWithShape="1">
-                  <a:gsLst>
-                    <a:gs pos="0">
-                      <a:sysClr val="window" lastClr="FFFFFF"/>
-                    </a:gs>
-                    <a:gs pos="100000">
-                      <a:sysClr val="window" lastClr="FFFFFF">
-                        <a:lumMod val="75000"/>
-                      </a:sysClr>
-                    </a:gs>
-                  </a:gsLst>
-                  <a:lin ang="5580000" scaled="0"/>
-                  <a:tileRect/>
-                </a:gradFill>
-              </a:rPr>
-              <a:t>Anbindung</a:t>
-            </a:r>
-            <a:endParaRPr lang="en-US" sz="1800" dirty="0">
-              <a:gradFill flip="none" rotWithShape="1">
-                <a:gsLst>
-                  <a:gs pos="0">
-                    <a:sysClr val="window" lastClr="FFFFFF"/>
-                  </a:gs>
-                  <a:gs pos="100000">
-                    <a:sysClr val="window" lastClr="FFFFFF">
-                      <a:lumMod val="75000"/>
-                    </a:sysClr>
-                  </a:gs>
-                </a:gsLst>
-                <a:lin ang="5580000" scaled="0"/>
-                <a:tileRect/>
-              </a:gradFill>
-            </a:endParaRPr>
-          </a:p>
-          <a:p>
-            <a:r>
-              <a:rPr lang="en-US" sz="1800" dirty="0">
-                <a:gradFill flip="none" rotWithShape="1">
-                  <a:gsLst>
-                    <a:gs pos="0">
-                      <a:sysClr val="window" lastClr="FFFFFF"/>
-                    </a:gs>
-                    <a:gs pos="100000">
-                      <a:sysClr val="window" lastClr="FFFFFF">
-                        <a:lumMod val="75000"/>
-                      </a:sysClr>
-                    </a:gs>
-                  </a:gsLst>
-                  <a:lin ang="5580000" scaled="0"/>
-                  <a:tileRect/>
-                </a:gradFill>
-              </a:rPr>
-              <a:t>SOAP-</a:t>
-            </a:r>
-            <a:r>
-              <a:rPr lang="en-US" sz="1800" dirty="0" err="1">
-                <a:gradFill flip="none" rotWithShape="1">
-                  <a:gsLst>
-                    <a:gs pos="0">
-                      <a:sysClr val="window" lastClr="FFFFFF"/>
-                    </a:gs>
-                    <a:gs pos="100000">
-                      <a:sysClr val="window" lastClr="FFFFFF">
-                        <a:lumMod val="75000"/>
-                      </a:sysClr>
-                    </a:gs>
-                  </a:gsLst>
-                  <a:lin ang="5580000" scaled="0"/>
-                  <a:tileRect/>
-                </a:gradFill>
-              </a:rPr>
-              <a:t>Protokoll</a:t>
-            </a:r>
-            <a:endParaRPr lang="en-US" sz="1800" dirty="0">
-              <a:gradFill flip="none" rotWithShape="1">
-                <a:gsLst>
-                  <a:gs pos="0">
-                    <a:sysClr val="window" lastClr="FFFFFF"/>
-                  </a:gs>
-                  <a:gs pos="100000">
-                    <a:sysClr val="window" lastClr="FFFFFF">
-                      <a:lumMod val="75000"/>
-                    </a:sysClr>
-                  </a:gs>
-                </a:gsLst>
-                <a:lin ang="5580000" scaled="0"/>
-                <a:tileRect/>
-              </a:gradFill>
-            </a:endParaRPr>
-          </a:p>
-          <a:p>
-            <a:endParaRPr lang="en-US" sz="1800" dirty="0">
-              <a:gradFill flip="none" rotWithShape="1">
-                <a:gsLst>
-                  <a:gs pos="0">
-                    <a:sysClr val="window" lastClr="FFFFFF"/>
-                  </a:gs>
-                  <a:gs pos="100000">
-                    <a:sysClr val="window" lastClr="FFFFFF">
-                      <a:lumMod val="75000"/>
-                    </a:sysClr>
-                  </a:gs>
-                </a:gsLst>
-                <a:lin ang="5580000" scaled="0"/>
-                <a:tileRect/>
-              </a:gradFill>
-            </a:endParaRPr>
-          </a:p>
-        </p:txBody>
-      </p:sp>
-      <p:sp>
-        <p:nvSpPr>
-          <p:cNvPr id="16" name="Rounded Rectangle 7">
-            <a:extLst>
-              <a:ext uri="{FF2B5EF4-FFF2-40B4-BE49-F238E27FC236}">
-                <a16:creationId xmlns:a16="http://schemas.microsoft.com/office/drawing/2014/main" id="{2CB72970-2D5B-4516-9F76-B1220A77B6AB}"/>
-              </a:ext>
-              <a:ext uri="{C183D7F6-B498-43B3-948B-1728B52AA6E4}">
-                <adec:decorative xmlns:adec="http://schemas.microsoft.com/office/drawing/2017/decorative" val="1"/>
-              </a:ext>
-            </a:extLst>
-          </p:cNvPr>
-          <p:cNvSpPr>
-            <a:spLocks noGrp="1" noRot="1" noChangeAspect="1" noMove="1" noResize="1" noEditPoints="1" noAdjustHandles="1" noChangeArrowheads="1" noChangeShapeType="1" noTextEdit="1"/>
-          </p:cNvSpPr>
-          <p:nvPr>
-            <p:extLst>
-              <p:ext uri="{386F3935-93C4-4BCD-93E2-E3B085C9AB24}">
-                <p16:designElem xmlns:p16="http://schemas.microsoft.com/office/powerpoint/2015/main" val="1"/>
-              </p:ext>
-            </p:extLst>
-          </p:nvPr>
-        </p:nvSpPr>
-        <p:spPr>
-          <a:xfrm>
-            <a:off x="4630994" y="620720"/>
-            <a:ext cx="6929447" cy="5272133"/>
-          </a:xfrm>
-          <a:prstGeom prst="roundRect">
-            <a:avLst>
-              <a:gd name="adj" fmla="val 3812"/>
-            </a:avLst>
-          </a:prstGeom>
-          <a:solidFill>
-            <a:schemeClr val="bg1"/>
-          </a:solidFill>
-          <a:ln w="38100">
-            <a:gradFill flip="none" rotWithShape="1">
-              <a:gsLst>
-                <a:gs pos="0">
-                  <a:srgbClr val="363D46"/>
-                </a:gs>
-                <a:gs pos="100000">
-                  <a:srgbClr val="363D46">
-                    <a:lumMod val="75000"/>
-                  </a:srgbClr>
-                </a:gs>
-              </a:gsLst>
-              <a:lin ang="5400000" scaled="0"/>
-              <a:tileRect/>
-            </a:gradFill>
-          </a:ln>
-          <a:effectLst>
-            <a:innerShdw blurRad="57150" dist="38100" dir="14460000">
-              <a:srgbClr val="000000">
-                <a:alpha val="70000"/>
-              </a:srgbClr>
-            </a:innerShdw>
-          </a:effectLst>
-        </p:spPr>
-        <p:style>
-          <a:lnRef idx="2">
-            <a:schemeClr val="accent1">
-              <a:shade val="50000"/>
-            </a:schemeClr>
-          </a:lnRef>
-          <a:fillRef idx="1">
-            <a:schemeClr val="accent1"/>
-          </a:fillRef>
-          <a:effectRef idx="0">
-            <a:schemeClr val="accent1"/>
-          </a:effectRef>
-          <a:fontRef idx="minor">
-            <a:schemeClr val="lt1"/>
-          </a:fontRef>
-        </p:style>
-        <p:txBody>
-          <a:bodyPr rtlCol="0" anchor="ctr"/>
-          <a:lstStyle/>
-          <a:p>
-            <a:pPr algn="ctr"/>
-            <a:endParaRPr lang="en-US">
-              <a:solidFill>
-                <a:schemeClr val="tx1"/>
-              </a:solidFill>
-            </a:endParaRPr>
-          </a:p>
-        </p:txBody>
-      </p:sp>
-      <p:pic>
-        <p:nvPicPr>
-          <p:cNvPr id="7" name="Inhaltsplatzhalter 6">
-            <a:extLst>
-              <a:ext uri="{FF2B5EF4-FFF2-40B4-BE49-F238E27FC236}">
-                <a16:creationId xmlns:a16="http://schemas.microsoft.com/office/drawing/2014/main" id="{D19341F0-DE82-4C0F-AFDC-047E844C7C3C}"/>
-              </a:ext>
-            </a:extLst>
-          </p:cNvPr>
-          <p:cNvPicPr>
-            <a:picLocks noChangeAspect="1"/>
-          </p:cNvPicPr>
-          <p:nvPr/>
-        </p:nvPicPr>
-        <p:blipFill>
-          <a:blip r:embed="rId2">
-            <a:extLst>
-              <a:ext uri="{96DAC541-7B7A-43D3-8B79-37D633B846F1}">
-                <asvg:svgBlip xmlns:asvg="http://schemas.microsoft.com/office/drawing/2016/SVG/main" r:embed="rId3"/>
-              </a:ext>
-            </a:extLst>
-          </a:blip>
-          <a:stretch>
-            <a:fillRect/>
-          </a:stretch>
-        </p:blipFill>
-        <p:spPr>
-          <a:xfrm>
-            <a:off x="5128626" y="2125373"/>
-            <a:ext cx="5934182" cy="2262826"/>
-          </a:xfrm>
-          <a:prstGeom prst="rect">
-            <a:avLst/>
-          </a:prstGeom>
-        </p:spPr>
-      </p:pic>
+            <a:r>
+              <a:rPr lang="de-DE" dirty="0"/>
+              <a:t>IDE: </a:t>
+            </a:r>
+            <a:r>
+              <a:rPr lang="de-DE" dirty="0" err="1"/>
+              <a:t>IntelliJ</a:t>
+            </a:r>
+            <a:endParaRPr lang="de-DE" dirty="0"/>
+          </a:p>
+          <a:p>
+            <a:r>
+              <a:rPr lang="de-DE" dirty="0"/>
+              <a:t>JAVA JDK: 17</a:t>
+            </a:r>
+          </a:p>
+          <a:p>
+            <a:r>
+              <a:rPr lang="de-DE" dirty="0" err="1"/>
+              <a:t>Quarkus</a:t>
+            </a:r>
+            <a:r>
+              <a:rPr lang="de-DE" dirty="0"/>
+              <a:t> mit </a:t>
+            </a:r>
+            <a:r>
+              <a:rPr lang="de-DE" dirty="0" err="1"/>
+              <a:t>Gradle</a:t>
+            </a:r>
+            <a:r>
+              <a:rPr lang="de-DE" dirty="0"/>
+              <a:t> 7.4</a:t>
+            </a:r>
+          </a:p>
+          <a:p>
+            <a:r>
+              <a:rPr lang="de-DE" dirty="0"/>
+              <a:t>DB: PostgreSQL</a:t>
+            </a:r>
+          </a:p>
+          <a:p>
+            <a:r>
+              <a:rPr lang="de-DE" dirty="0"/>
+              <a:t>Docker</a:t>
+            </a:r>
+          </a:p>
+          <a:p>
+            <a:endParaRPr lang="de-DE" dirty="0"/>
+          </a:p>
+        </p:txBody>
+      </p:sp>
     </p:spTree>
     <p:extLst>
       <p:ext uri="{BB962C8B-B14F-4D97-AF65-F5344CB8AC3E}">
-        <p14:creationId xmlns:p14="http://schemas.microsoft.com/office/powerpoint/2010/main" val="1957866411"/>
+        <p14:creationId xmlns:p14="http://schemas.microsoft.com/office/powerpoint/2010/main" val="3399793760"/>
       </p:ext>
     </p:extLst>
   </p:cSld>
   <p:clrMapOvr>
-    <a:overrideClrMapping bg1="lt1" tx1="dk1" bg2="lt2" tx2="dk2" accent1="accent1" accent2="accent2" accent3="accent3" accent4="accent4" accent5="accent5" accent6="accent6" hlink="hlink" folHlink="folHlink"/>
+    <a:masterClrMapping/>
   </p:clrMapOvr>
 </p:sld>
 </file>
@@ -6306,14 +10382,6 @@
 <file path=ppt/slides/slide4.xml><?xml version="1.0" encoding="utf-8"?>
 <p:sld xmlns:a="http://schemas.openxmlformats.org/drawingml/2006/main" xmlns:r="http://schemas.openxmlformats.org/officeDocument/2006/relationships" xmlns:p="http://schemas.openxmlformats.org/presentationml/2006/main">
   <p:cSld>
-    <p:bg>
-      <p:bgPr>
-        <a:solidFill>
-          <a:schemeClr val="bg1"/>
-        </a:solidFill>
-        <a:effectLst/>
-      </p:bgPr>
-    </p:bg>
     <p:spTree>
       <p:nvGrpSpPr>
         <p:cNvPr id="1" name=""/>
@@ -6330,312 +10398,74 @@
       </p:grpSpPr>
       <p:sp>
         <p:nvSpPr>
-          <p:cNvPr id="12" name="Rectangle 11">
+          <p:cNvPr id="2" name="Title 1">
             <a:extLst>
               <a:ext uri="{FF2B5EF4-FFF2-40B4-BE49-F238E27FC236}">
-                <a16:creationId xmlns:a16="http://schemas.microsoft.com/office/drawing/2014/main" id="{0EF8982E-02F0-4D24-85CB-98DEBCC3226A}"/>
-              </a:ext>
-              <a:ext uri="{C183D7F6-B498-43B3-948B-1728B52AA6E4}">
-                <adec:decorative xmlns:adec="http://schemas.microsoft.com/office/drawing/2017/decorative" val="1"/>
+                <a16:creationId xmlns:a16="http://schemas.microsoft.com/office/drawing/2014/main" id="{96AF276F-26D0-1A45-A9EB-4C9F7F05C88F}"/>
               </a:ext>
             </a:extLst>
           </p:cNvPr>
           <p:cNvSpPr>
-            <a:spLocks noGrp="1" noRot="1" noChangeAspect="1" noMove="1" noResize="1" noEditPoints="1" noAdjustHandles="1" noChangeArrowheads="1" noChangeShapeType="1" noTextEdit="1"/>
-          </p:cNvSpPr>
-          <p:nvPr>
-            <p:extLst>
-              <p:ext uri="{386F3935-93C4-4BCD-93E2-E3B085C9AB24}">
-                <p16:designElem xmlns:p16="http://schemas.microsoft.com/office/powerpoint/2015/main" val="1"/>
-              </p:ext>
-            </p:extLst>
+            <a:spLocks noGrp="1"/>
+          </p:cNvSpPr>
+          <p:nvPr>
+            <p:ph type="title"/>
           </p:nvPr>
         </p:nvSpPr>
         <p:spPr>
           <a:xfrm>
-            <a:off x="0" y="0"/>
-            <a:ext cx="12192000" cy="6858000"/>
+            <a:off x="669851" y="1430179"/>
+            <a:ext cx="3029313" cy="3675908"/>
           </a:xfrm>
-          <a:prstGeom prst="rect">
-            <a:avLst/>
-          </a:prstGeom>
-          <a:ln>
-            <a:noFill/>
-          </a:ln>
         </p:spPr>
-        <p:style>
-          <a:lnRef idx="2">
-            <a:schemeClr val="accent1">
-              <a:shade val="50000"/>
-            </a:schemeClr>
-          </a:lnRef>
-          <a:fillRef idx="1003">
-            <a:schemeClr val="dk2"/>
-          </a:fillRef>
-          <a:effectRef idx="0">
-            <a:schemeClr val="accent1"/>
-          </a:effectRef>
-          <a:fontRef idx="minor">
-            <a:schemeClr val="lt1"/>
-          </a:fontRef>
-        </p:style>
-        <p:txBody>
-          <a:bodyPr rtlCol="0" anchor="ctr"/>
+        <p:txBody>
+          <a:bodyPr anchor="ctr">
+            <a:normAutofit/>
+          </a:bodyPr>
           <a:lstStyle/>
           <a:p>
-            <a:pPr algn="ctr"/>
-            <a:endParaRPr lang="en-US"/>
-          </a:p>
-        </p:txBody>
-      </p:sp>
-      <p:sp>
-        <p:nvSpPr>
-          <p:cNvPr id="2" name="Titel 1">
+            <a:r>
+              <a:rPr lang="en-DE" sz="4000"/>
+              <a:t>Frontend</a:t>
+            </a:r>
+          </a:p>
+        </p:txBody>
+      </p:sp>
+      <p:graphicFrame>
+        <p:nvGraphicFramePr>
+          <p:cNvPr id="5" name="Content Placeholder 2">
             <a:extLst>
               <a:ext uri="{FF2B5EF4-FFF2-40B4-BE49-F238E27FC236}">
-                <a16:creationId xmlns:a16="http://schemas.microsoft.com/office/drawing/2014/main" id="{394D2A32-65A5-4297-BDE2-CE23526C4BA1}"/>
+                <a16:creationId xmlns:a16="http://schemas.microsoft.com/office/drawing/2014/main" id="{817DDDF6-D288-E515-6E8D-E1D49ABCD3DE}"/>
               </a:ext>
             </a:extLst>
           </p:cNvPr>
-          <p:cNvSpPr>
-            <a:spLocks noGrp="1"/>
-          </p:cNvSpPr>
-          <p:nvPr>
-            <p:ph type="title"/>
-          </p:nvPr>
-        </p:nvSpPr>
-        <p:spPr>
-          <a:xfrm>
-            <a:off x="643192" y="609600"/>
-            <a:ext cx="3643674" cy="1905000"/>
-          </a:xfrm>
-        </p:spPr>
-        <p:txBody>
-          <a:bodyPr>
-            <a:normAutofit/>
-          </a:bodyPr>
-          <a:lstStyle/>
-          <a:p>
-            <a:pPr algn="ctr"/>
-            <a:r>
-              <a:rPr lang="de-DE" sz="2800" dirty="0" err="1">
-                <a:gradFill flip="none" rotWithShape="1">
-                  <a:gsLst>
-                    <a:gs pos="0">
-                      <a:sysClr val="window" lastClr="FFFFFF"/>
-                    </a:gs>
-                    <a:gs pos="100000">
-                      <a:sysClr val="window" lastClr="FFFFFF">
-                        <a:lumMod val="65000"/>
-                      </a:sysClr>
-                    </a:gs>
-                  </a:gsLst>
-                  <a:lin ang="5580000" scaled="0"/>
-                  <a:tileRect/>
-                </a:gradFill>
-              </a:rPr>
-              <a:t>SubServices</a:t>
-            </a:r>
-            <a:endParaRPr lang="de-DE" sz="2800" dirty="0">
-              <a:gradFill flip="none" rotWithShape="1">
-                <a:gsLst>
-                  <a:gs pos="0">
-                    <a:sysClr val="window" lastClr="FFFFFF"/>
-                  </a:gs>
-                  <a:gs pos="100000">
-                    <a:sysClr val="window" lastClr="FFFFFF">
-                      <a:lumMod val="65000"/>
-                    </a:sysClr>
-                  </a:gs>
-                </a:gsLst>
-                <a:lin ang="5580000" scaled="0"/>
-                <a:tileRect/>
-              </a:gradFill>
-            </a:endParaRPr>
-          </a:p>
-        </p:txBody>
-      </p:sp>
-      <p:sp>
-        <p:nvSpPr>
-          <p:cNvPr id="9" name="Content Placeholder 8">
-            <a:extLst>
-              <a:ext uri="{FF2B5EF4-FFF2-40B4-BE49-F238E27FC236}">
-                <a16:creationId xmlns:a16="http://schemas.microsoft.com/office/drawing/2014/main" id="{D30EFF56-2F71-604D-7041-990E090FDA8A}"/>
-              </a:ext>
-            </a:extLst>
-          </p:cNvPr>
-          <p:cNvSpPr>
-            <a:spLocks noGrp="1"/>
-          </p:cNvSpPr>
+          <p:cNvGraphicFramePr>
+            <a:graphicFrameLocks noGrp="1"/>
+          </p:cNvGraphicFramePr>
           <p:nvPr>
             <p:ph idx="1"/>
           </p:nvPr>
-        </p:nvSpPr>
-        <p:spPr>
-          <a:xfrm>
-            <a:off x="643192" y="2666999"/>
-            <a:ext cx="3643674" cy="3216276"/>
-          </a:xfrm>
-        </p:spPr>
-        <p:txBody>
-          <a:bodyPr anchor="t">
-            <a:normAutofit/>
-          </a:bodyPr>
-          <a:lstStyle/>
-          <a:p>
-            <a:endParaRPr lang="en-US" sz="1800" dirty="0">
-              <a:gradFill flip="none" rotWithShape="1">
-                <a:gsLst>
-                  <a:gs pos="0">
-                    <a:sysClr val="window" lastClr="FFFFFF"/>
-                  </a:gs>
-                  <a:gs pos="100000">
-                    <a:sysClr val="window" lastClr="FFFFFF">
-                      <a:lumMod val="75000"/>
-                    </a:sysClr>
-                  </a:gs>
-                </a:gsLst>
-                <a:lin ang="5580000" scaled="0"/>
-                <a:tileRect/>
-              </a:gradFill>
-            </a:endParaRPr>
-          </a:p>
-        </p:txBody>
-      </p:sp>
-      <p:sp>
-        <p:nvSpPr>
-          <p:cNvPr id="14" name="Rounded Rectangle 7">
-            <a:extLst>
-              <a:ext uri="{FF2B5EF4-FFF2-40B4-BE49-F238E27FC236}">
-                <a16:creationId xmlns:a16="http://schemas.microsoft.com/office/drawing/2014/main" id="{2CB72970-2D5B-4516-9F76-B1220A77B6AB}"/>
-              </a:ext>
-              <a:ext uri="{C183D7F6-B498-43B3-948B-1728B52AA6E4}">
-                <adec:decorative xmlns:adec="http://schemas.microsoft.com/office/drawing/2017/decorative" val="1"/>
-              </a:ext>
-            </a:extLst>
-          </p:cNvPr>
-          <p:cNvSpPr>
-            <a:spLocks noGrp="1" noRot="1" noChangeAspect="1" noMove="1" noResize="1" noEditPoints="1" noAdjustHandles="1" noChangeArrowheads="1" noChangeShapeType="1" noTextEdit="1"/>
-          </p:cNvSpPr>
-          <p:nvPr>
-            <p:extLst>
-              <p:ext uri="{386F3935-93C4-4BCD-93E2-E3B085C9AB24}">
-                <p16:designElem xmlns:p16="http://schemas.microsoft.com/office/powerpoint/2015/main" val="1"/>
-              </p:ext>
-            </p:extLst>
-          </p:nvPr>
-        </p:nvSpPr>
-        <p:spPr>
-          <a:xfrm>
-            <a:off x="4630994" y="620720"/>
-            <a:ext cx="6929447" cy="5272133"/>
-          </a:xfrm>
-          <a:prstGeom prst="roundRect">
-            <a:avLst>
-              <a:gd name="adj" fmla="val 3812"/>
-            </a:avLst>
-          </a:prstGeom>
-          <a:solidFill>
-            <a:schemeClr val="bg1"/>
-          </a:solidFill>
-          <a:ln w="38100">
-            <a:gradFill flip="none" rotWithShape="1">
-              <a:gsLst>
-                <a:gs pos="0">
-                  <a:srgbClr val="363D46"/>
-                </a:gs>
-                <a:gs pos="100000">
-                  <a:srgbClr val="363D46">
-                    <a:lumMod val="75000"/>
-                  </a:srgbClr>
-                </a:gs>
-              </a:gsLst>
-              <a:lin ang="5400000" scaled="0"/>
-              <a:tileRect/>
-            </a:gradFill>
-          </a:ln>
-          <a:effectLst>
-            <a:innerShdw blurRad="57150" dist="38100" dir="14460000">
-              <a:srgbClr val="000000">
-                <a:alpha val="70000"/>
-              </a:srgbClr>
-            </a:innerShdw>
-          </a:effectLst>
-        </p:spPr>
-        <p:style>
-          <a:lnRef idx="2">
-            <a:schemeClr val="accent1">
-              <a:shade val="50000"/>
-            </a:schemeClr>
-          </a:lnRef>
-          <a:fillRef idx="1">
-            <a:schemeClr val="accent1"/>
-          </a:fillRef>
-          <a:effectRef idx="0">
-            <a:schemeClr val="accent1"/>
-          </a:effectRef>
-          <a:fontRef idx="minor">
-            <a:schemeClr val="lt1"/>
-          </a:fontRef>
-        </p:style>
-        <p:txBody>
-          <a:bodyPr rtlCol="0" anchor="ctr"/>
-          <a:lstStyle/>
-          <a:p>
-            <a:pPr algn="ctr"/>
-            <a:endParaRPr lang="en-US">
-              <a:solidFill>
-                <a:schemeClr val="tx1"/>
-              </a:solidFill>
-            </a:endParaRPr>
-          </a:p>
-        </p:txBody>
-      </p:sp>
-      <p:pic>
-        <p:nvPicPr>
-          <p:cNvPr id="5" name="Inhaltsplatzhalter 4">
-            <a:extLst>
-              <a:ext uri="{FF2B5EF4-FFF2-40B4-BE49-F238E27FC236}">
-                <a16:creationId xmlns:a16="http://schemas.microsoft.com/office/drawing/2014/main" id="{9599E9B4-E25A-4F25-AAAC-468133E51A27}"/>
-              </a:ext>
-            </a:extLst>
-          </p:cNvPr>
-          <p:cNvPicPr>
-            <a:picLocks noChangeAspect="1"/>
-          </p:cNvPicPr>
-          <p:nvPr/>
-        </p:nvPicPr>
-        <p:blipFill>
-          <a:blip r:embed="rId2">
-            <a:extLst>
-              <a:ext uri="{96DAC541-7B7A-43D3-8B79-37D633B846F1}">
-                <asvg:svgBlip xmlns:asvg="http://schemas.microsoft.com/office/drawing/2016/SVG/main" r:embed="rId3"/>
-              </a:ext>
-            </a:extLst>
-          </a:blip>
-          <a:stretch>
-            <a:fillRect/>
-          </a:stretch>
-        </p:blipFill>
-        <p:spPr>
-          <a:xfrm>
-            <a:off x="5128626" y="2050575"/>
-            <a:ext cx="5934182" cy="2412423"/>
-          </a:xfrm>
-          <a:prstGeom prst="rect">
-            <a:avLst/>
-          </a:prstGeom>
-        </p:spPr>
-      </p:pic>
+        </p:nvGraphicFramePr>
+        <p:xfrm>
+          <a:off x="5054375" y="965200"/>
+          <a:ext cx="6046133" cy="4605866"/>
+        </p:xfrm>
+        <a:graphic>
+          <a:graphicData uri="http://schemas.openxmlformats.org/drawingml/2006/diagram">
+            <dgm:relIds xmlns:dgm="http://schemas.openxmlformats.org/drawingml/2006/diagram" xmlns:r="http://schemas.openxmlformats.org/officeDocument/2006/relationships" r:dm="rId2" r:lo="rId3" r:qs="rId4" r:cs="rId5"/>
+          </a:graphicData>
+        </a:graphic>
+      </p:graphicFrame>
     </p:spTree>
     <p:extLst>
       <p:ext uri="{BB962C8B-B14F-4D97-AF65-F5344CB8AC3E}">
-        <p14:creationId xmlns:p14="http://schemas.microsoft.com/office/powerpoint/2010/main" val="4153200093"/>
+        <p14:creationId xmlns:p14="http://schemas.microsoft.com/office/powerpoint/2010/main" val="1504807040"/>
       </p:ext>
     </p:extLst>
   </p:cSld>
   <p:clrMapOvr>
-    <a:overrideClrMapping bg1="lt1" tx1="dk1" bg2="lt2" tx2="dk2" accent1="accent1" accent2="accent2" accent3="accent3" accent4="accent4" accent5="accent5" accent6="accent6" hlink="hlink" folHlink="folHlink"/>
+    <a:masterClrMapping/>
   </p:clrMapOvr>
 </p:sld>
 </file>
@@ -6643,14 +10473,6 @@
 <file path=ppt/slides/slide5.xml><?xml version="1.0" encoding="utf-8"?>
 <p:sld xmlns:a="http://schemas.openxmlformats.org/drawingml/2006/main" xmlns:r="http://schemas.openxmlformats.org/officeDocument/2006/relationships" xmlns:p="http://schemas.openxmlformats.org/presentationml/2006/main">
   <p:cSld>
-    <p:bg>
-      <p:bgPr>
-        <a:solidFill>
-          <a:schemeClr val="bg1"/>
-        </a:solidFill>
-        <a:effectLst/>
-      </p:bgPr>
-    </p:bg>
     <p:spTree>
       <p:nvGrpSpPr>
         <p:cNvPr id="1" name=""/>
@@ -6667,296 +10489,538 @@
       </p:grpSpPr>
       <p:sp>
         <p:nvSpPr>
-          <p:cNvPr id="12" name="Rectangle 11">
+          <p:cNvPr id="2" name="Title 1">
             <a:extLst>
               <a:ext uri="{FF2B5EF4-FFF2-40B4-BE49-F238E27FC236}">
-                <a16:creationId xmlns:a16="http://schemas.microsoft.com/office/drawing/2014/main" id="{0EF8982E-02F0-4D24-85CB-98DEBCC3226A}"/>
-              </a:ext>
-              <a:ext uri="{C183D7F6-B498-43B3-948B-1728B52AA6E4}">
-                <adec:decorative xmlns:adec="http://schemas.microsoft.com/office/drawing/2017/decorative" val="1"/>
+                <a16:creationId xmlns:a16="http://schemas.microsoft.com/office/drawing/2014/main" id="{B6F6F114-E435-964D-A838-42E04956E653}"/>
               </a:ext>
             </a:extLst>
           </p:cNvPr>
           <p:cNvSpPr>
-            <a:spLocks noGrp="1" noRot="1" noChangeAspect="1" noMove="1" noResize="1" noEditPoints="1" noAdjustHandles="1" noChangeArrowheads="1" noChangeShapeType="1" noTextEdit="1"/>
-          </p:cNvSpPr>
-          <p:nvPr>
-            <p:extLst>
-              <p:ext uri="{386F3935-93C4-4BCD-93E2-E3B085C9AB24}">
-                <p16:designElem xmlns:p16="http://schemas.microsoft.com/office/powerpoint/2015/main" val="1"/>
-              </p:ext>
-            </p:extLst>
+            <a:spLocks noGrp="1"/>
+          </p:cNvSpPr>
+          <p:nvPr>
+            <p:ph type="title"/>
           </p:nvPr>
         </p:nvSpPr>
         <p:spPr>
           <a:xfrm>
-            <a:off x="0" y="0"/>
-            <a:ext cx="12192000" cy="6858000"/>
+            <a:off x="1143001" y="251254"/>
+            <a:ext cx="9905998" cy="1905000"/>
           </a:xfrm>
-          <a:prstGeom prst="rect">
-            <a:avLst/>
-          </a:prstGeom>
-          <a:ln>
-            <a:noFill/>
-          </a:ln>
         </p:spPr>
-        <p:style>
-          <a:lnRef idx="2">
-            <a:schemeClr val="accent1">
-              <a:shade val="50000"/>
-            </a:schemeClr>
-          </a:lnRef>
-          <a:fillRef idx="1003">
-            <a:schemeClr val="dk2"/>
-          </a:fillRef>
-          <a:effectRef idx="0">
-            <a:schemeClr val="accent1"/>
-          </a:effectRef>
-          <a:fontRef idx="minor">
-            <a:schemeClr val="lt1"/>
-          </a:fontRef>
-        </p:style>
-        <p:txBody>
-          <a:bodyPr rtlCol="0" anchor="ctr"/>
+        <p:txBody>
+          <a:bodyPr/>
           <a:lstStyle/>
           <a:p>
-            <a:pPr algn="ctr"/>
-            <a:endParaRPr lang="en-US"/>
-          </a:p>
-        </p:txBody>
-      </p:sp>
-      <p:sp>
-        <p:nvSpPr>
-          <p:cNvPr id="2" name="Titel 1">
+            <a:r>
+              <a:rPr lang="en-DE" dirty="0"/>
+              <a:t>Startseite</a:t>
+            </a:r>
+          </a:p>
+        </p:txBody>
+      </p:sp>
+      <p:pic>
+        <p:nvPicPr>
+          <p:cNvPr id="1026" name="Picture 2">
             <a:extLst>
               <a:ext uri="{FF2B5EF4-FFF2-40B4-BE49-F238E27FC236}">
-                <a16:creationId xmlns:a16="http://schemas.microsoft.com/office/drawing/2014/main" id="{B0D42B13-6D73-4406-8ABB-85E52445B216}"/>
-              </a:ext>
-            </a:extLst>
-          </p:cNvPr>
-          <p:cNvSpPr>
-            <a:spLocks noGrp="1"/>
-          </p:cNvSpPr>
-          <p:nvPr>
-            <p:ph type="title"/>
-          </p:nvPr>
-        </p:nvSpPr>
-        <p:spPr>
-          <a:xfrm>
-            <a:off x="643192" y="609600"/>
-            <a:ext cx="3643674" cy="1905000"/>
-          </a:xfrm>
-        </p:spPr>
-        <p:txBody>
-          <a:bodyPr>
-            <a:normAutofit/>
-          </a:bodyPr>
-          <a:lstStyle/>
-          <a:p>
-            <a:pPr algn="ctr"/>
-            <a:r>
-              <a:rPr lang="de-DE" sz="2800" dirty="0">
-                <a:gradFill flip="none" rotWithShape="1">
-                  <a:gsLst>
-                    <a:gs pos="0">
-                      <a:sysClr val="window" lastClr="FFFFFF"/>
-                    </a:gs>
-                    <a:gs pos="100000">
-                      <a:sysClr val="window" lastClr="FFFFFF">
-                        <a:lumMod val="65000"/>
-                      </a:sysClr>
-                    </a:gs>
-                  </a:gsLst>
-                  <a:lin ang="5580000" scaled="0"/>
-                  <a:tileRect/>
-                </a:gradFill>
-              </a:rPr>
-              <a:t>Externer Service</a:t>
-            </a:r>
-          </a:p>
-        </p:txBody>
-      </p:sp>
-      <p:sp>
-        <p:nvSpPr>
-          <p:cNvPr id="9" name="Content Placeholder 8">
-            <a:extLst>
-              <a:ext uri="{FF2B5EF4-FFF2-40B4-BE49-F238E27FC236}">
-                <a16:creationId xmlns:a16="http://schemas.microsoft.com/office/drawing/2014/main" id="{85335FD7-B790-F32B-2387-A73F3D526827}"/>
-              </a:ext>
-            </a:extLst>
-          </p:cNvPr>
-          <p:cNvSpPr>
-            <a:spLocks noGrp="1"/>
-          </p:cNvSpPr>
-          <p:nvPr>
-            <p:ph idx="1"/>
-          </p:nvPr>
-        </p:nvSpPr>
-        <p:spPr>
-          <a:xfrm>
-            <a:off x="643192" y="2666999"/>
-            <a:ext cx="3643674" cy="3216276"/>
-          </a:xfrm>
-        </p:spPr>
-        <p:txBody>
-          <a:bodyPr anchor="t">
-            <a:normAutofit/>
-          </a:bodyPr>
-          <a:lstStyle/>
-          <a:p>
-            <a:endParaRPr lang="en-US" sz="1800">
-              <a:gradFill flip="none" rotWithShape="1">
-                <a:gsLst>
-                  <a:gs pos="0">
-                    <a:sysClr val="window" lastClr="FFFFFF"/>
-                  </a:gs>
-                  <a:gs pos="100000">
-                    <a:sysClr val="window" lastClr="FFFFFF">
-                      <a:lumMod val="75000"/>
-                    </a:sysClr>
-                  </a:gs>
-                </a:gsLst>
-                <a:lin ang="5580000" scaled="0"/>
-                <a:tileRect/>
-              </a:gradFill>
-            </a:endParaRPr>
-          </a:p>
-        </p:txBody>
-      </p:sp>
-      <p:sp>
-        <p:nvSpPr>
-          <p:cNvPr id="14" name="Rounded Rectangle 7">
-            <a:extLst>
-              <a:ext uri="{FF2B5EF4-FFF2-40B4-BE49-F238E27FC236}">
-                <a16:creationId xmlns:a16="http://schemas.microsoft.com/office/drawing/2014/main" id="{2CB72970-2D5B-4516-9F76-B1220A77B6AB}"/>
-              </a:ext>
-              <a:ext uri="{C183D7F6-B498-43B3-948B-1728B52AA6E4}">
-                <adec:decorative xmlns:adec="http://schemas.microsoft.com/office/drawing/2017/decorative" val="1"/>
-              </a:ext>
-            </a:extLst>
-          </p:cNvPr>
-          <p:cNvSpPr>
-            <a:spLocks noGrp="1" noRot="1" noChangeAspect="1" noMove="1" noResize="1" noEditPoints="1" noAdjustHandles="1" noChangeArrowheads="1" noChangeShapeType="1" noTextEdit="1"/>
-          </p:cNvSpPr>
-          <p:nvPr>
-            <p:extLst>
-              <p:ext uri="{386F3935-93C4-4BCD-93E2-E3B085C9AB24}">
-                <p16:designElem xmlns:p16="http://schemas.microsoft.com/office/powerpoint/2015/main" val="1"/>
-              </p:ext>
-            </p:extLst>
-          </p:nvPr>
-        </p:nvSpPr>
-        <p:spPr>
-          <a:xfrm>
-            <a:off x="4630994" y="620720"/>
-            <a:ext cx="6929447" cy="5272133"/>
-          </a:xfrm>
-          <a:prstGeom prst="roundRect">
-            <a:avLst>
-              <a:gd name="adj" fmla="val 3812"/>
-            </a:avLst>
-          </a:prstGeom>
-          <a:solidFill>
-            <a:schemeClr val="bg1"/>
-          </a:solidFill>
-          <a:ln w="38100">
-            <a:gradFill flip="none" rotWithShape="1">
-              <a:gsLst>
-                <a:gs pos="0">
-                  <a:srgbClr val="363D46"/>
-                </a:gs>
-                <a:gs pos="100000">
-                  <a:srgbClr val="363D46">
-                    <a:lumMod val="75000"/>
-                  </a:srgbClr>
-                </a:gs>
-              </a:gsLst>
-              <a:lin ang="5400000" scaled="0"/>
-              <a:tileRect/>
-            </a:gradFill>
-          </a:ln>
-          <a:effectLst>
-            <a:innerShdw blurRad="57150" dist="38100" dir="14460000">
-              <a:srgbClr val="000000">
-                <a:alpha val="70000"/>
-              </a:srgbClr>
-            </a:innerShdw>
-          </a:effectLst>
-        </p:spPr>
-        <p:style>
-          <a:lnRef idx="2">
-            <a:schemeClr val="accent1">
-              <a:shade val="50000"/>
-            </a:schemeClr>
-          </a:lnRef>
-          <a:fillRef idx="1">
-            <a:schemeClr val="accent1"/>
-          </a:fillRef>
-          <a:effectRef idx="0">
-            <a:schemeClr val="accent1"/>
-          </a:effectRef>
-          <a:fontRef idx="minor">
-            <a:schemeClr val="lt1"/>
-          </a:fontRef>
-        </p:style>
-        <p:txBody>
-          <a:bodyPr rtlCol="0" anchor="ctr"/>
-          <a:lstStyle/>
-          <a:p>
-            <a:pPr algn="ctr"/>
-            <a:endParaRPr lang="en-US">
-              <a:solidFill>
-                <a:schemeClr val="tx1"/>
-              </a:solidFill>
-            </a:endParaRPr>
-          </a:p>
-        </p:txBody>
-      </p:sp>
-      <p:pic>
-        <p:nvPicPr>
-          <p:cNvPr id="5" name="Inhaltsplatzhalter 4">
-            <a:extLst>
-              <a:ext uri="{FF2B5EF4-FFF2-40B4-BE49-F238E27FC236}">
-                <a16:creationId xmlns:a16="http://schemas.microsoft.com/office/drawing/2014/main" id="{1F78CC0B-596F-49FD-98F1-A0C97C396511}"/>
+                <a16:creationId xmlns:a16="http://schemas.microsoft.com/office/drawing/2014/main" id="{BB41A599-CB1D-BE45-9B1A-C878FE0F6FC8}"/>
               </a:ext>
             </a:extLst>
           </p:cNvPr>
           <p:cNvPicPr>
-            <a:picLocks noChangeAspect="1"/>
+            <a:picLocks noChangeAspect="1" noChangeArrowheads="1"/>
           </p:cNvPicPr>
           <p:nvPr/>
         </p:nvPicPr>
         <p:blipFill>
           <a:blip r:embed="rId2">
             <a:extLst>
-              <a:ext uri="{96DAC541-7B7A-43D3-8B79-37D633B846F1}">
-                <asvg:svgBlip xmlns:asvg="http://schemas.microsoft.com/office/drawing/2016/SVG/main" r:embed="rId3"/>
+              <a:ext uri="{28A0092B-C50C-407E-A947-70E740481C1C}">
+                <a14:useLocalDpi xmlns:a14="http://schemas.microsoft.com/office/drawing/2010/main" val="0"/>
               </a:ext>
             </a:extLst>
           </a:blip>
+          <a:srcRect/>
           <a:stretch>
             <a:fillRect/>
           </a:stretch>
         </p:blipFill>
-        <p:spPr>
+        <p:spPr bwMode="auto">
           <a:xfrm>
-            <a:off x="5128626" y="2248806"/>
-            <a:ext cx="5934182" cy="2015960"/>
+            <a:off x="1469253" y="2011548"/>
+            <a:ext cx="8786855" cy="4143318"/>
           </a:xfrm>
           <a:prstGeom prst="rect">
             <a:avLst/>
           </a:prstGeom>
+          <a:noFill/>
+          <a:extLst>
+            <a:ext uri="{909E8E84-426E-40DD-AFC4-6F175D3DCCD1}">
+              <a14:hiddenFill xmlns:a14="http://schemas.microsoft.com/office/drawing/2010/main">
+                <a:solidFill>
+                  <a:srgbClr val="FFFFFF"/>
+                </a:solidFill>
+              </a14:hiddenFill>
+            </a:ext>
+          </a:extLst>
         </p:spPr>
       </p:pic>
     </p:spTree>
     <p:extLst>
       <p:ext uri="{BB962C8B-B14F-4D97-AF65-F5344CB8AC3E}">
-        <p14:creationId xmlns:p14="http://schemas.microsoft.com/office/powerpoint/2010/main" val="58847724"/>
+        <p14:creationId xmlns:p14="http://schemas.microsoft.com/office/powerpoint/2010/main" val="509541366"/>
       </p:ext>
     </p:extLst>
   </p:cSld>
   <p:clrMapOvr>
-    <a:overrideClrMapping bg1="lt1" tx1="dk1" bg2="lt2" tx2="dk2" accent1="accent1" accent2="accent2" accent3="accent3" accent4="accent4" accent5="accent5" accent6="accent6" hlink="hlink" folHlink="folHlink"/>
+    <a:masterClrMapping/>
+  </p:clrMapOvr>
+</p:sld>
+</file>
+
+<file path=ppt/slides/slide6.xml><?xml version="1.0" encoding="utf-8"?>
+<p:sld xmlns:a="http://schemas.openxmlformats.org/drawingml/2006/main" xmlns:r="http://schemas.openxmlformats.org/officeDocument/2006/relationships" xmlns:p="http://schemas.openxmlformats.org/presentationml/2006/main">
+  <p:cSld>
+    <p:spTree>
+      <p:nvGrpSpPr>
+        <p:cNvPr id="1" name=""/>
+        <p:cNvGrpSpPr/>
+        <p:nvPr/>
+      </p:nvGrpSpPr>
+      <p:grpSpPr>
+        <a:xfrm>
+          <a:off x="0" y="0"/>
+          <a:ext cx="0" cy="0"/>
+          <a:chOff x="0" y="0"/>
+          <a:chExt cx="0" cy="0"/>
+        </a:xfrm>
+      </p:grpSpPr>
+      <p:sp>
+        <p:nvSpPr>
+          <p:cNvPr id="2" name="Title 1">
+            <a:extLst>
+              <a:ext uri="{FF2B5EF4-FFF2-40B4-BE49-F238E27FC236}">
+                <a16:creationId xmlns:a16="http://schemas.microsoft.com/office/drawing/2014/main" id="{58C101CF-015E-6F4E-918F-70430269812C}"/>
+              </a:ext>
+            </a:extLst>
+          </p:cNvPr>
+          <p:cNvSpPr>
+            <a:spLocks noGrp="1"/>
+          </p:cNvSpPr>
+          <p:nvPr>
+            <p:ph type="title"/>
+          </p:nvPr>
+        </p:nvSpPr>
+        <p:spPr>
+          <a:xfrm>
+            <a:off x="1143001" y="238897"/>
+            <a:ext cx="9905998" cy="1905000"/>
+          </a:xfrm>
+        </p:spPr>
+        <p:txBody>
+          <a:bodyPr/>
+          <a:lstStyle/>
+          <a:p>
+            <a:r>
+              <a:rPr lang="en-DE"/>
+              <a:t>Konto anlegen</a:t>
+            </a:r>
+            <a:endParaRPr lang="en-DE" dirty="0"/>
+          </a:p>
+        </p:txBody>
+      </p:sp>
+      <p:pic>
+        <p:nvPicPr>
+          <p:cNvPr id="1030" name="Picture 6">
+            <a:extLst>
+              <a:ext uri="{FF2B5EF4-FFF2-40B4-BE49-F238E27FC236}">
+                <a16:creationId xmlns:a16="http://schemas.microsoft.com/office/drawing/2014/main" id="{7E3B73F8-7FDA-433E-B4F9-DDB415B648B7}"/>
+              </a:ext>
+            </a:extLst>
+          </p:cNvPr>
+          <p:cNvPicPr>
+            <a:picLocks noChangeAspect="1" noChangeArrowheads="1"/>
+          </p:cNvPicPr>
+          <p:nvPr/>
+        </p:nvPicPr>
+        <p:blipFill>
+          <a:blip r:embed="rId2">
+            <a:extLst>
+              <a:ext uri="{28A0092B-C50C-407E-A947-70E740481C1C}">
+                <a14:useLocalDpi xmlns:a14="http://schemas.microsoft.com/office/drawing/2010/main" val="0"/>
+              </a:ext>
+            </a:extLst>
+          </a:blip>
+          <a:srcRect/>
+          <a:stretch>
+            <a:fillRect/>
+          </a:stretch>
+        </p:blipFill>
+        <p:spPr bwMode="auto">
+          <a:xfrm>
+            <a:off x="1487978" y="1649273"/>
+            <a:ext cx="9216044" cy="4518021"/>
+          </a:xfrm>
+          <a:prstGeom prst="rect">
+            <a:avLst/>
+          </a:prstGeom>
+          <a:noFill/>
+          <a:extLst>
+            <a:ext uri="{909E8E84-426E-40DD-AFC4-6F175D3DCCD1}">
+              <a14:hiddenFill xmlns:a14="http://schemas.microsoft.com/office/drawing/2010/main">
+                <a:solidFill>
+                  <a:srgbClr val="FFFFFF"/>
+                </a:solidFill>
+              </a14:hiddenFill>
+            </a:ext>
+          </a:extLst>
+        </p:spPr>
+      </p:pic>
+    </p:spTree>
+    <p:extLst>
+      <p:ext uri="{BB962C8B-B14F-4D97-AF65-F5344CB8AC3E}">
+        <p14:creationId xmlns:p14="http://schemas.microsoft.com/office/powerpoint/2010/main" val="913183999"/>
+      </p:ext>
+    </p:extLst>
+  </p:cSld>
+  <p:clrMapOvr>
+    <a:masterClrMapping/>
+  </p:clrMapOvr>
+</p:sld>
+</file>
+
+<file path=ppt/slides/slide7.xml><?xml version="1.0" encoding="utf-8"?>
+<p:sld xmlns:a="http://schemas.openxmlformats.org/drawingml/2006/main" xmlns:r="http://schemas.openxmlformats.org/officeDocument/2006/relationships" xmlns:p="http://schemas.openxmlformats.org/presentationml/2006/main">
+  <p:cSld>
+    <p:spTree>
+      <p:nvGrpSpPr>
+        <p:cNvPr id="1" name=""/>
+        <p:cNvGrpSpPr/>
+        <p:nvPr/>
+      </p:nvGrpSpPr>
+      <p:grpSpPr>
+        <a:xfrm>
+          <a:off x="0" y="0"/>
+          <a:ext cx="0" cy="0"/>
+          <a:chOff x="0" y="0"/>
+          <a:chExt cx="0" cy="0"/>
+        </a:xfrm>
+      </p:grpSpPr>
+      <p:sp>
+        <p:nvSpPr>
+          <p:cNvPr id="2" name="Title 1">
+            <a:extLst>
+              <a:ext uri="{FF2B5EF4-FFF2-40B4-BE49-F238E27FC236}">
+                <a16:creationId xmlns:a16="http://schemas.microsoft.com/office/drawing/2014/main" id="{BFEBBFCD-1E8B-5942-B969-B8CC98D9B4F1}"/>
+              </a:ext>
+            </a:extLst>
+          </p:cNvPr>
+          <p:cNvSpPr>
+            <a:spLocks noGrp="1"/>
+          </p:cNvSpPr>
+          <p:nvPr>
+            <p:ph type="title"/>
+          </p:nvPr>
+        </p:nvSpPr>
+        <p:spPr>
+          <a:xfrm>
+            <a:off x="1143001" y="288324"/>
+            <a:ext cx="9905998" cy="1905000"/>
+          </a:xfrm>
+        </p:spPr>
+        <p:txBody>
+          <a:bodyPr/>
+          <a:lstStyle/>
+          <a:p>
+            <a:r>
+              <a:rPr lang="en-DE" dirty="0"/>
+              <a:t>Konto aufladen</a:t>
+            </a:r>
+          </a:p>
+        </p:txBody>
+      </p:sp>
+      <p:pic>
+        <p:nvPicPr>
+          <p:cNvPr id="3074" name="Picture 2">
+            <a:extLst>
+              <a:ext uri="{FF2B5EF4-FFF2-40B4-BE49-F238E27FC236}">
+                <a16:creationId xmlns:a16="http://schemas.microsoft.com/office/drawing/2014/main" id="{3E8FA14C-7DD4-C648-A05E-CBCBB070C66E}"/>
+              </a:ext>
+            </a:extLst>
+          </p:cNvPr>
+          <p:cNvPicPr>
+            <a:picLocks noChangeAspect="1" noChangeArrowheads="1"/>
+          </p:cNvPicPr>
+          <p:nvPr/>
+        </p:nvPicPr>
+        <p:blipFill>
+          <a:blip r:embed="rId2">
+            <a:extLst>
+              <a:ext uri="{28A0092B-C50C-407E-A947-70E740481C1C}">
+                <a14:useLocalDpi xmlns:a14="http://schemas.microsoft.com/office/drawing/2010/main" val="0"/>
+              </a:ext>
+            </a:extLst>
+          </a:blip>
+          <a:srcRect/>
+          <a:stretch>
+            <a:fillRect/>
+          </a:stretch>
+        </p:blipFill>
+        <p:spPr bwMode="auto">
+          <a:xfrm>
+            <a:off x="1143001" y="1868764"/>
+            <a:ext cx="9905998" cy="4298629"/>
+          </a:xfrm>
+          <a:prstGeom prst="rect">
+            <a:avLst/>
+          </a:prstGeom>
+          <a:noFill/>
+          <a:extLst>
+            <a:ext uri="{909E8E84-426E-40DD-AFC4-6F175D3DCCD1}">
+              <a14:hiddenFill xmlns:a14="http://schemas.microsoft.com/office/drawing/2010/main">
+                <a:solidFill>
+                  <a:srgbClr val="FFFFFF"/>
+                </a:solidFill>
+              </a14:hiddenFill>
+            </a:ext>
+          </a:extLst>
+        </p:spPr>
+      </p:pic>
+    </p:spTree>
+    <p:extLst>
+      <p:ext uri="{BB962C8B-B14F-4D97-AF65-F5344CB8AC3E}">
+        <p14:creationId xmlns:p14="http://schemas.microsoft.com/office/powerpoint/2010/main" val="1101636108"/>
+      </p:ext>
+    </p:extLst>
+  </p:cSld>
+  <p:clrMapOvr>
+    <a:masterClrMapping/>
+  </p:clrMapOvr>
+</p:sld>
+</file>
+
+<file path=ppt/slides/slide8.xml><?xml version="1.0" encoding="utf-8"?>
+<p:sld xmlns:a="http://schemas.openxmlformats.org/drawingml/2006/main" xmlns:r="http://schemas.openxmlformats.org/officeDocument/2006/relationships" xmlns:p="http://schemas.openxmlformats.org/presentationml/2006/main">
+  <p:cSld>
+    <p:spTree>
+      <p:nvGrpSpPr>
+        <p:cNvPr id="1" name=""/>
+        <p:cNvGrpSpPr/>
+        <p:nvPr/>
+      </p:nvGrpSpPr>
+      <p:grpSpPr>
+        <a:xfrm>
+          <a:off x="0" y="0"/>
+          <a:ext cx="0" cy="0"/>
+          <a:chOff x="0" y="0"/>
+          <a:chExt cx="0" cy="0"/>
+        </a:xfrm>
+      </p:grpSpPr>
+      <p:sp>
+        <p:nvSpPr>
+          <p:cNvPr id="2" name="Title 1">
+            <a:extLst>
+              <a:ext uri="{FF2B5EF4-FFF2-40B4-BE49-F238E27FC236}">
+                <a16:creationId xmlns:a16="http://schemas.microsoft.com/office/drawing/2014/main" id="{1BC47F67-F64A-FB43-97E0-D97772AC25CD}"/>
+              </a:ext>
+            </a:extLst>
+          </p:cNvPr>
+          <p:cNvSpPr>
+            <a:spLocks noGrp="1"/>
+          </p:cNvSpPr>
+          <p:nvPr>
+            <p:ph type="title"/>
+          </p:nvPr>
+        </p:nvSpPr>
+        <p:spPr>
+          <a:xfrm>
+            <a:off x="1143000" y="300680"/>
+            <a:ext cx="9905998" cy="1905000"/>
+          </a:xfrm>
+        </p:spPr>
+        <p:txBody>
+          <a:bodyPr/>
+          <a:lstStyle/>
+          <a:p>
+            <a:r>
+              <a:rPr lang="en-DE" dirty="0"/>
+              <a:t>Geld versenden</a:t>
+            </a:r>
+          </a:p>
+        </p:txBody>
+      </p:sp>
+      <p:pic>
+        <p:nvPicPr>
+          <p:cNvPr id="4098" name="Picture 2">
+            <a:extLst>
+              <a:ext uri="{FF2B5EF4-FFF2-40B4-BE49-F238E27FC236}">
+                <a16:creationId xmlns:a16="http://schemas.microsoft.com/office/drawing/2014/main" id="{512290B8-B2CD-8540-BEA0-A1538AD8A950}"/>
+              </a:ext>
+            </a:extLst>
+          </p:cNvPr>
+          <p:cNvPicPr>
+            <a:picLocks noChangeAspect="1" noChangeArrowheads="1"/>
+          </p:cNvPicPr>
+          <p:nvPr/>
+        </p:nvPicPr>
+        <p:blipFill>
+          <a:blip r:embed="rId2">
+            <a:extLst>
+              <a:ext uri="{28A0092B-C50C-407E-A947-70E740481C1C}">
+                <a14:useLocalDpi xmlns:a14="http://schemas.microsoft.com/office/drawing/2010/main" val="0"/>
+              </a:ext>
+            </a:extLst>
+          </a:blip>
+          <a:srcRect/>
+          <a:stretch>
+            <a:fillRect/>
+          </a:stretch>
+        </p:blipFill>
+        <p:spPr bwMode="auto">
+          <a:xfrm>
+            <a:off x="1298043" y="2001795"/>
+            <a:ext cx="9595913" cy="4328984"/>
+          </a:xfrm>
+          <a:prstGeom prst="rect">
+            <a:avLst/>
+          </a:prstGeom>
+          <a:noFill/>
+          <a:extLst>
+            <a:ext uri="{909E8E84-426E-40DD-AFC4-6F175D3DCCD1}">
+              <a14:hiddenFill xmlns:a14="http://schemas.microsoft.com/office/drawing/2010/main">
+                <a:solidFill>
+                  <a:srgbClr val="FFFFFF"/>
+                </a:solidFill>
+              </a14:hiddenFill>
+            </a:ext>
+          </a:extLst>
+        </p:spPr>
+      </p:pic>
+    </p:spTree>
+    <p:extLst>
+      <p:ext uri="{BB962C8B-B14F-4D97-AF65-F5344CB8AC3E}">
+        <p14:creationId xmlns:p14="http://schemas.microsoft.com/office/powerpoint/2010/main" val="3093618456"/>
+      </p:ext>
+    </p:extLst>
+  </p:cSld>
+  <p:clrMapOvr>
+    <a:masterClrMapping/>
+  </p:clrMapOvr>
+</p:sld>
+</file>
+
+<file path=ppt/slides/slide9.xml><?xml version="1.0" encoding="utf-8"?>
+<p:sld xmlns:a="http://schemas.openxmlformats.org/drawingml/2006/main" xmlns:r="http://schemas.openxmlformats.org/officeDocument/2006/relationships" xmlns:p="http://schemas.openxmlformats.org/presentationml/2006/main">
+  <p:cSld>
+    <p:spTree>
+      <p:nvGrpSpPr>
+        <p:cNvPr id="1" name=""/>
+        <p:cNvGrpSpPr/>
+        <p:nvPr/>
+      </p:nvGrpSpPr>
+      <p:grpSpPr>
+        <a:xfrm>
+          <a:off x="0" y="0"/>
+          <a:ext cx="0" cy="0"/>
+          <a:chOff x="0" y="0"/>
+          <a:chExt cx="0" cy="0"/>
+        </a:xfrm>
+      </p:grpSpPr>
+      <p:sp>
+        <p:nvSpPr>
+          <p:cNvPr id="2" name="Title 1">
+            <a:extLst>
+              <a:ext uri="{FF2B5EF4-FFF2-40B4-BE49-F238E27FC236}">
+                <a16:creationId xmlns:a16="http://schemas.microsoft.com/office/drawing/2014/main" id="{13C2C3AA-CB91-9C40-9766-E4933CC2BE8C}"/>
+              </a:ext>
+            </a:extLst>
+          </p:cNvPr>
+          <p:cNvSpPr>
+            <a:spLocks noGrp="1"/>
+          </p:cNvSpPr>
+          <p:nvPr>
+            <p:ph type="title"/>
+          </p:nvPr>
+        </p:nvSpPr>
+        <p:spPr>
+          <a:xfrm>
+            <a:off x="1143001" y="178676"/>
+            <a:ext cx="9905998" cy="1905000"/>
+          </a:xfrm>
+        </p:spPr>
+        <p:txBody>
+          <a:bodyPr/>
+          <a:lstStyle/>
+          <a:p>
+            <a:r>
+              <a:rPr lang="en-GB" dirty="0"/>
+              <a:t>G</a:t>
+            </a:r>
+            <a:r>
+              <a:rPr lang="en-DE" dirty="0"/>
+              <a:t>enerelle Datenverarbeitung</a:t>
+            </a:r>
+          </a:p>
+        </p:txBody>
+      </p:sp>
+      <p:pic>
+        <p:nvPicPr>
+          <p:cNvPr id="5122" name="Picture 2">
+            <a:extLst>
+              <a:ext uri="{FF2B5EF4-FFF2-40B4-BE49-F238E27FC236}">
+                <a16:creationId xmlns:a16="http://schemas.microsoft.com/office/drawing/2014/main" id="{E5158874-E3A9-A646-A5F3-D7C4A5A93718}"/>
+              </a:ext>
+            </a:extLst>
+          </p:cNvPr>
+          <p:cNvPicPr>
+            <a:picLocks noChangeAspect="1" noChangeArrowheads="1"/>
+          </p:cNvPicPr>
+          <p:nvPr/>
+        </p:nvPicPr>
+        <p:blipFill>
+          <a:blip r:embed="rId2">
+            <a:extLst>
+              <a:ext uri="{28A0092B-C50C-407E-A947-70E740481C1C}">
+                <a14:useLocalDpi xmlns:a14="http://schemas.microsoft.com/office/drawing/2010/main" val="0"/>
+              </a:ext>
+            </a:extLst>
+          </a:blip>
+          <a:srcRect/>
+          <a:stretch>
+            <a:fillRect/>
+          </a:stretch>
+        </p:blipFill>
+        <p:spPr bwMode="auto">
+          <a:xfrm>
+            <a:off x="542340" y="1887694"/>
+            <a:ext cx="11107319" cy="4104101"/>
+          </a:xfrm>
+          <a:prstGeom prst="rect">
+            <a:avLst/>
+          </a:prstGeom>
+          <a:noFill/>
+          <a:extLst>
+            <a:ext uri="{909E8E84-426E-40DD-AFC4-6F175D3DCCD1}">
+              <a14:hiddenFill xmlns:a14="http://schemas.microsoft.com/office/drawing/2010/main">
+                <a:solidFill>
+                  <a:srgbClr val="FFFFFF"/>
+                </a:solidFill>
+              </a14:hiddenFill>
+            </a:ext>
+          </a:extLst>
+        </p:spPr>
+      </p:pic>
+    </p:spTree>
+    <p:extLst>
+      <p:ext uri="{BB962C8B-B14F-4D97-AF65-F5344CB8AC3E}">
+        <p14:creationId xmlns:p14="http://schemas.microsoft.com/office/powerpoint/2010/main" val="3255162893"/>
+      </p:ext>
+    </p:extLst>
+  </p:cSld>
+  <p:clrMapOvr>
+    <a:masterClrMapping/>
   </p:clrMapOvr>
 </p:sld>
 </file>
